--- a/algorithm/electricity/03_denki-koujishi/01_kakomon/R1_1/02_jitsugi/q01/a01.pptx
+++ b/algorithm/electricity/03_denki-koujishi/01_kakomon/R1_1/02_jitsugi/q01/a01.pptx
@@ -9,6 +9,7 @@
     <p:sldId id="304" r:id="rId3"/>
     <p:sldId id="305" r:id="rId4"/>
     <p:sldId id="306" r:id="rId5"/>
+    <p:sldId id="307" r:id="rId6"/>
   </p:sldIdLst>
   <p:sldSz cx="12192000" cy="6858000"/>
   <p:notesSz cx="6858000" cy="9144000"/>
@@ -11573,6 +11574,3266 @@
 </p:sld>
 </file>
 
+<file path=ppt/slides/slide5.xml><?xml version="1.0" encoding="utf-8"?>
+<p:sld xmlns:a="http://schemas.openxmlformats.org/drawingml/2006/main" xmlns:r="http://schemas.openxmlformats.org/officeDocument/2006/relationships" xmlns:p="http://schemas.openxmlformats.org/presentationml/2006/main">
+  <p:cSld>
+    <p:spTree>
+      <p:nvGrpSpPr>
+        <p:cNvPr id="1" name=""/>
+        <p:cNvGrpSpPr/>
+        <p:nvPr/>
+      </p:nvGrpSpPr>
+      <p:grpSpPr>
+        <a:xfrm>
+          <a:off x="0" y="0"/>
+          <a:ext cx="0" cy="0"/>
+          <a:chOff x="0" y="0"/>
+          <a:chExt cx="0" cy="0"/>
+        </a:xfrm>
+      </p:grpSpPr>
+      <p:cxnSp>
+        <p:nvCxnSpPr>
+          <p:cNvPr id="63" name="直線コネクタ 62">
+            <a:extLst>
+              <a:ext uri="{FF2B5EF4-FFF2-40B4-BE49-F238E27FC236}">
+                <a16:creationId xmlns:a16="http://schemas.microsoft.com/office/drawing/2014/main" id="{950E2D49-E468-41F4-A082-839B6BF244C5}"/>
+              </a:ext>
+            </a:extLst>
+          </p:cNvPr>
+          <p:cNvCxnSpPr>
+            <a:cxnSpLocks/>
+          </p:cNvCxnSpPr>
+          <p:nvPr/>
+        </p:nvCxnSpPr>
+        <p:spPr>
+          <a:xfrm flipH="1">
+            <a:off x="3724812" y="4373265"/>
+            <a:ext cx="767342" cy="0"/>
+          </a:xfrm>
+          <a:prstGeom prst="line">
+            <a:avLst/>
+          </a:prstGeom>
+          <a:ln w="57150">
+            <a:solidFill>
+              <a:schemeClr val="bg2">
+                <a:lumMod val="10000"/>
+              </a:schemeClr>
+            </a:solidFill>
+          </a:ln>
+        </p:spPr>
+        <p:style>
+          <a:lnRef idx="1">
+            <a:schemeClr val="accent1"/>
+          </a:lnRef>
+          <a:fillRef idx="0">
+            <a:schemeClr val="accent1"/>
+          </a:fillRef>
+          <a:effectRef idx="0">
+            <a:schemeClr val="accent1"/>
+          </a:effectRef>
+          <a:fontRef idx="minor">
+            <a:schemeClr val="tx1"/>
+          </a:fontRef>
+        </p:style>
+      </p:cxnSp>
+      <p:sp>
+        <p:nvSpPr>
+          <p:cNvPr id="65" name="テキスト ボックス 64">
+            <a:extLst>
+              <a:ext uri="{FF2B5EF4-FFF2-40B4-BE49-F238E27FC236}">
+                <a16:creationId xmlns:a16="http://schemas.microsoft.com/office/drawing/2014/main" id="{720CAE87-79A7-4680-AF5B-CD23648F3E71}"/>
+              </a:ext>
+            </a:extLst>
+          </p:cNvPr>
+          <p:cNvSpPr txBox="1"/>
+          <p:nvPr/>
+        </p:nvSpPr>
+        <p:spPr>
+          <a:xfrm>
+            <a:off x="7277830" y="473748"/>
+            <a:ext cx="492443" cy="461665"/>
+          </a:xfrm>
+          <a:prstGeom prst="rect">
+            <a:avLst/>
+          </a:prstGeom>
+          <a:noFill/>
+        </p:spPr>
+        <p:txBody>
+          <a:bodyPr wrap="none" rtlCol="0">
+            <a:spAutoFit/>
+          </a:bodyPr>
+          <a:lstStyle/>
+          <a:p>
+            <a:r>
+              <a:rPr kumimoji="1" lang="ja-JP" altLang="en-US" sz="2400" b="1" dirty="0">
+                <a:latin typeface="Georgia" panose="02040502050405020303" pitchFamily="18" charset="0"/>
+              </a:rPr>
+              <a:t>ロ</a:t>
+            </a:r>
+          </a:p>
+        </p:txBody>
+      </p:sp>
+      <p:sp>
+        <p:nvSpPr>
+          <p:cNvPr id="44" name="楕円 43">
+            <a:extLst>
+              <a:ext uri="{FF2B5EF4-FFF2-40B4-BE49-F238E27FC236}">
+                <a16:creationId xmlns:a16="http://schemas.microsoft.com/office/drawing/2014/main" id="{F928BFB5-9CA6-4D76-89C5-95229637D3F1}"/>
+              </a:ext>
+            </a:extLst>
+          </p:cNvPr>
+          <p:cNvSpPr/>
+          <p:nvPr/>
+        </p:nvSpPr>
+        <p:spPr>
+          <a:xfrm>
+            <a:off x="6491032" y="174522"/>
+            <a:ext cx="786798" cy="818707"/>
+          </a:xfrm>
+          <a:prstGeom prst="ellipse">
+            <a:avLst/>
+          </a:prstGeom>
+          <a:solidFill>
+            <a:schemeClr val="bg1"/>
+          </a:solidFill>
+          <a:ln w="38100">
+            <a:solidFill>
+              <a:schemeClr val="bg2">
+                <a:lumMod val="10000"/>
+              </a:schemeClr>
+            </a:solidFill>
+          </a:ln>
+        </p:spPr>
+        <p:style>
+          <a:lnRef idx="2">
+            <a:schemeClr val="accent1">
+              <a:shade val="50000"/>
+            </a:schemeClr>
+          </a:lnRef>
+          <a:fillRef idx="1">
+            <a:schemeClr val="accent1"/>
+          </a:fillRef>
+          <a:effectRef idx="0">
+            <a:schemeClr val="accent1"/>
+          </a:effectRef>
+          <a:fontRef idx="minor">
+            <a:schemeClr val="lt1"/>
+          </a:fontRef>
+        </p:style>
+        <p:txBody>
+          <a:bodyPr rtlCol="0" anchor="ctr"/>
+          <a:lstStyle/>
+          <a:p>
+            <a:pPr algn="ctr"/>
+            <a:endParaRPr kumimoji="1" lang="ja-JP" altLang="en-US"/>
+          </a:p>
+        </p:txBody>
+      </p:sp>
+      <p:sp>
+        <p:nvSpPr>
+          <p:cNvPr id="17" name="テキスト ボックス 16">
+            <a:extLst>
+              <a:ext uri="{FF2B5EF4-FFF2-40B4-BE49-F238E27FC236}">
+                <a16:creationId xmlns:a16="http://schemas.microsoft.com/office/drawing/2014/main" id="{AC6C95F1-9AEE-4281-815C-B257B0651CA7}"/>
+              </a:ext>
+            </a:extLst>
+          </p:cNvPr>
+          <p:cNvSpPr txBox="1"/>
+          <p:nvPr/>
+        </p:nvSpPr>
+        <p:spPr>
+          <a:xfrm>
+            <a:off x="6598730" y="189796"/>
+            <a:ext cx="535724" cy="769441"/>
+          </a:xfrm>
+          <a:prstGeom prst="rect">
+            <a:avLst/>
+          </a:prstGeom>
+          <a:noFill/>
+        </p:spPr>
+        <p:txBody>
+          <a:bodyPr wrap="none" rtlCol="0">
+            <a:spAutoFit/>
+          </a:bodyPr>
+          <a:lstStyle/>
+          <a:p>
+            <a:r>
+              <a:rPr kumimoji="1" lang="en-US" altLang="ja-JP" sz="4400" dirty="0">
+                <a:latin typeface="Cambria Math" panose="02040503050406030204" pitchFamily="18" charset="0"/>
+                <a:ea typeface="Cambria Math" panose="02040503050406030204" pitchFamily="18" charset="0"/>
+              </a:rPr>
+              <a:t>R</a:t>
+            </a:r>
+            <a:endParaRPr kumimoji="1" lang="ja-JP" altLang="en-US" sz="4400" dirty="0">
+              <a:latin typeface="Cambria Math" panose="02040503050406030204" pitchFamily="18" charset="0"/>
+            </a:endParaRPr>
+          </a:p>
+        </p:txBody>
+      </p:sp>
+      <p:sp>
+        <p:nvSpPr>
+          <p:cNvPr id="35" name="正方形/長方形 34">
+            <a:extLst>
+              <a:ext uri="{FF2B5EF4-FFF2-40B4-BE49-F238E27FC236}">
+                <a16:creationId xmlns:a16="http://schemas.microsoft.com/office/drawing/2014/main" id="{9BB290CF-8627-4C8E-A04A-C618488AEDA6}"/>
+              </a:ext>
+            </a:extLst>
+          </p:cNvPr>
+          <p:cNvSpPr/>
+          <p:nvPr/>
+        </p:nvSpPr>
+        <p:spPr>
+          <a:xfrm>
+            <a:off x="3618033" y="283498"/>
+            <a:ext cx="951893" cy="521852"/>
+          </a:xfrm>
+          <a:prstGeom prst="rect">
+            <a:avLst/>
+          </a:prstGeom>
+          <a:solidFill>
+            <a:schemeClr val="bg1"/>
+          </a:solidFill>
+          <a:ln w="38100">
+            <a:solidFill>
+              <a:schemeClr val="tx1"/>
+            </a:solidFill>
+          </a:ln>
+        </p:spPr>
+        <p:style>
+          <a:lnRef idx="2">
+            <a:schemeClr val="accent1">
+              <a:shade val="50000"/>
+            </a:schemeClr>
+          </a:lnRef>
+          <a:fillRef idx="1">
+            <a:schemeClr val="accent1"/>
+          </a:fillRef>
+          <a:effectRef idx="0">
+            <a:schemeClr val="accent1"/>
+          </a:effectRef>
+          <a:fontRef idx="minor">
+            <a:schemeClr val="lt1"/>
+          </a:fontRef>
+        </p:style>
+        <p:txBody>
+          <a:bodyPr rtlCol="0" anchor="ctr"/>
+          <a:lstStyle/>
+          <a:p>
+            <a:pPr algn="ctr"/>
+            <a:endParaRPr kumimoji="1" lang="ja-JP" altLang="en-US"/>
+          </a:p>
+        </p:txBody>
+      </p:sp>
+      <p:sp>
+        <p:nvSpPr>
+          <p:cNvPr id="37" name="テキスト ボックス 36">
+            <a:extLst>
+              <a:ext uri="{FF2B5EF4-FFF2-40B4-BE49-F238E27FC236}">
+                <a16:creationId xmlns:a16="http://schemas.microsoft.com/office/drawing/2014/main" id="{46CB5375-02AF-44C3-95CC-D27DE052EDF3}"/>
+              </a:ext>
+            </a:extLst>
+          </p:cNvPr>
+          <p:cNvSpPr txBox="1"/>
+          <p:nvPr/>
+        </p:nvSpPr>
+        <p:spPr>
+          <a:xfrm>
+            <a:off x="3626492" y="283489"/>
+            <a:ext cx="979755" cy="523220"/>
+          </a:xfrm>
+          <a:prstGeom prst="rect">
+            <a:avLst/>
+          </a:prstGeom>
+          <a:noFill/>
+        </p:spPr>
+        <p:txBody>
+          <a:bodyPr wrap="none" rtlCol="0">
+            <a:spAutoFit/>
+          </a:bodyPr>
+          <a:lstStyle/>
+          <a:p>
+            <a:r>
+              <a:rPr kumimoji="1" lang="ja-JP" altLang="en-US" sz="2800" b="1" dirty="0">
+                <a:latin typeface="Cambria Math" panose="02040503050406030204" pitchFamily="18" charset="0"/>
+              </a:rPr>
+              <a:t>（ ）</a:t>
+            </a:r>
+          </a:p>
+        </p:txBody>
+      </p:sp>
+      <p:sp>
+        <p:nvSpPr>
+          <p:cNvPr id="46" name="テキスト ボックス 45">
+            <a:extLst>
+              <a:ext uri="{FF2B5EF4-FFF2-40B4-BE49-F238E27FC236}">
+                <a16:creationId xmlns:a16="http://schemas.microsoft.com/office/drawing/2014/main" id="{2D98B5E7-C3DE-40A1-A297-1839972F6A24}"/>
+              </a:ext>
+            </a:extLst>
+          </p:cNvPr>
+          <p:cNvSpPr txBox="1"/>
+          <p:nvPr/>
+        </p:nvSpPr>
+        <p:spPr>
+          <a:xfrm>
+            <a:off x="4544557" y="343685"/>
+            <a:ext cx="492443" cy="461665"/>
+          </a:xfrm>
+          <a:prstGeom prst="rect">
+            <a:avLst/>
+          </a:prstGeom>
+          <a:noFill/>
+        </p:spPr>
+        <p:txBody>
+          <a:bodyPr wrap="none" rtlCol="0">
+            <a:spAutoFit/>
+          </a:bodyPr>
+          <a:lstStyle/>
+          <a:p>
+            <a:r>
+              <a:rPr kumimoji="1" lang="ja-JP" altLang="en-US" sz="2400" b="1" dirty="0">
+                <a:latin typeface="Georgia" panose="02040502050405020303" pitchFamily="18" charset="0"/>
+              </a:rPr>
+              <a:t>イ</a:t>
+            </a:r>
+          </a:p>
+        </p:txBody>
+      </p:sp>
+      <p:cxnSp>
+        <p:nvCxnSpPr>
+          <p:cNvPr id="50" name="直線コネクタ 49">
+            <a:extLst>
+              <a:ext uri="{FF2B5EF4-FFF2-40B4-BE49-F238E27FC236}">
+                <a16:creationId xmlns:a16="http://schemas.microsoft.com/office/drawing/2014/main" id="{56332DDB-6A1C-4EF3-9621-CC3E4A766C5B}"/>
+              </a:ext>
+            </a:extLst>
+          </p:cNvPr>
+          <p:cNvCxnSpPr>
+            <a:cxnSpLocks/>
+            <a:stCxn id="51" idx="2"/>
+          </p:cNvCxnSpPr>
+          <p:nvPr/>
+        </p:nvCxnSpPr>
+        <p:spPr>
+          <a:xfrm flipH="1" flipV="1">
+            <a:off x="3885006" y="4808673"/>
+            <a:ext cx="519102" cy="211380"/>
+          </a:xfrm>
+          <a:prstGeom prst="line">
+            <a:avLst/>
+          </a:prstGeom>
+          <a:ln w="57150">
+            <a:solidFill>
+              <a:schemeClr val="bg2">
+                <a:lumMod val="10000"/>
+              </a:schemeClr>
+            </a:solidFill>
+          </a:ln>
+        </p:spPr>
+        <p:style>
+          <a:lnRef idx="1">
+            <a:schemeClr val="accent1"/>
+          </a:lnRef>
+          <a:fillRef idx="0">
+            <a:schemeClr val="accent1"/>
+          </a:fillRef>
+          <a:effectRef idx="0">
+            <a:schemeClr val="accent1"/>
+          </a:effectRef>
+          <a:fontRef idx="minor">
+            <a:schemeClr val="tx1"/>
+          </a:fontRef>
+        </p:style>
+      </p:cxnSp>
+      <p:sp>
+        <p:nvSpPr>
+          <p:cNvPr id="51" name="楕円 50">
+            <a:extLst>
+              <a:ext uri="{FF2B5EF4-FFF2-40B4-BE49-F238E27FC236}">
+                <a16:creationId xmlns:a16="http://schemas.microsoft.com/office/drawing/2014/main" id="{E6F324B7-CB58-422F-AADC-171144830AA8}"/>
+              </a:ext>
+            </a:extLst>
+          </p:cNvPr>
+          <p:cNvSpPr/>
+          <p:nvPr/>
+        </p:nvSpPr>
+        <p:spPr>
+          <a:xfrm flipV="1">
+            <a:off x="4404108" y="4928570"/>
+            <a:ext cx="176092" cy="182966"/>
+          </a:xfrm>
+          <a:prstGeom prst="ellipse">
+            <a:avLst/>
+          </a:prstGeom>
+          <a:noFill/>
+          <a:ln w="28575">
+            <a:solidFill>
+              <a:schemeClr val="tx1"/>
+            </a:solidFill>
+          </a:ln>
+        </p:spPr>
+        <p:style>
+          <a:lnRef idx="2">
+            <a:schemeClr val="accent1">
+              <a:shade val="50000"/>
+            </a:schemeClr>
+          </a:lnRef>
+          <a:fillRef idx="1">
+            <a:schemeClr val="accent1"/>
+          </a:fillRef>
+          <a:effectRef idx="0">
+            <a:schemeClr val="accent1"/>
+          </a:effectRef>
+          <a:fontRef idx="minor">
+            <a:schemeClr val="lt1"/>
+          </a:fontRef>
+        </p:style>
+        <p:txBody>
+          <a:bodyPr rtlCol="0" anchor="ctr"/>
+          <a:lstStyle/>
+          <a:p>
+            <a:pPr algn="ctr"/>
+            <a:endParaRPr kumimoji="1" lang="ja-JP" altLang="en-US"/>
+          </a:p>
+        </p:txBody>
+      </p:sp>
+      <p:sp>
+        <p:nvSpPr>
+          <p:cNvPr id="53" name="楕円 52">
+            <a:extLst>
+              <a:ext uri="{FF2B5EF4-FFF2-40B4-BE49-F238E27FC236}">
+                <a16:creationId xmlns:a16="http://schemas.microsoft.com/office/drawing/2014/main" id="{EF2B1A5F-1156-43DE-BA7E-97BCD2A47D2A}"/>
+              </a:ext>
+            </a:extLst>
+          </p:cNvPr>
+          <p:cNvSpPr/>
+          <p:nvPr/>
+        </p:nvSpPr>
+        <p:spPr>
+          <a:xfrm flipV="1">
+            <a:off x="3656178" y="4928225"/>
+            <a:ext cx="176092" cy="182966"/>
+          </a:xfrm>
+          <a:prstGeom prst="ellipse">
+            <a:avLst/>
+          </a:prstGeom>
+          <a:noFill/>
+          <a:ln w="28575">
+            <a:solidFill>
+              <a:schemeClr val="tx1"/>
+            </a:solidFill>
+          </a:ln>
+        </p:spPr>
+        <p:style>
+          <a:lnRef idx="2">
+            <a:schemeClr val="accent1">
+              <a:shade val="50000"/>
+            </a:schemeClr>
+          </a:lnRef>
+          <a:fillRef idx="1">
+            <a:schemeClr val="accent1"/>
+          </a:fillRef>
+          <a:effectRef idx="0">
+            <a:schemeClr val="accent1"/>
+          </a:effectRef>
+          <a:fontRef idx="minor">
+            <a:schemeClr val="lt1"/>
+          </a:fontRef>
+        </p:style>
+        <p:txBody>
+          <a:bodyPr rtlCol="0" anchor="ctr"/>
+          <a:lstStyle/>
+          <a:p>
+            <a:pPr algn="ctr"/>
+            <a:endParaRPr kumimoji="1" lang="ja-JP" altLang="en-US"/>
+          </a:p>
+        </p:txBody>
+      </p:sp>
+      <p:cxnSp>
+        <p:nvCxnSpPr>
+          <p:cNvPr id="55" name="直線コネクタ 54">
+            <a:extLst>
+              <a:ext uri="{FF2B5EF4-FFF2-40B4-BE49-F238E27FC236}">
+                <a16:creationId xmlns:a16="http://schemas.microsoft.com/office/drawing/2014/main" id="{7F65EDAD-F862-4A67-83DB-A8ECF73A00F4}"/>
+              </a:ext>
+            </a:extLst>
+          </p:cNvPr>
+          <p:cNvCxnSpPr>
+            <a:cxnSpLocks/>
+            <a:stCxn id="56" idx="2"/>
+          </p:cNvCxnSpPr>
+          <p:nvPr/>
+        </p:nvCxnSpPr>
+        <p:spPr>
+          <a:xfrm flipH="1" flipV="1">
+            <a:off x="3885006" y="5554592"/>
+            <a:ext cx="519102" cy="182966"/>
+          </a:xfrm>
+          <a:prstGeom prst="line">
+            <a:avLst/>
+          </a:prstGeom>
+          <a:ln w="57150">
+            <a:solidFill>
+              <a:schemeClr val="bg2">
+                <a:lumMod val="10000"/>
+              </a:schemeClr>
+            </a:solidFill>
+          </a:ln>
+        </p:spPr>
+        <p:style>
+          <a:lnRef idx="1">
+            <a:schemeClr val="accent1"/>
+          </a:lnRef>
+          <a:fillRef idx="0">
+            <a:schemeClr val="accent1"/>
+          </a:fillRef>
+          <a:effectRef idx="0">
+            <a:schemeClr val="accent1"/>
+          </a:effectRef>
+          <a:fontRef idx="minor">
+            <a:schemeClr val="tx1"/>
+          </a:fontRef>
+        </p:style>
+      </p:cxnSp>
+      <p:sp>
+        <p:nvSpPr>
+          <p:cNvPr id="56" name="楕円 55">
+            <a:extLst>
+              <a:ext uri="{FF2B5EF4-FFF2-40B4-BE49-F238E27FC236}">
+                <a16:creationId xmlns:a16="http://schemas.microsoft.com/office/drawing/2014/main" id="{6F64983C-8A89-4E4D-8122-0AD058935A51}"/>
+              </a:ext>
+            </a:extLst>
+          </p:cNvPr>
+          <p:cNvSpPr/>
+          <p:nvPr/>
+        </p:nvSpPr>
+        <p:spPr>
+          <a:xfrm flipV="1">
+            <a:off x="4404108" y="5646075"/>
+            <a:ext cx="176092" cy="182966"/>
+          </a:xfrm>
+          <a:prstGeom prst="ellipse">
+            <a:avLst/>
+          </a:prstGeom>
+          <a:noFill/>
+          <a:ln w="28575">
+            <a:solidFill>
+              <a:schemeClr val="tx1"/>
+            </a:solidFill>
+          </a:ln>
+        </p:spPr>
+        <p:style>
+          <a:lnRef idx="2">
+            <a:schemeClr val="accent1">
+              <a:shade val="50000"/>
+            </a:schemeClr>
+          </a:lnRef>
+          <a:fillRef idx="1">
+            <a:schemeClr val="accent1"/>
+          </a:fillRef>
+          <a:effectRef idx="0">
+            <a:schemeClr val="accent1"/>
+          </a:effectRef>
+          <a:fontRef idx="minor">
+            <a:schemeClr val="lt1"/>
+          </a:fontRef>
+        </p:style>
+        <p:txBody>
+          <a:bodyPr rtlCol="0" anchor="ctr"/>
+          <a:lstStyle/>
+          <a:p>
+            <a:pPr algn="ctr"/>
+            <a:endParaRPr kumimoji="1" lang="ja-JP" altLang="en-US"/>
+          </a:p>
+        </p:txBody>
+      </p:sp>
+      <p:sp>
+        <p:nvSpPr>
+          <p:cNvPr id="57" name="楕円 56">
+            <a:extLst>
+              <a:ext uri="{FF2B5EF4-FFF2-40B4-BE49-F238E27FC236}">
+                <a16:creationId xmlns:a16="http://schemas.microsoft.com/office/drawing/2014/main" id="{F4F8F858-C738-46FB-9F0D-CEC6F20372E8}"/>
+              </a:ext>
+            </a:extLst>
+          </p:cNvPr>
+          <p:cNvSpPr/>
+          <p:nvPr/>
+        </p:nvSpPr>
+        <p:spPr>
+          <a:xfrm flipV="1">
+            <a:off x="3656178" y="5645730"/>
+            <a:ext cx="176092" cy="182966"/>
+          </a:xfrm>
+          <a:prstGeom prst="ellipse">
+            <a:avLst/>
+          </a:prstGeom>
+          <a:noFill/>
+          <a:ln w="28575">
+            <a:solidFill>
+              <a:schemeClr val="tx1"/>
+            </a:solidFill>
+          </a:ln>
+        </p:spPr>
+        <p:style>
+          <a:lnRef idx="2">
+            <a:schemeClr val="accent1">
+              <a:shade val="50000"/>
+            </a:schemeClr>
+          </a:lnRef>
+          <a:fillRef idx="1">
+            <a:schemeClr val="accent1"/>
+          </a:fillRef>
+          <a:effectRef idx="0">
+            <a:schemeClr val="accent1"/>
+          </a:effectRef>
+          <a:fontRef idx="minor">
+            <a:schemeClr val="lt1"/>
+          </a:fontRef>
+        </p:style>
+        <p:txBody>
+          <a:bodyPr rtlCol="0" anchor="ctr"/>
+          <a:lstStyle/>
+          <a:p>
+            <a:pPr algn="ctr"/>
+            <a:endParaRPr kumimoji="1" lang="ja-JP" altLang="en-US"/>
+          </a:p>
+        </p:txBody>
+      </p:sp>
+      <p:cxnSp>
+        <p:nvCxnSpPr>
+          <p:cNvPr id="58" name="直線コネクタ 57">
+            <a:extLst>
+              <a:ext uri="{FF2B5EF4-FFF2-40B4-BE49-F238E27FC236}">
+                <a16:creationId xmlns:a16="http://schemas.microsoft.com/office/drawing/2014/main" id="{D5493E3F-4238-40FB-BD29-3EE1D05C695C}"/>
+              </a:ext>
+            </a:extLst>
+          </p:cNvPr>
+          <p:cNvCxnSpPr>
+            <a:cxnSpLocks/>
+            <a:stCxn id="60" idx="2"/>
+          </p:cNvCxnSpPr>
+          <p:nvPr/>
+        </p:nvCxnSpPr>
+        <p:spPr>
+          <a:xfrm flipH="1" flipV="1">
+            <a:off x="3865594" y="6308224"/>
+            <a:ext cx="519102" cy="182966"/>
+          </a:xfrm>
+          <a:prstGeom prst="line">
+            <a:avLst/>
+          </a:prstGeom>
+          <a:ln w="57150">
+            <a:solidFill>
+              <a:schemeClr val="bg2">
+                <a:lumMod val="10000"/>
+              </a:schemeClr>
+            </a:solidFill>
+          </a:ln>
+        </p:spPr>
+        <p:style>
+          <a:lnRef idx="1">
+            <a:schemeClr val="accent1"/>
+          </a:lnRef>
+          <a:fillRef idx="0">
+            <a:schemeClr val="accent1"/>
+          </a:fillRef>
+          <a:effectRef idx="0">
+            <a:schemeClr val="accent1"/>
+          </a:effectRef>
+          <a:fontRef idx="minor">
+            <a:schemeClr val="tx1"/>
+          </a:fontRef>
+        </p:style>
+      </p:cxnSp>
+      <p:sp>
+        <p:nvSpPr>
+          <p:cNvPr id="60" name="楕円 59">
+            <a:extLst>
+              <a:ext uri="{FF2B5EF4-FFF2-40B4-BE49-F238E27FC236}">
+                <a16:creationId xmlns:a16="http://schemas.microsoft.com/office/drawing/2014/main" id="{F7B24578-941C-439B-B7BC-DD87230A0A2E}"/>
+              </a:ext>
+            </a:extLst>
+          </p:cNvPr>
+          <p:cNvSpPr/>
+          <p:nvPr/>
+        </p:nvSpPr>
+        <p:spPr>
+          <a:xfrm flipV="1">
+            <a:off x="4384696" y="6399707"/>
+            <a:ext cx="176092" cy="182966"/>
+          </a:xfrm>
+          <a:prstGeom prst="ellipse">
+            <a:avLst/>
+          </a:prstGeom>
+          <a:noFill/>
+          <a:ln w="28575">
+            <a:solidFill>
+              <a:schemeClr val="tx1"/>
+            </a:solidFill>
+          </a:ln>
+        </p:spPr>
+        <p:style>
+          <a:lnRef idx="2">
+            <a:schemeClr val="accent1">
+              <a:shade val="50000"/>
+            </a:schemeClr>
+          </a:lnRef>
+          <a:fillRef idx="1">
+            <a:schemeClr val="accent1"/>
+          </a:fillRef>
+          <a:effectRef idx="0">
+            <a:schemeClr val="accent1"/>
+          </a:effectRef>
+          <a:fontRef idx="minor">
+            <a:schemeClr val="lt1"/>
+          </a:fontRef>
+        </p:style>
+        <p:txBody>
+          <a:bodyPr rtlCol="0" anchor="ctr"/>
+          <a:lstStyle/>
+          <a:p>
+            <a:pPr algn="ctr"/>
+            <a:endParaRPr kumimoji="1" lang="ja-JP" altLang="en-US"/>
+          </a:p>
+        </p:txBody>
+      </p:sp>
+      <p:sp>
+        <p:nvSpPr>
+          <p:cNvPr id="61" name="楕円 60">
+            <a:extLst>
+              <a:ext uri="{FF2B5EF4-FFF2-40B4-BE49-F238E27FC236}">
+                <a16:creationId xmlns:a16="http://schemas.microsoft.com/office/drawing/2014/main" id="{142C239D-717E-4A0E-94EC-8511394A6D8C}"/>
+              </a:ext>
+            </a:extLst>
+          </p:cNvPr>
+          <p:cNvSpPr/>
+          <p:nvPr/>
+        </p:nvSpPr>
+        <p:spPr>
+          <a:xfrm flipV="1">
+            <a:off x="3636766" y="6399362"/>
+            <a:ext cx="176092" cy="182966"/>
+          </a:xfrm>
+          <a:prstGeom prst="ellipse">
+            <a:avLst/>
+          </a:prstGeom>
+          <a:noFill/>
+          <a:ln w="28575">
+            <a:solidFill>
+              <a:schemeClr val="tx1"/>
+            </a:solidFill>
+          </a:ln>
+        </p:spPr>
+        <p:style>
+          <a:lnRef idx="2">
+            <a:schemeClr val="accent1">
+              <a:shade val="50000"/>
+            </a:schemeClr>
+          </a:lnRef>
+          <a:fillRef idx="1">
+            <a:schemeClr val="accent1"/>
+          </a:fillRef>
+          <a:effectRef idx="0">
+            <a:schemeClr val="accent1"/>
+          </a:effectRef>
+          <a:fontRef idx="minor">
+            <a:schemeClr val="lt1"/>
+          </a:fontRef>
+        </p:style>
+        <p:txBody>
+          <a:bodyPr rtlCol="0" anchor="ctr"/>
+          <a:lstStyle/>
+          <a:p>
+            <a:pPr algn="ctr"/>
+            <a:endParaRPr kumimoji="1" lang="ja-JP" altLang="en-US"/>
+          </a:p>
+        </p:txBody>
+      </p:sp>
+      <p:sp>
+        <p:nvSpPr>
+          <p:cNvPr id="4" name="楕円 3">
+            <a:extLst>
+              <a:ext uri="{FF2B5EF4-FFF2-40B4-BE49-F238E27FC236}">
+                <a16:creationId xmlns:a16="http://schemas.microsoft.com/office/drawing/2014/main" id="{EAC14F3B-5816-4EA6-9790-4FCAEA737CC6}"/>
+              </a:ext>
+            </a:extLst>
+          </p:cNvPr>
+          <p:cNvSpPr/>
+          <p:nvPr/>
+        </p:nvSpPr>
+        <p:spPr>
+          <a:xfrm flipV="1">
+            <a:off x="3925339" y="4196792"/>
+            <a:ext cx="347597" cy="352946"/>
+          </a:xfrm>
+          <a:prstGeom prst="ellipse">
+            <a:avLst/>
+          </a:prstGeom>
+          <a:solidFill>
+            <a:schemeClr val="bg1"/>
+          </a:solidFill>
+          <a:ln w="28575">
+            <a:solidFill>
+              <a:schemeClr val="tx1"/>
+            </a:solidFill>
+          </a:ln>
+        </p:spPr>
+        <p:style>
+          <a:lnRef idx="2">
+            <a:schemeClr val="accent1">
+              <a:shade val="50000"/>
+            </a:schemeClr>
+          </a:lnRef>
+          <a:fillRef idx="1">
+            <a:schemeClr val="accent1"/>
+          </a:fillRef>
+          <a:effectRef idx="0">
+            <a:schemeClr val="accent1"/>
+          </a:effectRef>
+          <a:fontRef idx="minor">
+            <a:schemeClr val="lt1"/>
+          </a:fontRef>
+        </p:style>
+        <p:txBody>
+          <a:bodyPr rtlCol="0" anchor="ctr"/>
+          <a:lstStyle/>
+          <a:p>
+            <a:pPr algn="ctr"/>
+            <a:endParaRPr kumimoji="1" lang="ja-JP" altLang="en-US"/>
+          </a:p>
+        </p:txBody>
+      </p:sp>
+      <p:cxnSp>
+        <p:nvCxnSpPr>
+          <p:cNvPr id="64" name="直線コネクタ 63">
+            <a:extLst>
+              <a:ext uri="{FF2B5EF4-FFF2-40B4-BE49-F238E27FC236}">
+                <a16:creationId xmlns:a16="http://schemas.microsoft.com/office/drawing/2014/main" id="{4D658397-2C4B-4000-8063-9848F82650BA}"/>
+              </a:ext>
+            </a:extLst>
+          </p:cNvPr>
+          <p:cNvCxnSpPr>
+            <a:cxnSpLocks/>
+            <a:stCxn id="53" idx="4"/>
+          </p:cNvCxnSpPr>
+          <p:nvPr/>
+        </p:nvCxnSpPr>
+        <p:spPr>
+          <a:xfrm flipV="1">
+            <a:off x="3744224" y="4373265"/>
+            <a:ext cx="0" cy="554960"/>
+          </a:xfrm>
+          <a:prstGeom prst="line">
+            <a:avLst/>
+          </a:prstGeom>
+          <a:ln w="57150">
+            <a:solidFill>
+              <a:schemeClr val="bg2">
+                <a:lumMod val="10000"/>
+              </a:schemeClr>
+            </a:solidFill>
+          </a:ln>
+        </p:spPr>
+        <p:style>
+          <a:lnRef idx="1">
+            <a:schemeClr val="accent1"/>
+          </a:lnRef>
+          <a:fillRef idx="0">
+            <a:schemeClr val="accent1"/>
+          </a:fillRef>
+          <a:effectRef idx="0">
+            <a:schemeClr val="accent1"/>
+          </a:effectRef>
+          <a:fontRef idx="minor">
+            <a:schemeClr val="tx1"/>
+          </a:fontRef>
+        </p:style>
+      </p:cxnSp>
+      <p:cxnSp>
+        <p:nvCxnSpPr>
+          <p:cNvPr id="66" name="直線コネクタ 65">
+            <a:extLst>
+              <a:ext uri="{FF2B5EF4-FFF2-40B4-BE49-F238E27FC236}">
+                <a16:creationId xmlns:a16="http://schemas.microsoft.com/office/drawing/2014/main" id="{F9F57985-8243-4B72-9226-BFAD4CE2DEEC}"/>
+              </a:ext>
+            </a:extLst>
+          </p:cNvPr>
+          <p:cNvCxnSpPr>
+            <a:cxnSpLocks/>
+          </p:cNvCxnSpPr>
+          <p:nvPr/>
+        </p:nvCxnSpPr>
+        <p:spPr>
+          <a:xfrm flipV="1">
+            <a:off x="4516203" y="4373265"/>
+            <a:ext cx="0" cy="554960"/>
+          </a:xfrm>
+          <a:prstGeom prst="line">
+            <a:avLst/>
+          </a:prstGeom>
+          <a:ln w="57150">
+            <a:solidFill>
+              <a:schemeClr val="bg2">
+                <a:lumMod val="10000"/>
+              </a:schemeClr>
+            </a:solidFill>
+          </a:ln>
+        </p:spPr>
+        <p:style>
+          <a:lnRef idx="1">
+            <a:schemeClr val="accent1"/>
+          </a:lnRef>
+          <a:fillRef idx="0">
+            <a:schemeClr val="accent1"/>
+          </a:fillRef>
+          <a:effectRef idx="0">
+            <a:schemeClr val="accent1"/>
+          </a:effectRef>
+          <a:fontRef idx="minor">
+            <a:schemeClr val="tx1"/>
+          </a:fontRef>
+        </p:style>
+      </p:cxnSp>
+      <p:sp>
+        <p:nvSpPr>
+          <p:cNvPr id="5" name="楕円 4">
+            <a:extLst>
+              <a:ext uri="{FF2B5EF4-FFF2-40B4-BE49-F238E27FC236}">
+                <a16:creationId xmlns:a16="http://schemas.microsoft.com/office/drawing/2014/main" id="{4542E235-6EE1-4DB0-BE9E-EE5CE07EC58A}"/>
+              </a:ext>
+            </a:extLst>
+          </p:cNvPr>
+          <p:cNvSpPr/>
+          <p:nvPr/>
+        </p:nvSpPr>
+        <p:spPr>
+          <a:xfrm flipV="1">
+            <a:off x="1301683" y="2347697"/>
+            <a:ext cx="176092" cy="182966"/>
+          </a:xfrm>
+          <a:prstGeom prst="ellipse">
+            <a:avLst/>
+          </a:prstGeom>
+          <a:noFill/>
+          <a:ln w="28575">
+            <a:solidFill>
+              <a:schemeClr val="tx1"/>
+            </a:solidFill>
+          </a:ln>
+        </p:spPr>
+        <p:style>
+          <a:lnRef idx="2">
+            <a:schemeClr val="accent1">
+              <a:shade val="50000"/>
+            </a:schemeClr>
+          </a:lnRef>
+          <a:fillRef idx="1">
+            <a:schemeClr val="accent1"/>
+          </a:fillRef>
+          <a:effectRef idx="0">
+            <a:schemeClr val="accent1"/>
+          </a:effectRef>
+          <a:fontRef idx="minor">
+            <a:schemeClr val="lt1"/>
+          </a:fontRef>
+        </p:style>
+        <p:txBody>
+          <a:bodyPr rtlCol="0" anchor="ctr"/>
+          <a:lstStyle/>
+          <a:p>
+            <a:pPr algn="ctr"/>
+            <a:endParaRPr kumimoji="1" lang="ja-JP" altLang="en-US"/>
+          </a:p>
+        </p:txBody>
+      </p:sp>
+      <p:sp>
+        <p:nvSpPr>
+          <p:cNvPr id="6" name="楕円 5">
+            <a:extLst>
+              <a:ext uri="{FF2B5EF4-FFF2-40B4-BE49-F238E27FC236}">
+                <a16:creationId xmlns:a16="http://schemas.microsoft.com/office/drawing/2014/main" id="{630E7E12-91AA-49D1-96D5-8D8D3C17C1BA}"/>
+              </a:ext>
+            </a:extLst>
+          </p:cNvPr>
+          <p:cNvSpPr/>
+          <p:nvPr/>
+        </p:nvSpPr>
+        <p:spPr>
+          <a:xfrm flipV="1">
+            <a:off x="1301683" y="2836060"/>
+            <a:ext cx="176092" cy="182966"/>
+          </a:xfrm>
+          <a:prstGeom prst="ellipse">
+            <a:avLst/>
+          </a:prstGeom>
+          <a:solidFill>
+            <a:schemeClr val="tx1"/>
+          </a:solidFill>
+          <a:ln w="28575">
+            <a:noFill/>
+          </a:ln>
+        </p:spPr>
+        <p:style>
+          <a:lnRef idx="2">
+            <a:schemeClr val="accent1">
+              <a:shade val="50000"/>
+            </a:schemeClr>
+          </a:lnRef>
+          <a:fillRef idx="1">
+            <a:schemeClr val="accent1"/>
+          </a:fillRef>
+          <a:effectRef idx="0">
+            <a:schemeClr val="accent1"/>
+          </a:effectRef>
+          <a:fontRef idx="minor">
+            <a:schemeClr val="lt1"/>
+          </a:fontRef>
+        </p:style>
+        <p:txBody>
+          <a:bodyPr rtlCol="0" anchor="ctr"/>
+          <a:lstStyle/>
+          <a:p>
+            <a:pPr algn="ctr"/>
+            <a:endParaRPr kumimoji="1" lang="ja-JP" altLang="en-US"/>
+          </a:p>
+        </p:txBody>
+      </p:sp>
+      <p:sp>
+        <p:nvSpPr>
+          <p:cNvPr id="7" name="楕円 6">
+            <a:extLst>
+              <a:ext uri="{FF2B5EF4-FFF2-40B4-BE49-F238E27FC236}">
+                <a16:creationId xmlns:a16="http://schemas.microsoft.com/office/drawing/2014/main" id="{3B110D3F-0631-4A34-B34D-A3A8EAD6EF60}"/>
+              </a:ext>
+            </a:extLst>
+          </p:cNvPr>
+          <p:cNvSpPr/>
+          <p:nvPr/>
+        </p:nvSpPr>
+        <p:spPr>
+          <a:xfrm>
+            <a:off x="3122033" y="1746609"/>
+            <a:ext cx="2133009" cy="2235562"/>
+          </a:xfrm>
+          <a:prstGeom prst="ellipse">
+            <a:avLst/>
+          </a:prstGeom>
+          <a:solidFill>
+            <a:schemeClr val="bg1"/>
+          </a:solidFill>
+          <a:ln w="28575">
+            <a:solidFill>
+              <a:schemeClr val="bg2">
+                <a:lumMod val="10000"/>
+              </a:schemeClr>
+            </a:solidFill>
+            <a:prstDash val="dash"/>
+          </a:ln>
+        </p:spPr>
+        <p:style>
+          <a:lnRef idx="2">
+            <a:schemeClr val="accent1">
+              <a:shade val="50000"/>
+            </a:schemeClr>
+          </a:lnRef>
+          <a:fillRef idx="1">
+            <a:schemeClr val="accent1"/>
+          </a:fillRef>
+          <a:effectRef idx="0">
+            <a:schemeClr val="accent1"/>
+          </a:effectRef>
+          <a:fontRef idx="minor">
+            <a:schemeClr val="lt1"/>
+          </a:fontRef>
+        </p:style>
+        <p:txBody>
+          <a:bodyPr rtlCol="0" anchor="ctr"/>
+          <a:lstStyle/>
+          <a:p>
+            <a:pPr algn="ctr"/>
+            <a:endParaRPr kumimoji="1" lang="ja-JP" altLang="en-US"/>
+          </a:p>
+        </p:txBody>
+      </p:sp>
+      <p:sp>
+        <p:nvSpPr>
+          <p:cNvPr id="9" name="楕円 8">
+            <a:extLst>
+              <a:ext uri="{FF2B5EF4-FFF2-40B4-BE49-F238E27FC236}">
+                <a16:creationId xmlns:a16="http://schemas.microsoft.com/office/drawing/2014/main" id="{5F83C3E4-DD28-48F0-9CF1-131ACAD0A376}"/>
+              </a:ext>
+            </a:extLst>
+          </p:cNvPr>
+          <p:cNvSpPr/>
+          <p:nvPr/>
+        </p:nvSpPr>
+        <p:spPr>
+          <a:xfrm>
+            <a:off x="5912485" y="1746608"/>
+            <a:ext cx="2133000" cy="2235562"/>
+          </a:xfrm>
+          <a:prstGeom prst="ellipse">
+            <a:avLst/>
+          </a:prstGeom>
+          <a:solidFill>
+            <a:schemeClr val="bg1"/>
+          </a:solidFill>
+          <a:ln w="28575">
+            <a:solidFill>
+              <a:schemeClr val="bg2">
+                <a:lumMod val="10000"/>
+              </a:schemeClr>
+            </a:solidFill>
+            <a:prstDash val="dash"/>
+          </a:ln>
+        </p:spPr>
+        <p:style>
+          <a:lnRef idx="2">
+            <a:schemeClr val="accent1">
+              <a:shade val="50000"/>
+            </a:schemeClr>
+          </a:lnRef>
+          <a:fillRef idx="1">
+            <a:schemeClr val="accent1"/>
+          </a:fillRef>
+          <a:effectRef idx="0">
+            <a:schemeClr val="accent1"/>
+          </a:effectRef>
+          <a:fontRef idx="minor">
+            <a:schemeClr val="lt1"/>
+          </a:fontRef>
+        </p:style>
+        <p:txBody>
+          <a:bodyPr rtlCol="0" anchor="ctr"/>
+          <a:lstStyle/>
+          <a:p>
+            <a:pPr algn="ctr"/>
+            <a:endParaRPr kumimoji="1" lang="ja-JP" altLang="en-US"/>
+          </a:p>
+        </p:txBody>
+      </p:sp>
+      <p:cxnSp>
+        <p:nvCxnSpPr>
+          <p:cNvPr id="25" name="直線コネクタ 24">
+            <a:extLst>
+              <a:ext uri="{FF2B5EF4-FFF2-40B4-BE49-F238E27FC236}">
+                <a16:creationId xmlns:a16="http://schemas.microsoft.com/office/drawing/2014/main" id="{286FA6D0-744F-4228-A1D6-550A80B6B766}"/>
+              </a:ext>
+            </a:extLst>
+          </p:cNvPr>
+          <p:cNvCxnSpPr>
+            <a:cxnSpLocks/>
+          </p:cNvCxnSpPr>
+          <p:nvPr/>
+        </p:nvCxnSpPr>
+        <p:spPr>
+          <a:xfrm flipH="1">
+            <a:off x="1485336" y="2438307"/>
+            <a:ext cx="5224846" cy="0"/>
+          </a:xfrm>
+          <a:prstGeom prst="line">
+            <a:avLst/>
+          </a:prstGeom>
+          <a:ln w="57150">
+            <a:solidFill>
+              <a:schemeClr val="accent1">
+                <a:lumMod val="60000"/>
+                <a:lumOff val="40000"/>
+              </a:schemeClr>
+            </a:solidFill>
+          </a:ln>
+        </p:spPr>
+        <p:style>
+          <a:lnRef idx="1">
+            <a:schemeClr val="accent1"/>
+          </a:lnRef>
+          <a:fillRef idx="0">
+            <a:schemeClr val="accent1"/>
+          </a:fillRef>
+          <a:effectRef idx="0">
+            <a:schemeClr val="accent1"/>
+          </a:effectRef>
+          <a:fontRef idx="minor">
+            <a:schemeClr val="tx1"/>
+          </a:fontRef>
+        </p:style>
+      </p:cxnSp>
+      <p:cxnSp>
+        <p:nvCxnSpPr>
+          <p:cNvPr id="27" name="直線コネクタ 26">
+            <a:extLst>
+              <a:ext uri="{FF2B5EF4-FFF2-40B4-BE49-F238E27FC236}">
+                <a16:creationId xmlns:a16="http://schemas.microsoft.com/office/drawing/2014/main" id="{320D31DF-E495-492F-A5EE-AA96251C94EE}"/>
+              </a:ext>
+            </a:extLst>
+          </p:cNvPr>
+          <p:cNvCxnSpPr>
+            <a:cxnSpLocks/>
+          </p:cNvCxnSpPr>
+          <p:nvPr/>
+        </p:nvCxnSpPr>
+        <p:spPr>
+          <a:xfrm>
+            <a:off x="3856963" y="805350"/>
+            <a:ext cx="8631" cy="1632957"/>
+          </a:xfrm>
+          <a:prstGeom prst="line">
+            <a:avLst/>
+          </a:prstGeom>
+          <a:ln w="57150">
+            <a:solidFill>
+              <a:schemeClr val="accent1">
+                <a:lumMod val="60000"/>
+                <a:lumOff val="40000"/>
+              </a:schemeClr>
+            </a:solidFill>
+          </a:ln>
+        </p:spPr>
+        <p:style>
+          <a:lnRef idx="1">
+            <a:schemeClr val="accent1"/>
+          </a:lnRef>
+          <a:fillRef idx="0">
+            <a:schemeClr val="accent1"/>
+          </a:fillRef>
+          <a:effectRef idx="0">
+            <a:schemeClr val="accent1"/>
+          </a:effectRef>
+          <a:fontRef idx="minor">
+            <a:schemeClr val="tx1"/>
+          </a:fontRef>
+        </p:style>
+      </p:cxnSp>
+      <p:cxnSp>
+        <p:nvCxnSpPr>
+          <p:cNvPr id="30" name="直線コネクタ 29">
+            <a:extLst>
+              <a:ext uri="{FF2B5EF4-FFF2-40B4-BE49-F238E27FC236}">
+                <a16:creationId xmlns:a16="http://schemas.microsoft.com/office/drawing/2014/main" id="{0F317C30-A6DD-4760-9F72-9752B5CB73BD}"/>
+              </a:ext>
+            </a:extLst>
+          </p:cNvPr>
+          <p:cNvCxnSpPr>
+            <a:cxnSpLocks/>
+          </p:cNvCxnSpPr>
+          <p:nvPr/>
+        </p:nvCxnSpPr>
+        <p:spPr>
+          <a:xfrm>
+            <a:off x="6754199" y="1008503"/>
+            <a:ext cx="0" cy="4546089"/>
+          </a:xfrm>
+          <a:prstGeom prst="line">
+            <a:avLst/>
+          </a:prstGeom>
+          <a:ln w="57150">
+            <a:solidFill>
+              <a:schemeClr val="accent1">
+                <a:lumMod val="60000"/>
+                <a:lumOff val="40000"/>
+              </a:schemeClr>
+            </a:solidFill>
+          </a:ln>
+        </p:spPr>
+        <p:style>
+          <a:lnRef idx="1">
+            <a:schemeClr val="accent1"/>
+          </a:lnRef>
+          <a:fillRef idx="0">
+            <a:schemeClr val="accent1"/>
+          </a:fillRef>
+          <a:effectRef idx="0">
+            <a:schemeClr val="accent1"/>
+          </a:effectRef>
+          <a:fontRef idx="minor">
+            <a:schemeClr val="tx1"/>
+          </a:fontRef>
+        </p:style>
+      </p:cxnSp>
+      <p:sp>
+        <p:nvSpPr>
+          <p:cNvPr id="12" name="楕円 11">
+            <a:extLst>
+              <a:ext uri="{FF2B5EF4-FFF2-40B4-BE49-F238E27FC236}">
+                <a16:creationId xmlns:a16="http://schemas.microsoft.com/office/drawing/2014/main" id="{28AC0987-429A-4FAF-8D46-D7794D8A0999}"/>
+              </a:ext>
+            </a:extLst>
+          </p:cNvPr>
+          <p:cNvSpPr/>
+          <p:nvPr/>
+        </p:nvSpPr>
+        <p:spPr>
+          <a:xfrm flipV="1">
+            <a:off x="3746438" y="2328668"/>
+            <a:ext cx="176092" cy="182966"/>
+          </a:xfrm>
+          <a:prstGeom prst="ellipse">
+            <a:avLst/>
+          </a:prstGeom>
+          <a:solidFill>
+            <a:schemeClr val="tx1"/>
+          </a:solidFill>
+          <a:ln w="28575">
+            <a:noFill/>
+          </a:ln>
+        </p:spPr>
+        <p:style>
+          <a:lnRef idx="2">
+            <a:schemeClr val="accent1">
+              <a:shade val="50000"/>
+            </a:schemeClr>
+          </a:lnRef>
+          <a:fillRef idx="1">
+            <a:schemeClr val="accent1"/>
+          </a:fillRef>
+          <a:effectRef idx="0">
+            <a:schemeClr val="accent1"/>
+          </a:effectRef>
+          <a:fontRef idx="minor">
+            <a:schemeClr val="lt1"/>
+          </a:fontRef>
+        </p:style>
+        <p:txBody>
+          <a:bodyPr rtlCol="0" anchor="ctr"/>
+          <a:lstStyle/>
+          <a:p>
+            <a:pPr algn="ctr"/>
+            <a:endParaRPr kumimoji="1" lang="ja-JP" altLang="en-US"/>
+          </a:p>
+        </p:txBody>
+      </p:sp>
+      <p:sp>
+        <p:nvSpPr>
+          <p:cNvPr id="13" name="楕円 12">
+            <a:extLst>
+              <a:ext uri="{FF2B5EF4-FFF2-40B4-BE49-F238E27FC236}">
+                <a16:creationId xmlns:a16="http://schemas.microsoft.com/office/drawing/2014/main" id="{0EB4A8E8-892C-4F2F-86DF-E4E1A143B5F2}"/>
+              </a:ext>
+            </a:extLst>
+          </p:cNvPr>
+          <p:cNvSpPr/>
+          <p:nvPr/>
+        </p:nvSpPr>
+        <p:spPr>
+          <a:xfrm flipV="1">
+            <a:off x="6644145" y="2347697"/>
+            <a:ext cx="176092" cy="182966"/>
+          </a:xfrm>
+          <a:prstGeom prst="ellipse">
+            <a:avLst/>
+          </a:prstGeom>
+          <a:solidFill>
+            <a:schemeClr val="tx1"/>
+          </a:solidFill>
+          <a:ln w="28575">
+            <a:noFill/>
+          </a:ln>
+        </p:spPr>
+        <p:style>
+          <a:lnRef idx="2">
+            <a:schemeClr val="accent1">
+              <a:shade val="50000"/>
+            </a:schemeClr>
+          </a:lnRef>
+          <a:fillRef idx="1">
+            <a:schemeClr val="accent1"/>
+          </a:fillRef>
+          <a:effectRef idx="0">
+            <a:schemeClr val="accent1"/>
+          </a:effectRef>
+          <a:fontRef idx="minor">
+            <a:schemeClr val="lt1"/>
+          </a:fontRef>
+        </p:style>
+        <p:txBody>
+          <a:bodyPr rtlCol="0" anchor="ctr"/>
+          <a:lstStyle/>
+          <a:p>
+            <a:pPr algn="ctr"/>
+            <a:endParaRPr kumimoji="1" lang="ja-JP" altLang="en-US"/>
+          </a:p>
+        </p:txBody>
+      </p:sp>
+      <p:sp>
+        <p:nvSpPr>
+          <p:cNvPr id="2" name="テキスト ボックス 1">
+            <a:extLst>
+              <a:ext uri="{FF2B5EF4-FFF2-40B4-BE49-F238E27FC236}">
+                <a16:creationId xmlns:a16="http://schemas.microsoft.com/office/drawing/2014/main" id="{F5670B09-7E1B-4079-AAC1-9C2A60D320E2}"/>
+              </a:ext>
+            </a:extLst>
+          </p:cNvPr>
+          <p:cNvSpPr txBox="1"/>
+          <p:nvPr/>
+        </p:nvSpPr>
+        <p:spPr>
+          <a:xfrm>
+            <a:off x="4604248" y="4788875"/>
+            <a:ext cx="930063" cy="461665"/>
+          </a:xfrm>
+          <a:prstGeom prst="rect">
+            <a:avLst/>
+          </a:prstGeom>
+          <a:noFill/>
+        </p:spPr>
+        <p:txBody>
+          <a:bodyPr wrap="none" rtlCol="0">
+            <a:spAutoFit/>
+          </a:bodyPr>
+          <a:lstStyle/>
+          <a:p>
+            <a:r>
+              <a:rPr kumimoji="1" lang="en-US" altLang="ja-JP" sz="2400" b="1" dirty="0">
+                <a:latin typeface="Georgia" panose="02040502050405020303" pitchFamily="18" charset="0"/>
+              </a:rPr>
+              <a:t>H </a:t>
+            </a:r>
+            <a:r>
+              <a:rPr kumimoji="1" lang="ja-JP" altLang="en-US" sz="2400" b="1" dirty="0">
+                <a:latin typeface="Georgia" panose="02040502050405020303" pitchFamily="18" charset="0"/>
+              </a:rPr>
+              <a:t>イ </a:t>
+            </a:r>
+          </a:p>
+        </p:txBody>
+      </p:sp>
+      <p:sp>
+        <p:nvSpPr>
+          <p:cNvPr id="3" name="テキスト ボックス 2">
+            <a:extLst>
+              <a:ext uri="{FF2B5EF4-FFF2-40B4-BE49-F238E27FC236}">
+                <a16:creationId xmlns:a16="http://schemas.microsoft.com/office/drawing/2014/main" id="{7A695005-DE08-4A6D-8B22-4E6047B51840}"/>
+              </a:ext>
+            </a:extLst>
+          </p:cNvPr>
+          <p:cNvSpPr txBox="1"/>
+          <p:nvPr/>
+        </p:nvSpPr>
+        <p:spPr>
+          <a:xfrm>
+            <a:off x="4585345" y="5506380"/>
+            <a:ext cx="492443" cy="461665"/>
+          </a:xfrm>
+          <a:prstGeom prst="rect">
+            <a:avLst/>
+          </a:prstGeom>
+          <a:noFill/>
+        </p:spPr>
+        <p:txBody>
+          <a:bodyPr wrap="none" rtlCol="0">
+            <a:spAutoFit/>
+          </a:bodyPr>
+          <a:lstStyle/>
+          <a:p>
+            <a:r>
+              <a:rPr kumimoji="1" lang="ja-JP" altLang="en-US" sz="2400" b="1" dirty="0">
+                <a:latin typeface="Georgia" panose="02040502050405020303" pitchFamily="18" charset="0"/>
+              </a:rPr>
+              <a:t>ロ</a:t>
+            </a:r>
+          </a:p>
+        </p:txBody>
+      </p:sp>
+      <p:sp>
+        <p:nvSpPr>
+          <p:cNvPr id="8" name="テキスト ボックス 7">
+            <a:extLst>
+              <a:ext uri="{FF2B5EF4-FFF2-40B4-BE49-F238E27FC236}">
+                <a16:creationId xmlns:a16="http://schemas.microsoft.com/office/drawing/2014/main" id="{C10CD304-59CB-4253-9176-3BB29AB70741}"/>
+              </a:ext>
+            </a:extLst>
+          </p:cNvPr>
+          <p:cNvSpPr txBox="1"/>
+          <p:nvPr/>
+        </p:nvSpPr>
+        <p:spPr>
+          <a:xfrm>
+            <a:off x="4580200" y="6260012"/>
+            <a:ext cx="613925" cy="461665"/>
+          </a:xfrm>
+          <a:prstGeom prst="rect">
+            <a:avLst/>
+          </a:prstGeom>
+          <a:noFill/>
+        </p:spPr>
+        <p:txBody>
+          <a:bodyPr wrap="square" rtlCol="0">
+            <a:spAutoFit/>
+          </a:bodyPr>
+          <a:lstStyle/>
+          <a:p>
+            <a:r>
+              <a:rPr kumimoji="1" lang="ja-JP" altLang="en-US" sz="2400" b="1" dirty="0">
+                <a:latin typeface="Georgia" panose="02040502050405020303" pitchFamily="18" charset="0"/>
+              </a:rPr>
+              <a:t>ハ</a:t>
+            </a:r>
+          </a:p>
+        </p:txBody>
+      </p:sp>
+      <p:sp>
+        <p:nvSpPr>
+          <p:cNvPr id="10" name="正方形/長方形 9">
+            <a:extLst>
+              <a:ext uri="{FF2B5EF4-FFF2-40B4-BE49-F238E27FC236}">
+                <a16:creationId xmlns:a16="http://schemas.microsoft.com/office/drawing/2014/main" id="{FD1D2829-4749-4D5C-8FBB-96C209EEEDD7}"/>
+              </a:ext>
+            </a:extLst>
+          </p:cNvPr>
+          <p:cNvSpPr/>
+          <p:nvPr/>
+        </p:nvSpPr>
+        <p:spPr>
+          <a:xfrm>
+            <a:off x="6220485" y="5367030"/>
+            <a:ext cx="1522206" cy="448487"/>
+          </a:xfrm>
+          <a:prstGeom prst="rect">
+            <a:avLst/>
+          </a:prstGeom>
+          <a:solidFill>
+            <a:schemeClr val="bg1"/>
+          </a:solidFill>
+          <a:ln w="38100">
+            <a:solidFill>
+              <a:schemeClr val="tx1"/>
+            </a:solidFill>
+          </a:ln>
+        </p:spPr>
+        <p:style>
+          <a:lnRef idx="2">
+            <a:schemeClr val="accent1">
+              <a:shade val="50000"/>
+            </a:schemeClr>
+          </a:lnRef>
+          <a:fillRef idx="1">
+            <a:schemeClr val="accent1"/>
+          </a:fillRef>
+          <a:effectRef idx="0">
+            <a:schemeClr val="accent1"/>
+          </a:effectRef>
+          <a:fontRef idx="minor">
+            <a:schemeClr val="lt1"/>
+          </a:fontRef>
+        </p:style>
+        <p:txBody>
+          <a:bodyPr rtlCol="0" anchor="ctr"/>
+          <a:lstStyle/>
+          <a:p>
+            <a:pPr algn="ctr"/>
+            <a:endParaRPr kumimoji="1" lang="ja-JP" altLang="en-US"/>
+          </a:p>
+        </p:txBody>
+      </p:sp>
+      <p:sp>
+        <p:nvSpPr>
+          <p:cNvPr id="11" name="テキスト ボックス 10">
+            <a:extLst>
+              <a:ext uri="{FF2B5EF4-FFF2-40B4-BE49-F238E27FC236}">
+                <a16:creationId xmlns:a16="http://schemas.microsoft.com/office/drawing/2014/main" id="{06EA2750-021F-4E53-8CAC-EAD771036790}"/>
+              </a:ext>
+            </a:extLst>
+          </p:cNvPr>
+          <p:cNvSpPr txBox="1"/>
+          <p:nvPr/>
+        </p:nvSpPr>
+        <p:spPr>
+          <a:xfrm>
+            <a:off x="7824122" y="5367031"/>
+            <a:ext cx="613925" cy="461665"/>
+          </a:xfrm>
+          <a:prstGeom prst="rect">
+            <a:avLst/>
+          </a:prstGeom>
+          <a:noFill/>
+        </p:spPr>
+        <p:txBody>
+          <a:bodyPr wrap="square" rtlCol="0">
+            <a:spAutoFit/>
+          </a:bodyPr>
+          <a:lstStyle/>
+          <a:p>
+            <a:r>
+              <a:rPr kumimoji="1" lang="ja-JP" altLang="en-US" sz="2400" b="1" dirty="0">
+                <a:latin typeface="Georgia" panose="02040502050405020303" pitchFamily="18" charset="0"/>
+              </a:rPr>
+              <a:t>ハ</a:t>
+            </a:r>
+          </a:p>
+        </p:txBody>
+      </p:sp>
+      <p:sp>
+        <p:nvSpPr>
+          <p:cNvPr id="14" name="楕円 13">
+            <a:extLst>
+              <a:ext uri="{FF2B5EF4-FFF2-40B4-BE49-F238E27FC236}">
+                <a16:creationId xmlns:a16="http://schemas.microsoft.com/office/drawing/2014/main" id="{A3E7759D-2305-4824-86F9-1F7AAE21EEA3}"/>
+              </a:ext>
+            </a:extLst>
+          </p:cNvPr>
+          <p:cNvSpPr/>
+          <p:nvPr/>
+        </p:nvSpPr>
+        <p:spPr>
+          <a:xfrm>
+            <a:off x="6588189" y="5229576"/>
+            <a:ext cx="786798" cy="736573"/>
+          </a:xfrm>
+          <a:prstGeom prst="ellipse">
+            <a:avLst/>
+          </a:prstGeom>
+          <a:solidFill>
+            <a:schemeClr val="bg1"/>
+          </a:solidFill>
+          <a:ln w="38100">
+            <a:solidFill>
+              <a:schemeClr val="bg2">
+                <a:lumMod val="10000"/>
+              </a:schemeClr>
+            </a:solidFill>
+          </a:ln>
+        </p:spPr>
+        <p:style>
+          <a:lnRef idx="2">
+            <a:schemeClr val="accent1">
+              <a:shade val="50000"/>
+            </a:schemeClr>
+          </a:lnRef>
+          <a:fillRef idx="1">
+            <a:schemeClr val="accent1"/>
+          </a:fillRef>
+          <a:effectRef idx="0">
+            <a:schemeClr val="accent1"/>
+          </a:effectRef>
+          <a:fontRef idx="minor">
+            <a:schemeClr val="lt1"/>
+          </a:fontRef>
+        </p:style>
+        <p:txBody>
+          <a:bodyPr rtlCol="0" anchor="ctr"/>
+          <a:lstStyle/>
+          <a:p>
+            <a:pPr algn="ctr"/>
+            <a:endParaRPr kumimoji="1" lang="ja-JP" altLang="en-US"/>
+          </a:p>
+        </p:txBody>
+      </p:sp>
+      <p:cxnSp>
+        <p:nvCxnSpPr>
+          <p:cNvPr id="42" name="直線コネクタ 41">
+            <a:extLst>
+              <a:ext uri="{FF2B5EF4-FFF2-40B4-BE49-F238E27FC236}">
+                <a16:creationId xmlns:a16="http://schemas.microsoft.com/office/drawing/2014/main" id="{2ECA5F19-94DE-45EC-A032-A89017C94AAC}"/>
+              </a:ext>
+            </a:extLst>
+          </p:cNvPr>
+          <p:cNvCxnSpPr>
+            <a:cxnSpLocks/>
+          </p:cNvCxnSpPr>
+          <p:nvPr/>
+        </p:nvCxnSpPr>
+        <p:spPr>
+          <a:xfrm flipH="1">
+            <a:off x="1439398" y="2916284"/>
+            <a:ext cx="2090589" cy="0"/>
+          </a:xfrm>
+          <a:prstGeom prst="line">
+            <a:avLst/>
+          </a:prstGeom>
+          <a:ln w="57150">
+            <a:solidFill>
+              <a:schemeClr val="bg2">
+                <a:lumMod val="10000"/>
+              </a:schemeClr>
+            </a:solidFill>
+          </a:ln>
+        </p:spPr>
+        <p:style>
+          <a:lnRef idx="1">
+            <a:schemeClr val="accent1"/>
+          </a:lnRef>
+          <a:fillRef idx="0">
+            <a:schemeClr val="accent1"/>
+          </a:fillRef>
+          <a:effectRef idx="0">
+            <a:schemeClr val="accent1"/>
+          </a:effectRef>
+          <a:fontRef idx="minor">
+            <a:schemeClr val="tx1"/>
+          </a:fontRef>
+        </p:style>
+      </p:cxnSp>
+      <p:sp>
+        <p:nvSpPr>
+          <p:cNvPr id="16" name="楕円 15">
+            <a:extLst>
+              <a:ext uri="{FF2B5EF4-FFF2-40B4-BE49-F238E27FC236}">
+                <a16:creationId xmlns:a16="http://schemas.microsoft.com/office/drawing/2014/main" id="{18CF4CDB-85AD-4039-85CC-7460C3CFC430}"/>
+              </a:ext>
+            </a:extLst>
+          </p:cNvPr>
+          <p:cNvSpPr/>
+          <p:nvPr/>
+        </p:nvSpPr>
+        <p:spPr>
+          <a:xfrm flipV="1">
+            <a:off x="3456464" y="2849387"/>
+            <a:ext cx="176092" cy="182966"/>
+          </a:xfrm>
+          <a:prstGeom prst="ellipse">
+            <a:avLst/>
+          </a:prstGeom>
+          <a:solidFill>
+            <a:schemeClr val="tx1"/>
+          </a:solidFill>
+          <a:ln w="28575">
+            <a:noFill/>
+          </a:ln>
+        </p:spPr>
+        <p:style>
+          <a:lnRef idx="2">
+            <a:schemeClr val="accent1">
+              <a:shade val="50000"/>
+            </a:schemeClr>
+          </a:lnRef>
+          <a:fillRef idx="1">
+            <a:schemeClr val="accent1"/>
+          </a:fillRef>
+          <a:effectRef idx="0">
+            <a:schemeClr val="accent1"/>
+          </a:effectRef>
+          <a:fontRef idx="minor">
+            <a:schemeClr val="lt1"/>
+          </a:fontRef>
+        </p:style>
+        <p:txBody>
+          <a:bodyPr rtlCol="0" anchor="ctr"/>
+          <a:lstStyle/>
+          <a:p>
+            <a:pPr algn="ctr"/>
+            <a:endParaRPr kumimoji="1" lang="ja-JP" altLang="en-US"/>
+          </a:p>
+        </p:txBody>
+      </p:sp>
+      <p:cxnSp>
+        <p:nvCxnSpPr>
+          <p:cNvPr id="47" name="直線コネクタ 46">
+            <a:extLst>
+              <a:ext uri="{FF2B5EF4-FFF2-40B4-BE49-F238E27FC236}">
+                <a16:creationId xmlns:a16="http://schemas.microsoft.com/office/drawing/2014/main" id="{AEF334E5-37F2-4C7A-AC20-1F826B8AEA5B}"/>
+              </a:ext>
+            </a:extLst>
+          </p:cNvPr>
+          <p:cNvCxnSpPr>
+            <a:cxnSpLocks/>
+          </p:cNvCxnSpPr>
+          <p:nvPr/>
+        </p:nvCxnSpPr>
+        <p:spPr>
+          <a:xfrm flipV="1">
+            <a:off x="3524666" y="2914936"/>
+            <a:ext cx="9994" cy="1735809"/>
+          </a:xfrm>
+          <a:prstGeom prst="line">
+            <a:avLst/>
+          </a:prstGeom>
+          <a:ln w="57150">
+            <a:solidFill>
+              <a:schemeClr val="bg2">
+                <a:lumMod val="10000"/>
+              </a:schemeClr>
+            </a:solidFill>
+          </a:ln>
+        </p:spPr>
+        <p:style>
+          <a:lnRef idx="1">
+            <a:schemeClr val="accent1"/>
+          </a:lnRef>
+          <a:fillRef idx="0">
+            <a:schemeClr val="accent1"/>
+          </a:fillRef>
+          <a:effectRef idx="0">
+            <a:schemeClr val="accent1"/>
+          </a:effectRef>
+          <a:fontRef idx="minor">
+            <a:schemeClr val="tx1"/>
+          </a:fontRef>
+        </p:style>
+      </p:cxnSp>
+      <p:cxnSp>
+        <p:nvCxnSpPr>
+          <p:cNvPr id="52" name="直線コネクタ 51">
+            <a:extLst>
+              <a:ext uri="{FF2B5EF4-FFF2-40B4-BE49-F238E27FC236}">
+                <a16:creationId xmlns:a16="http://schemas.microsoft.com/office/drawing/2014/main" id="{891890F3-FEE1-4B61-91C4-67B728E85C87}"/>
+              </a:ext>
+            </a:extLst>
+          </p:cNvPr>
+          <p:cNvCxnSpPr>
+            <a:cxnSpLocks/>
+            <a:stCxn id="53" idx="3"/>
+          </p:cNvCxnSpPr>
+          <p:nvPr/>
+        </p:nvCxnSpPr>
+        <p:spPr>
+          <a:xfrm flipH="1" flipV="1">
+            <a:off x="3516404" y="4627842"/>
+            <a:ext cx="165562" cy="327178"/>
+          </a:xfrm>
+          <a:prstGeom prst="line">
+            <a:avLst/>
+          </a:prstGeom>
+          <a:ln w="57150">
+            <a:solidFill>
+              <a:schemeClr val="bg2">
+                <a:lumMod val="10000"/>
+              </a:schemeClr>
+            </a:solidFill>
+          </a:ln>
+        </p:spPr>
+        <p:style>
+          <a:lnRef idx="1">
+            <a:schemeClr val="accent1"/>
+          </a:lnRef>
+          <a:fillRef idx="0">
+            <a:schemeClr val="accent1"/>
+          </a:fillRef>
+          <a:effectRef idx="0">
+            <a:schemeClr val="accent1"/>
+          </a:effectRef>
+          <a:fontRef idx="minor">
+            <a:schemeClr val="tx1"/>
+          </a:fontRef>
+        </p:style>
+      </p:cxnSp>
+      <p:sp>
+        <p:nvSpPr>
+          <p:cNvPr id="23" name="円弧 22">
+            <a:extLst>
+              <a:ext uri="{FF2B5EF4-FFF2-40B4-BE49-F238E27FC236}">
+                <a16:creationId xmlns:a16="http://schemas.microsoft.com/office/drawing/2014/main" id="{5F76EA5F-F282-49B7-9834-9D03E34E34FB}"/>
+              </a:ext>
+            </a:extLst>
+          </p:cNvPr>
+          <p:cNvSpPr/>
+          <p:nvPr/>
+        </p:nvSpPr>
+        <p:spPr>
+          <a:xfrm rot="13200351">
+            <a:off x="3558492" y="4864477"/>
+            <a:ext cx="1006286" cy="1005106"/>
+          </a:xfrm>
+          <a:prstGeom prst="arc">
+            <a:avLst>
+              <a:gd name="adj1" fmla="val 16797120"/>
+              <a:gd name="adj2" fmla="val 0"/>
+            </a:avLst>
+          </a:prstGeom>
+          <a:ln w="38100">
+            <a:solidFill>
+              <a:schemeClr val="tx1"/>
+            </a:solidFill>
+          </a:ln>
+        </p:spPr>
+        <p:style>
+          <a:lnRef idx="1">
+            <a:schemeClr val="accent1"/>
+          </a:lnRef>
+          <a:fillRef idx="0">
+            <a:schemeClr val="accent1"/>
+          </a:fillRef>
+          <a:effectRef idx="0">
+            <a:schemeClr val="accent1"/>
+          </a:effectRef>
+          <a:fontRef idx="minor">
+            <a:schemeClr val="tx1"/>
+          </a:fontRef>
+        </p:style>
+        <p:txBody>
+          <a:bodyPr rtlCol="0" anchor="ctr"/>
+          <a:lstStyle/>
+          <a:p>
+            <a:pPr algn="ctr"/>
+            <a:endParaRPr kumimoji="1" lang="ja-JP" altLang="en-US"/>
+          </a:p>
+        </p:txBody>
+      </p:sp>
+      <p:sp>
+        <p:nvSpPr>
+          <p:cNvPr id="24" name="円弧 23">
+            <a:extLst>
+              <a:ext uri="{FF2B5EF4-FFF2-40B4-BE49-F238E27FC236}">
+                <a16:creationId xmlns:a16="http://schemas.microsoft.com/office/drawing/2014/main" id="{915CAABE-F023-469E-AB95-8CB53DD4B0A7}"/>
+              </a:ext>
+            </a:extLst>
+          </p:cNvPr>
+          <p:cNvSpPr/>
+          <p:nvPr/>
+        </p:nvSpPr>
+        <p:spPr>
+          <a:xfrm rot="13200351">
+            <a:off x="3575211" y="5603664"/>
+            <a:ext cx="1006286" cy="1005106"/>
+          </a:xfrm>
+          <a:prstGeom prst="arc">
+            <a:avLst>
+              <a:gd name="adj1" fmla="val 16797120"/>
+              <a:gd name="adj2" fmla="val 0"/>
+            </a:avLst>
+          </a:prstGeom>
+          <a:ln w="38100">
+            <a:solidFill>
+              <a:schemeClr val="tx1"/>
+            </a:solidFill>
+          </a:ln>
+        </p:spPr>
+        <p:style>
+          <a:lnRef idx="1">
+            <a:schemeClr val="accent1"/>
+          </a:lnRef>
+          <a:fillRef idx="0">
+            <a:schemeClr val="accent1"/>
+          </a:fillRef>
+          <a:effectRef idx="0">
+            <a:schemeClr val="accent1"/>
+          </a:effectRef>
+          <a:fontRef idx="minor">
+            <a:schemeClr val="tx1"/>
+          </a:fontRef>
+        </p:style>
+        <p:txBody>
+          <a:bodyPr rtlCol="0" anchor="ctr"/>
+          <a:lstStyle/>
+          <a:p>
+            <a:pPr algn="ctr"/>
+            <a:endParaRPr kumimoji="1" lang="ja-JP" altLang="en-US"/>
+          </a:p>
+        </p:txBody>
+      </p:sp>
+      <p:cxnSp>
+        <p:nvCxnSpPr>
+          <p:cNvPr id="43" name="直線コネクタ 42">
+            <a:extLst>
+              <a:ext uri="{FF2B5EF4-FFF2-40B4-BE49-F238E27FC236}">
+                <a16:creationId xmlns:a16="http://schemas.microsoft.com/office/drawing/2014/main" id="{E8D8CE6F-5B01-4BD8-946A-8915ED3AB1D8}"/>
+              </a:ext>
+            </a:extLst>
+          </p:cNvPr>
+          <p:cNvCxnSpPr>
+            <a:cxnSpLocks/>
+          </p:cNvCxnSpPr>
+          <p:nvPr/>
+        </p:nvCxnSpPr>
+        <p:spPr>
+          <a:xfrm>
+            <a:off x="4371498" y="805350"/>
+            <a:ext cx="0" cy="3098830"/>
+          </a:xfrm>
+          <a:prstGeom prst="line">
+            <a:avLst/>
+          </a:prstGeom>
+          <a:ln w="57150">
+            <a:solidFill>
+              <a:srgbClr val="00B050"/>
+            </a:solidFill>
+          </a:ln>
+        </p:spPr>
+        <p:style>
+          <a:lnRef idx="1">
+            <a:schemeClr val="accent1"/>
+          </a:lnRef>
+          <a:fillRef idx="0">
+            <a:schemeClr val="accent1"/>
+          </a:fillRef>
+          <a:effectRef idx="0">
+            <a:schemeClr val="accent1"/>
+          </a:effectRef>
+          <a:fontRef idx="minor">
+            <a:schemeClr val="tx1"/>
+          </a:fontRef>
+        </p:style>
+      </p:cxnSp>
+      <p:sp>
+        <p:nvSpPr>
+          <p:cNvPr id="20" name="円弧 19">
+            <a:extLst>
+              <a:ext uri="{FF2B5EF4-FFF2-40B4-BE49-F238E27FC236}">
+                <a16:creationId xmlns:a16="http://schemas.microsoft.com/office/drawing/2014/main" id="{0B1800DC-8B4B-4AB5-A500-764DA8660F08}"/>
+              </a:ext>
+            </a:extLst>
+          </p:cNvPr>
+          <p:cNvSpPr/>
+          <p:nvPr/>
+        </p:nvSpPr>
+        <p:spPr>
+          <a:xfrm rot="2083216">
+            <a:off x="2849390" y="3650532"/>
+            <a:ext cx="1908660" cy="1548573"/>
+          </a:xfrm>
+          <a:prstGeom prst="arc">
+            <a:avLst>
+              <a:gd name="adj1" fmla="val 16797120"/>
+              <a:gd name="adj2" fmla="val 120847"/>
+            </a:avLst>
+          </a:prstGeom>
+          <a:ln w="50800">
+            <a:solidFill>
+              <a:srgbClr val="00B050"/>
+            </a:solidFill>
+          </a:ln>
+        </p:spPr>
+        <p:style>
+          <a:lnRef idx="1">
+            <a:schemeClr val="accent1"/>
+          </a:lnRef>
+          <a:fillRef idx="0">
+            <a:schemeClr val="accent1"/>
+          </a:fillRef>
+          <a:effectRef idx="0">
+            <a:schemeClr val="accent1"/>
+          </a:effectRef>
+          <a:fontRef idx="minor">
+            <a:schemeClr val="tx1"/>
+          </a:fontRef>
+        </p:style>
+        <p:txBody>
+          <a:bodyPr rtlCol="0" anchor="ctr"/>
+          <a:lstStyle/>
+          <a:p>
+            <a:pPr algn="ctr"/>
+            <a:endParaRPr kumimoji="1" lang="ja-JP" altLang="en-US"/>
+          </a:p>
+        </p:txBody>
+      </p:sp>
+      <p:sp>
+        <p:nvSpPr>
+          <p:cNvPr id="21" name="楕円 20">
+            <a:extLst>
+              <a:ext uri="{FF2B5EF4-FFF2-40B4-BE49-F238E27FC236}">
+                <a16:creationId xmlns:a16="http://schemas.microsoft.com/office/drawing/2014/main" id="{D18795BA-79D3-4201-8913-2C549863265C}"/>
+              </a:ext>
+            </a:extLst>
+          </p:cNvPr>
+          <p:cNvSpPr/>
+          <p:nvPr/>
+        </p:nvSpPr>
+        <p:spPr>
+          <a:xfrm flipV="1">
+            <a:off x="4272936" y="1971118"/>
+            <a:ext cx="176092" cy="182966"/>
+          </a:xfrm>
+          <a:prstGeom prst="ellipse">
+            <a:avLst/>
+          </a:prstGeom>
+          <a:solidFill>
+            <a:schemeClr val="tx1"/>
+          </a:solidFill>
+          <a:ln w="28575">
+            <a:noFill/>
+          </a:ln>
+        </p:spPr>
+        <p:style>
+          <a:lnRef idx="2">
+            <a:schemeClr val="accent1">
+              <a:shade val="50000"/>
+            </a:schemeClr>
+          </a:lnRef>
+          <a:fillRef idx="1">
+            <a:schemeClr val="accent1"/>
+          </a:fillRef>
+          <a:effectRef idx="0">
+            <a:schemeClr val="accent1"/>
+          </a:effectRef>
+          <a:fontRef idx="minor">
+            <a:schemeClr val="lt1"/>
+          </a:fontRef>
+        </p:style>
+        <p:txBody>
+          <a:bodyPr rtlCol="0" anchor="ctr"/>
+          <a:lstStyle/>
+          <a:p>
+            <a:pPr algn="ctr"/>
+            <a:endParaRPr kumimoji="1" lang="ja-JP" altLang="en-US"/>
+          </a:p>
+        </p:txBody>
+      </p:sp>
+      <p:cxnSp>
+        <p:nvCxnSpPr>
+          <p:cNvPr id="62" name="直線コネクタ 61">
+            <a:extLst>
+              <a:ext uri="{FF2B5EF4-FFF2-40B4-BE49-F238E27FC236}">
+                <a16:creationId xmlns:a16="http://schemas.microsoft.com/office/drawing/2014/main" id="{F26D8E4F-62DD-41A1-A49A-B7ED4F83B1D2}"/>
+              </a:ext>
+            </a:extLst>
+          </p:cNvPr>
+          <p:cNvCxnSpPr>
+            <a:cxnSpLocks/>
+          </p:cNvCxnSpPr>
+          <p:nvPr/>
+        </p:nvCxnSpPr>
+        <p:spPr>
+          <a:xfrm flipH="1">
+            <a:off x="4536733" y="4565692"/>
+            <a:ext cx="293850" cy="1088188"/>
+          </a:xfrm>
+          <a:prstGeom prst="line">
+            <a:avLst/>
+          </a:prstGeom>
+          <a:ln w="57150">
+            <a:solidFill>
+              <a:srgbClr val="00B050"/>
+            </a:solidFill>
+          </a:ln>
+        </p:spPr>
+        <p:style>
+          <a:lnRef idx="1">
+            <a:schemeClr val="accent1"/>
+          </a:lnRef>
+          <a:fillRef idx="0">
+            <a:schemeClr val="accent1"/>
+          </a:fillRef>
+          <a:effectRef idx="0">
+            <a:schemeClr val="accent1"/>
+          </a:effectRef>
+          <a:fontRef idx="minor">
+            <a:schemeClr val="tx1"/>
+          </a:fontRef>
+        </p:style>
+      </p:cxnSp>
+      <p:cxnSp>
+        <p:nvCxnSpPr>
+          <p:cNvPr id="67" name="直線コネクタ 66">
+            <a:extLst>
+              <a:ext uri="{FF2B5EF4-FFF2-40B4-BE49-F238E27FC236}">
+                <a16:creationId xmlns:a16="http://schemas.microsoft.com/office/drawing/2014/main" id="{71E7D09E-8DD3-42E6-99B8-DC4A8058BA4B}"/>
+              </a:ext>
+            </a:extLst>
+          </p:cNvPr>
+          <p:cNvCxnSpPr>
+            <a:cxnSpLocks/>
+          </p:cNvCxnSpPr>
+          <p:nvPr/>
+        </p:nvCxnSpPr>
+        <p:spPr>
+          <a:xfrm>
+            <a:off x="4803352" y="2598300"/>
+            <a:ext cx="40302" cy="1986692"/>
+          </a:xfrm>
+          <a:prstGeom prst="line">
+            <a:avLst/>
+          </a:prstGeom>
+          <a:ln w="57150">
+            <a:solidFill>
+              <a:srgbClr val="00B050"/>
+            </a:solidFill>
+          </a:ln>
+        </p:spPr>
+        <p:style>
+          <a:lnRef idx="1">
+            <a:schemeClr val="accent1"/>
+          </a:lnRef>
+          <a:fillRef idx="0">
+            <a:schemeClr val="accent1"/>
+          </a:fillRef>
+          <a:effectRef idx="0">
+            <a:schemeClr val="accent1"/>
+          </a:effectRef>
+          <a:fontRef idx="minor">
+            <a:schemeClr val="tx1"/>
+          </a:fontRef>
+        </p:style>
+      </p:cxnSp>
+      <p:cxnSp>
+        <p:nvCxnSpPr>
+          <p:cNvPr id="68" name="直線コネクタ 67">
+            <a:extLst>
+              <a:ext uri="{FF2B5EF4-FFF2-40B4-BE49-F238E27FC236}">
+                <a16:creationId xmlns:a16="http://schemas.microsoft.com/office/drawing/2014/main" id="{E7462E6B-808C-4DC9-B15A-F4AA26EA287B}"/>
+              </a:ext>
+            </a:extLst>
+          </p:cNvPr>
+          <p:cNvCxnSpPr>
+            <a:cxnSpLocks/>
+          </p:cNvCxnSpPr>
+          <p:nvPr/>
+        </p:nvCxnSpPr>
+        <p:spPr>
+          <a:xfrm flipV="1">
+            <a:off x="4823134" y="2617548"/>
+            <a:ext cx="2178702" cy="20425"/>
+          </a:xfrm>
+          <a:prstGeom prst="line">
+            <a:avLst/>
+          </a:prstGeom>
+          <a:ln w="57150">
+            <a:solidFill>
+              <a:srgbClr val="00B050"/>
+            </a:solidFill>
+          </a:ln>
+        </p:spPr>
+        <p:style>
+          <a:lnRef idx="1">
+            <a:schemeClr val="accent1"/>
+          </a:lnRef>
+          <a:fillRef idx="0">
+            <a:schemeClr val="accent1"/>
+          </a:fillRef>
+          <a:effectRef idx="0">
+            <a:schemeClr val="accent1"/>
+          </a:effectRef>
+          <a:fontRef idx="minor">
+            <a:schemeClr val="tx1"/>
+          </a:fontRef>
+        </p:style>
+      </p:cxnSp>
+      <p:cxnSp>
+        <p:nvCxnSpPr>
+          <p:cNvPr id="69" name="直線コネクタ 68">
+            <a:extLst>
+              <a:ext uri="{FF2B5EF4-FFF2-40B4-BE49-F238E27FC236}">
+                <a16:creationId xmlns:a16="http://schemas.microsoft.com/office/drawing/2014/main" id="{6AAAF367-B91E-4D79-8B97-57D12E6EF533}"/>
+              </a:ext>
+            </a:extLst>
+          </p:cNvPr>
+          <p:cNvCxnSpPr>
+            <a:cxnSpLocks/>
+          </p:cNvCxnSpPr>
+          <p:nvPr/>
+        </p:nvCxnSpPr>
+        <p:spPr>
+          <a:xfrm flipV="1">
+            <a:off x="7001836" y="993230"/>
+            <a:ext cx="0" cy="1634530"/>
+          </a:xfrm>
+          <a:prstGeom prst="line">
+            <a:avLst/>
+          </a:prstGeom>
+          <a:ln w="57150">
+            <a:solidFill>
+              <a:srgbClr val="00B050"/>
+            </a:solidFill>
+          </a:ln>
+        </p:spPr>
+        <p:style>
+          <a:lnRef idx="1">
+            <a:schemeClr val="accent1"/>
+          </a:lnRef>
+          <a:fillRef idx="0">
+            <a:schemeClr val="accent1"/>
+          </a:fillRef>
+          <a:effectRef idx="0">
+            <a:schemeClr val="accent1"/>
+          </a:effectRef>
+          <a:fontRef idx="minor">
+            <a:schemeClr val="tx1"/>
+          </a:fontRef>
+        </p:style>
+      </p:cxnSp>
+      <p:cxnSp>
+        <p:nvCxnSpPr>
+          <p:cNvPr id="70" name="直線コネクタ 69">
+            <a:extLst>
+              <a:ext uri="{FF2B5EF4-FFF2-40B4-BE49-F238E27FC236}">
+                <a16:creationId xmlns:a16="http://schemas.microsoft.com/office/drawing/2014/main" id="{02CFE41F-BA99-465F-99DF-8C16406C915A}"/>
+              </a:ext>
+            </a:extLst>
+          </p:cNvPr>
+          <p:cNvCxnSpPr>
+            <a:cxnSpLocks/>
+          </p:cNvCxnSpPr>
+          <p:nvPr/>
+        </p:nvCxnSpPr>
+        <p:spPr>
+          <a:xfrm flipH="1">
+            <a:off x="4514401" y="4584992"/>
+            <a:ext cx="466069" cy="1845630"/>
+          </a:xfrm>
+          <a:prstGeom prst="line">
+            <a:avLst/>
+          </a:prstGeom>
+          <a:ln w="57150">
+            <a:solidFill>
+              <a:srgbClr val="00B050"/>
+            </a:solidFill>
+          </a:ln>
+        </p:spPr>
+        <p:style>
+          <a:lnRef idx="1">
+            <a:schemeClr val="accent1"/>
+          </a:lnRef>
+          <a:fillRef idx="0">
+            <a:schemeClr val="accent1"/>
+          </a:fillRef>
+          <a:effectRef idx="0">
+            <a:schemeClr val="accent1"/>
+          </a:effectRef>
+          <a:fontRef idx="minor">
+            <a:schemeClr val="tx1"/>
+          </a:fontRef>
+        </p:style>
+      </p:cxnSp>
+      <p:cxnSp>
+        <p:nvCxnSpPr>
+          <p:cNvPr id="71" name="直線コネクタ 70">
+            <a:extLst>
+              <a:ext uri="{FF2B5EF4-FFF2-40B4-BE49-F238E27FC236}">
+                <a16:creationId xmlns:a16="http://schemas.microsoft.com/office/drawing/2014/main" id="{CB850EC2-021F-4390-B1BE-0D406CD44A97}"/>
+              </a:ext>
+            </a:extLst>
+          </p:cNvPr>
+          <p:cNvCxnSpPr>
+            <a:cxnSpLocks/>
+          </p:cNvCxnSpPr>
+          <p:nvPr/>
+        </p:nvCxnSpPr>
+        <p:spPr>
+          <a:xfrm>
+            <a:off x="4980470" y="2817213"/>
+            <a:ext cx="16049" cy="1797239"/>
+          </a:xfrm>
+          <a:prstGeom prst="line">
+            <a:avLst/>
+          </a:prstGeom>
+          <a:ln w="57150">
+            <a:solidFill>
+              <a:srgbClr val="00B050"/>
+            </a:solidFill>
+          </a:ln>
+        </p:spPr>
+        <p:style>
+          <a:lnRef idx="1">
+            <a:schemeClr val="accent1"/>
+          </a:lnRef>
+          <a:fillRef idx="0">
+            <a:schemeClr val="accent1"/>
+          </a:fillRef>
+          <a:effectRef idx="0">
+            <a:schemeClr val="accent1"/>
+          </a:effectRef>
+          <a:fontRef idx="minor">
+            <a:schemeClr val="tx1"/>
+          </a:fontRef>
+        </p:style>
+      </p:cxnSp>
+      <p:cxnSp>
+        <p:nvCxnSpPr>
+          <p:cNvPr id="72" name="直線コネクタ 71">
+            <a:extLst>
+              <a:ext uri="{FF2B5EF4-FFF2-40B4-BE49-F238E27FC236}">
+                <a16:creationId xmlns:a16="http://schemas.microsoft.com/office/drawing/2014/main" id="{EB8D2D6B-5984-4C6F-A17C-BAB33337E691}"/>
+              </a:ext>
+            </a:extLst>
+          </p:cNvPr>
+          <p:cNvCxnSpPr>
+            <a:cxnSpLocks/>
+          </p:cNvCxnSpPr>
+          <p:nvPr/>
+        </p:nvCxnSpPr>
+        <p:spPr>
+          <a:xfrm flipH="1" flipV="1">
+            <a:off x="4947524" y="2836754"/>
+            <a:ext cx="2238164" cy="12633"/>
+          </a:xfrm>
+          <a:prstGeom prst="line">
+            <a:avLst/>
+          </a:prstGeom>
+          <a:ln w="57150">
+            <a:solidFill>
+              <a:srgbClr val="00B050"/>
+            </a:solidFill>
+          </a:ln>
+        </p:spPr>
+        <p:style>
+          <a:lnRef idx="1">
+            <a:schemeClr val="accent1"/>
+          </a:lnRef>
+          <a:fillRef idx="0">
+            <a:schemeClr val="accent1"/>
+          </a:fillRef>
+          <a:effectRef idx="0">
+            <a:schemeClr val="accent1"/>
+          </a:effectRef>
+          <a:fontRef idx="minor">
+            <a:schemeClr val="tx1"/>
+          </a:fontRef>
+        </p:style>
+      </p:cxnSp>
+      <p:cxnSp>
+        <p:nvCxnSpPr>
+          <p:cNvPr id="73" name="直線コネクタ 72">
+            <a:extLst>
+              <a:ext uri="{FF2B5EF4-FFF2-40B4-BE49-F238E27FC236}">
+                <a16:creationId xmlns:a16="http://schemas.microsoft.com/office/drawing/2014/main" id="{13922DE3-A6AE-42E5-B3F9-AB967CBF6E3E}"/>
+              </a:ext>
+            </a:extLst>
+          </p:cNvPr>
+          <p:cNvCxnSpPr>
+            <a:cxnSpLocks/>
+          </p:cNvCxnSpPr>
+          <p:nvPr/>
+        </p:nvCxnSpPr>
+        <p:spPr>
+          <a:xfrm flipV="1">
+            <a:off x="7165440" y="2833646"/>
+            <a:ext cx="20248" cy="2416894"/>
+          </a:xfrm>
+          <a:prstGeom prst="line">
+            <a:avLst/>
+          </a:prstGeom>
+          <a:ln w="57150">
+            <a:solidFill>
+              <a:srgbClr val="00B050"/>
+            </a:solidFill>
+          </a:ln>
+        </p:spPr>
+        <p:style>
+          <a:lnRef idx="1">
+            <a:schemeClr val="accent1"/>
+          </a:lnRef>
+          <a:fillRef idx="0">
+            <a:schemeClr val="accent1"/>
+          </a:fillRef>
+          <a:effectRef idx="0">
+            <a:schemeClr val="accent1"/>
+          </a:effectRef>
+          <a:fontRef idx="minor">
+            <a:schemeClr val="tx1"/>
+          </a:fontRef>
+        </p:style>
+      </p:cxnSp>
+      <p:sp>
+        <p:nvSpPr>
+          <p:cNvPr id="78" name="楕円 77">
+            <a:extLst>
+              <a:ext uri="{FF2B5EF4-FFF2-40B4-BE49-F238E27FC236}">
+                <a16:creationId xmlns:a16="http://schemas.microsoft.com/office/drawing/2014/main" id="{BC62CB04-1D07-45F8-8B8E-4D794D8ACE10}"/>
+              </a:ext>
+            </a:extLst>
+          </p:cNvPr>
+          <p:cNvSpPr/>
+          <p:nvPr/>
+        </p:nvSpPr>
+        <p:spPr>
+          <a:xfrm flipV="1">
+            <a:off x="4742537" y="2556752"/>
+            <a:ext cx="176092" cy="182966"/>
+          </a:xfrm>
+          <a:prstGeom prst="ellipse">
+            <a:avLst/>
+          </a:prstGeom>
+          <a:solidFill>
+            <a:schemeClr val="tx1"/>
+          </a:solidFill>
+          <a:ln w="28575">
+            <a:noFill/>
+          </a:ln>
+        </p:spPr>
+        <p:style>
+          <a:lnRef idx="2">
+            <a:schemeClr val="accent1">
+              <a:shade val="50000"/>
+            </a:schemeClr>
+          </a:lnRef>
+          <a:fillRef idx="1">
+            <a:schemeClr val="accent1"/>
+          </a:fillRef>
+          <a:effectRef idx="0">
+            <a:schemeClr val="accent1"/>
+          </a:effectRef>
+          <a:fontRef idx="minor">
+            <a:schemeClr val="lt1"/>
+          </a:fontRef>
+        </p:style>
+        <p:txBody>
+          <a:bodyPr rtlCol="0" anchor="ctr"/>
+          <a:lstStyle/>
+          <a:p>
+            <a:pPr algn="ctr"/>
+            <a:endParaRPr kumimoji="1" lang="ja-JP" altLang="en-US"/>
+          </a:p>
+        </p:txBody>
+      </p:sp>
+      <p:sp>
+        <p:nvSpPr>
+          <p:cNvPr id="80" name="楕円 79">
+            <a:extLst>
+              <a:ext uri="{FF2B5EF4-FFF2-40B4-BE49-F238E27FC236}">
+                <a16:creationId xmlns:a16="http://schemas.microsoft.com/office/drawing/2014/main" id="{14F22201-D141-4203-B4DF-12F9C997FD3B}"/>
+              </a:ext>
+            </a:extLst>
+          </p:cNvPr>
+          <p:cNvSpPr/>
+          <p:nvPr/>
+        </p:nvSpPr>
+        <p:spPr>
+          <a:xfrm flipV="1">
+            <a:off x="4887162" y="2752299"/>
+            <a:ext cx="176092" cy="182966"/>
+          </a:xfrm>
+          <a:prstGeom prst="ellipse">
+            <a:avLst/>
+          </a:prstGeom>
+          <a:solidFill>
+            <a:schemeClr val="tx1"/>
+          </a:solidFill>
+          <a:ln w="28575">
+            <a:noFill/>
+          </a:ln>
+        </p:spPr>
+        <p:style>
+          <a:lnRef idx="2">
+            <a:schemeClr val="accent1">
+              <a:shade val="50000"/>
+            </a:schemeClr>
+          </a:lnRef>
+          <a:fillRef idx="1">
+            <a:schemeClr val="accent1"/>
+          </a:fillRef>
+          <a:effectRef idx="0">
+            <a:schemeClr val="accent1"/>
+          </a:effectRef>
+          <a:fontRef idx="minor">
+            <a:schemeClr val="lt1"/>
+          </a:fontRef>
+        </p:style>
+        <p:txBody>
+          <a:bodyPr rtlCol="0" anchor="ctr"/>
+          <a:lstStyle/>
+          <a:p>
+            <a:pPr algn="ctr"/>
+            <a:endParaRPr kumimoji="1" lang="ja-JP" altLang="en-US"/>
+          </a:p>
+        </p:txBody>
+      </p:sp>
+      <p:sp>
+        <p:nvSpPr>
+          <p:cNvPr id="82" name="楕円 81">
+            <a:extLst>
+              <a:ext uri="{FF2B5EF4-FFF2-40B4-BE49-F238E27FC236}">
+                <a16:creationId xmlns:a16="http://schemas.microsoft.com/office/drawing/2014/main" id="{08E91DDA-B132-4C2D-83AA-01AA49641FF6}"/>
+              </a:ext>
+            </a:extLst>
+          </p:cNvPr>
+          <p:cNvSpPr/>
+          <p:nvPr/>
+        </p:nvSpPr>
+        <p:spPr>
+          <a:xfrm flipV="1">
+            <a:off x="6920210" y="2506817"/>
+            <a:ext cx="176092" cy="182966"/>
+          </a:xfrm>
+          <a:prstGeom prst="ellipse">
+            <a:avLst/>
+          </a:prstGeom>
+          <a:solidFill>
+            <a:schemeClr val="tx1"/>
+          </a:solidFill>
+          <a:ln w="28575">
+            <a:noFill/>
+          </a:ln>
+        </p:spPr>
+        <p:style>
+          <a:lnRef idx="2">
+            <a:schemeClr val="accent1">
+              <a:shade val="50000"/>
+            </a:schemeClr>
+          </a:lnRef>
+          <a:fillRef idx="1">
+            <a:schemeClr val="accent1"/>
+          </a:fillRef>
+          <a:effectRef idx="0">
+            <a:schemeClr val="accent1"/>
+          </a:effectRef>
+          <a:fontRef idx="minor">
+            <a:schemeClr val="lt1"/>
+          </a:fontRef>
+        </p:style>
+        <p:txBody>
+          <a:bodyPr rtlCol="0" anchor="ctr"/>
+          <a:lstStyle/>
+          <a:p>
+            <a:pPr algn="ctr"/>
+            <a:endParaRPr kumimoji="1" lang="ja-JP" altLang="en-US"/>
+          </a:p>
+        </p:txBody>
+      </p:sp>
+      <p:sp>
+        <p:nvSpPr>
+          <p:cNvPr id="84" name="楕円 83">
+            <a:extLst>
+              <a:ext uri="{FF2B5EF4-FFF2-40B4-BE49-F238E27FC236}">
+                <a16:creationId xmlns:a16="http://schemas.microsoft.com/office/drawing/2014/main" id="{EF941B04-9067-4BFA-B579-8F64B126CFBF}"/>
+              </a:ext>
+            </a:extLst>
+          </p:cNvPr>
+          <p:cNvSpPr/>
+          <p:nvPr/>
+        </p:nvSpPr>
+        <p:spPr>
+          <a:xfrm flipV="1">
+            <a:off x="7077394" y="2772906"/>
+            <a:ext cx="176092" cy="182966"/>
+          </a:xfrm>
+          <a:prstGeom prst="ellipse">
+            <a:avLst/>
+          </a:prstGeom>
+          <a:solidFill>
+            <a:schemeClr val="tx1"/>
+          </a:solidFill>
+          <a:ln w="28575">
+            <a:noFill/>
+          </a:ln>
+        </p:spPr>
+        <p:style>
+          <a:lnRef idx="2">
+            <a:schemeClr val="accent1">
+              <a:shade val="50000"/>
+            </a:schemeClr>
+          </a:lnRef>
+          <a:fillRef idx="1">
+            <a:schemeClr val="accent1"/>
+          </a:fillRef>
+          <a:effectRef idx="0">
+            <a:schemeClr val="accent1"/>
+          </a:effectRef>
+          <a:fontRef idx="minor">
+            <a:schemeClr val="lt1"/>
+          </a:fontRef>
+        </p:style>
+        <p:txBody>
+          <a:bodyPr rtlCol="0" anchor="ctr"/>
+          <a:lstStyle/>
+          <a:p>
+            <a:pPr algn="ctr"/>
+            <a:endParaRPr kumimoji="1" lang="ja-JP" altLang="en-US"/>
+          </a:p>
+        </p:txBody>
+      </p:sp>
+      <p:sp>
+        <p:nvSpPr>
+          <p:cNvPr id="87" name="テキスト ボックス 86">
+            <a:extLst>
+              <a:ext uri="{FF2B5EF4-FFF2-40B4-BE49-F238E27FC236}">
+                <a16:creationId xmlns:a16="http://schemas.microsoft.com/office/drawing/2014/main" id="{4A1E723F-882D-4823-B4D1-792EF43B2EE0}"/>
+              </a:ext>
+            </a:extLst>
+          </p:cNvPr>
+          <p:cNvSpPr txBox="1"/>
+          <p:nvPr/>
+        </p:nvSpPr>
+        <p:spPr>
+          <a:xfrm>
+            <a:off x="809240" y="2208347"/>
+            <a:ext cx="492443" cy="461665"/>
+          </a:xfrm>
+          <a:prstGeom prst="rect">
+            <a:avLst/>
+          </a:prstGeom>
+          <a:noFill/>
+        </p:spPr>
+        <p:txBody>
+          <a:bodyPr wrap="none" rtlCol="0">
+            <a:spAutoFit/>
+          </a:bodyPr>
+          <a:lstStyle/>
+          <a:p>
+            <a:r>
+              <a:rPr lang="ja-JP" altLang="en-US" sz="2400" b="1" dirty="0">
+                <a:latin typeface="Georgia" panose="02040502050405020303" pitchFamily="18" charset="0"/>
+              </a:rPr>
+              <a:t>白</a:t>
+            </a:r>
+            <a:endParaRPr kumimoji="1" lang="ja-JP" altLang="en-US" sz="2400" b="1" dirty="0">
+              <a:latin typeface="Georgia" panose="02040502050405020303" pitchFamily="18" charset="0"/>
+            </a:endParaRPr>
+          </a:p>
+        </p:txBody>
+      </p:sp>
+      <p:sp>
+        <p:nvSpPr>
+          <p:cNvPr id="89" name="テキスト ボックス 88">
+            <a:extLst>
+              <a:ext uri="{FF2B5EF4-FFF2-40B4-BE49-F238E27FC236}">
+                <a16:creationId xmlns:a16="http://schemas.microsoft.com/office/drawing/2014/main" id="{3D239E85-8BB1-4941-BBE8-CFF0EDEA7CC0}"/>
+              </a:ext>
+            </a:extLst>
+          </p:cNvPr>
+          <p:cNvSpPr txBox="1"/>
+          <p:nvPr/>
+        </p:nvSpPr>
+        <p:spPr>
+          <a:xfrm>
+            <a:off x="800299" y="2707954"/>
+            <a:ext cx="492443" cy="461665"/>
+          </a:xfrm>
+          <a:prstGeom prst="rect">
+            <a:avLst/>
+          </a:prstGeom>
+          <a:noFill/>
+        </p:spPr>
+        <p:txBody>
+          <a:bodyPr wrap="none" rtlCol="0">
+            <a:spAutoFit/>
+          </a:bodyPr>
+          <a:lstStyle/>
+          <a:p>
+            <a:r>
+              <a:rPr kumimoji="1" lang="ja-JP" altLang="en-US" sz="2400" b="1" dirty="0">
+                <a:latin typeface="Georgia" panose="02040502050405020303" pitchFamily="18" charset="0"/>
+              </a:rPr>
+              <a:t>黒</a:t>
+            </a:r>
+          </a:p>
+        </p:txBody>
+      </p:sp>
+      <p:cxnSp>
+        <p:nvCxnSpPr>
+          <p:cNvPr id="18" name="直線矢印コネクタ 17">
+            <a:extLst>
+              <a:ext uri="{FF2B5EF4-FFF2-40B4-BE49-F238E27FC236}">
+                <a16:creationId xmlns:a16="http://schemas.microsoft.com/office/drawing/2014/main" id="{617AEFE4-61E0-442D-9145-74813679BD99}"/>
+              </a:ext>
+            </a:extLst>
+          </p:cNvPr>
+          <p:cNvCxnSpPr>
+            <a:cxnSpLocks/>
+          </p:cNvCxnSpPr>
+          <p:nvPr/>
+        </p:nvCxnSpPr>
+        <p:spPr>
+          <a:xfrm>
+            <a:off x="3184756" y="1639958"/>
+            <a:ext cx="486279" cy="634071"/>
+          </a:xfrm>
+          <a:prstGeom prst="straightConnector1">
+            <a:avLst/>
+          </a:prstGeom>
+          <a:ln w="38100">
+            <a:solidFill>
+              <a:srgbClr val="FF0000"/>
+            </a:solidFill>
+            <a:tailEnd type="triangle"/>
+          </a:ln>
+        </p:spPr>
+        <p:style>
+          <a:lnRef idx="3">
+            <a:schemeClr val="dk1"/>
+          </a:lnRef>
+          <a:fillRef idx="0">
+            <a:schemeClr val="dk1"/>
+          </a:fillRef>
+          <a:effectRef idx="2">
+            <a:schemeClr val="dk1"/>
+          </a:effectRef>
+          <a:fontRef idx="minor">
+            <a:schemeClr val="tx1"/>
+          </a:fontRef>
+        </p:style>
+      </p:cxnSp>
+      <p:sp>
+        <p:nvSpPr>
+          <p:cNvPr id="26" name="テキスト ボックス 25">
+            <a:extLst>
+              <a:ext uri="{FF2B5EF4-FFF2-40B4-BE49-F238E27FC236}">
+                <a16:creationId xmlns:a16="http://schemas.microsoft.com/office/drawing/2014/main" id="{10FEB284-8F9C-487D-8322-A5B0898FFE9F}"/>
+              </a:ext>
+            </a:extLst>
+          </p:cNvPr>
+          <p:cNvSpPr txBox="1"/>
+          <p:nvPr/>
+        </p:nvSpPr>
+        <p:spPr>
+          <a:xfrm>
+            <a:off x="1857771" y="1187220"/>
+            <a:ext cx="1415772" cy="461665"/>
+          </a:xfrm>
+          <a:prstGeom prst="rect">
+            <a:avLst/>
+          </a:prstGeom>
+          <a:noFill/>
+        </p:spPr>
+        <p:txBody>
+          <a:bodyPr wrap="none" rtlCol="0">
+            <a:spAutoFit/>
+          </a:bodyPr>
+          <a:lstStyle/>
+          <a:p>
+            <a:r>
+              <a:rPr lang="ja-JP" altLang="en-US" sz="2400" b="1" dirty="0">
+                <a:solidFill>
+                  <a:srgbClr val="FF0000"/>
+                </a:solidFill>
+                <a:latin typeface="Georgia" panose="02040502050405020303" pitchFamily="18" charset="0"/>
+              </a:rPr>
+              <a:t>刻印：小</a:t>
+            </a:r>
+            <a:endParaRPr kumimoji="1" lang="ja-JP" altLang="en-US" sz="2400" b="1" dirty="0">
+              <a:solidFill>
+                <a:srgbClr val="FF0000"/>
+              </a:solidFill>
+              <a:latin typeface="Georgia" panose="02040502050405020303" pitchFamily="18" charset="0"/>
+            </a:endParaRPr>
+          </a:p>
+        </p:txBody>
+      </p:sp>
+      <p:cxnSp>
+        <p:nvCxnSpPr>
+          <p:cNvPr id="75" name="直線矢印コネクタ 74">
+            <a:extLst>
+              <a:ext uri="{FF2B5EF4-FFF2-40B4-BE49-F238E27FC236}">
+                <a16:creationId xmlns:a16="http://schemas.microsoft.com/office/drawing/2014/main" id="{5432C7B6-2C28-4F24-B01E-5C9B0F596227}"/>
+              </a:ext>
+            </a:extLst>
+          </p:cNvPr>
+          <p:cNvCxnSpPr>
+            <a:cxnSpLocks/>
+          </p:cNvCxnSpPr>
+          <p:nvPr/>
+        </p:nvCxnSpPr>
+        <p:spPr>
+          <a:xfrm>
+            <a:off x="2731905" y="1697992"/>
+            <a:ext cx="729009" cy="1082882"/>
+          </a:xfrm>
+          <a:prstGeom prst="straightConnector1">
+            <a:avLst/>
+          </a:prstGeom>
+          <a:ln w="38100">
+            <a:solidFill>
+              <a:srgbClr val="FF0000"/>
+            </a:solidFill>
+            <a:tailEnd type="triangle"/>
+          </a:ln>
+        </p:spPr>
+        <p:style>
+          <a:lnRef idx="3">
+            <a:schemeClr val="dk1"/>
+          </a:lnRef>
+          <a:fillRef idx="0">
+            <a:schemeClr val="dk1"/>
+          </a:fillRef>
+          <a:effectRef idx="2">
+            <a:schemeClr val="dk1"/>
+          </a:effectRef>
+          <a:fontRef idx="minor">
+            <a:schemeClr val="tx1"/>
+          </a:fontRef>
+        </p:style>
+      </p:cxnSp>
+      <p:sp>
+        <p:nvSpPr>
+          <p:cNvPr id="29" name="テキスト ボックス 28">
+            <a:extLst>
+              <a:ext uri="{FF2B5EF4-FFF2-40B4-BE49-F238E27FC236}">
+                <a16:creationId xmlns:a16="http://schemas.microsoft.com/office/drawing/2014/main" id="{93DD6D09-2DBC-4C84-BD9E-01510666B6CA}"/>
+              </a:ext>
+            </a:extLst>
+          </p:cNvPr>
+          <p:cNvSpPr txBox="1"/>
+          <p:nvPr/>
+        </p:nvSpPr>
+        <p:spPr>
+          <a:xfrm>
+            <a:off x="4574197" y="1047775"/>
+            <a:ext cx="1415772" cy="461665"/>
+          </a:xfrm>
+          <a:prstGeom prst="rect">
+            <a:avLst/>
+          </a:prstGeom>
+          <a:noFill/>
+        </p:spPr>
+        <p:txBody>
+          <a:bodyPr wrap="none" rtlCol="0">
+            <a:spAutoFit/>
+          </a:bodyPr>
+          <a:lstStyle/>
+          <a:p>
+            <a:r>
+              <a:rPr lang="ja-JP" altLang="en-US" sz="2400" b="1" dirty="0">
+                <a:solidFill>
+                  <a:srgbClr val="FF0000"/>
+                </a:solidFill>
+                <a:latin typeface="Georgia" panose="02040502050405020303" pitchFamily="18" charset="0"/>
+              </a:rPr>
+              <a:t>刻印：○</a:t>
+            </a:r>
+            <a:endParaRPr kumimoji="1" lang="ja-JP" altLang="en-US" sz="2400" b="1" dirty="0">
+              <a:solidFill>
+                <a:srgbClr val="FF0000"/>
+              </a:solidFill>
+              <a:latin typeface="Georgia" panose="02040502050405020303" pitchFamily="18" charset="0"/>
+            </a:endParaRPr>
+          </a:p>
+        </p:txBody>
+      </p:sp>
+      <p:cxnSp>
+        <p:nvCxnSpPr>
+          <p:cNvPr id="77" name="直線矢印コネクタ 76">
+            <a:extLst>
+              <a:ext uri="{FF2B5EF4-FFF2-40B4-BE49-F238E27FC236}">
+                <a16:creationId xmlns:a16="http://schemas.microsoft.com/office/drawing/2014/main" id="{364D1A37-7492-4574-BF7E-70CD75B8636F}"/>
+              </a:ext>
+            </a:extLst>
+          </p:cNvPr>
+          <p:cNvCxnSpPr>
+            <a:cxnSpLocks/>
+          </p:cNvCxnSpPr>
+          <p:nvPr/>
+        </p:nvCxnSpPr>
+        <p:spPr>
+          <a:xfrm flipH="1">
+            <a:off x="4425062" y="1538557"/>
+            <a:ext cx="428302" cy="414660"/>
+          </a:xfrm>
+          <a:prstGeom prst="straightConnector1">
+            <a:avLst/>
+          </a:prstGeom>
+          <a:ln w="38100">
+            <a:solidFill>
+              <a:srgbClr val="FF0000"/>
+            </a:solidFill>
+            <a:tailEnd type="triangle"/>
+          </a:ln>
+        </p:spPr>
+        <p:style>
+          <a:lnRef idx="3">
+            <a:schemeClr val="dk1"/>
+          </a:lnRef>
+          <a:fillRef idx="0">
+            <a:schemeClr val="dk1"/>
+          </a:fillRef>
+          <a:effectRef idx="2">
+            <a:schemeClr val="dk1"/>
+          </a:effectRef>
+          <a:fontRef idx="minor">
+            <a:schemeClr val="tx1"/>
+          </a:fontRef>
+        </p:style>
+      </p:cxnSp>
+      <p:cxnSp>
+        <p:nvCxnSpPr>
+          <p:cNvPr id="79" name="直線矢印コネクタ 78">
+            <a:extLst>
+              <a:ext uri="{FF2B5EF4-FFF2-40B4-BE49-F238E27FC236}">
+                <a16:creationId xmlns:a16="http://schemas.microsoft.com/office/drawing/2014/main" id="{6A17D25E-DFE6-4FD4-9D67-D8448F20A8F1}"/>
+              </a:ext>
+            </a:extLst>
+          </p:cNvPr>
+          <p:cNvCxnSpPr>
+            <a:cxnSpLocks/>
+          </p:cNvCxnSpPr>
+          <p:nvPr/>
+        </p:nvCxnSpPr>
+        <p:spPr>
+          <a:xfrm flipH="1">
+            <a:off x="4860925" y="1542718"/>
+            <a:ext cx="166496" cy="985242"/>
+          </a:xfrm>
+          <a:prstGeom prst="straightConnector1">
+            <a:avLst/>
+          </a:prstGeom>
+          <a:ln w="38100">
+            <a:solidFill>
+              <a:srgbClr val="FF0000"/>
+            </a:solidFill>
+            <a:tailEnd type="triangle"/>
+          </a:ln>
+        </p:spPr>
+        <p:style>
+          <a:lnRef idx="3">
+            <a:schemeClr val="dk1"/>
+          </a:lnRef>
+          <a:fillRef idx="0">
+            <a:schemeClr val="dk1"/>
+          </a:fillRef>
+          <a:effectRef idx="2">
+            <a:schemeClr val="dk1"/>
+          </a:effectRef>
+          <a:fontRef idx="minor">
+            <a:schemeClr val="tx1"/>
+          </a:fontRef>
+        </p:style>
+      </p:cxnSp>
+      <p:cxnSp>
+        <p:nvCxnSpPr>
+          <p:cNvPr id="81" name="直線矢印コネクタ 80">
+            <a:extLst>
+              <a:ext uri="{FF2B5EF4-FFF2-40B4-BE49-F238E27FC236}">
+                <a16:creationId xmlns:a16="http://schemas.microsoft.com/office/drawing/2014/main" id="{6831CC56-16BD-49C2-8BCB-EACAE325FD64}"/>
+              </a:ext>
+            </a:extLst>
+          </p:cNvPr>
+          <p:cNvCxnSpPr>
+            <a:cxnSpLocks/>
+          </p:cNvCxnSpPr>
+          <p:nvPr/>
+        </p:nvCxnSpPr>
+        <p:spPr>
+          <a:xfrm flipH="1">
+            <a:off x="5021317" y="1621828"/>
+            <a:ext cx="166375" cy="1152125"/>
+          </a:xfrm>
+          <a:prstGeom prst="straightConnector1">
+            <a:avLst/>
+          </a:prstGeom>
+          <a:ln w="38100">
+            <a:solidFill>
+              <a:srgbClr val="FF0000"/>
+            </a:solidFill>
+            <a:tailEnd type="triangle"/>
+          </a:ln>
+        </p:spPr>
+        <p:style>
+          <a:lnRef idx="3">
+            <a:schemeClr val="dk1"/>
+          </a:lnRef>
+          <a:fillRef idx="0">
+            <a:schemeClr val="dk1"/>
+          </a:fillRef>
+          <a:effectRef idx="2">
+            <a:schemeClr val="dk1"/>
+          </a:effectRef>
+          <a:fontRef idx="minor">
+            <a:schemeClr val="tx1"/>
+          </a:fontRef>
+        </p:style>
+      </p:cxnSp>
+      <p:sp>
+        <p:nvSpPr>
+          <p:cNvPr id="36" name="テキスト ボックス 35">
+            <a:extLst>
+              <a:ext uri="{FF2B5EF4-FFF2-40B4-BE49-F238E27FC236}">
+                <a16:creationId xmlns:a16="http://schemas.microsoft.com/office/drawing/2014/main" id="{7D6B7AA7-769D-428F-9A38-E308341D0BA0}"/>
+              </a:ext>
+            </a:extLst>
+          </p:cNvPr>
+          <p:cNvSpPr txBox="1"/>
+          <p:nvPr/>
+        </p:nvSpPr>
+        <p:spPr>
+          <a:xfrm>
+            <a:off x="7209857" y="862719"/>
+            <a:ext cx="2031325" cy="461665"/>
+          </a:xfrm>
+          <a:prstGeom prst="rect">
+            <a:avLst/>
+          </a:prstGeom>
+          <a:noFill/>
+        </p:spPr>
+        <p:txBody>
+          <a:bodyPr wrap="none" rtlCol="0">
+            <a:spAutoFit/>
+          </a:bodyPr>
+          <a:lstStyle/>
+          <a:p>
+            <a:r>
+              <a:rPr lang="ja-JP" altLang="en-US" sz="2400" b="1" dirty="0">
+                <a:solidFill>
+                  <a:srgbClr val="FF0000"/>
+                </a:solidFill>
+                <a:latin typeface="Georgia" panose="02040502050405020303" pitchFamily="18" charset="0"/>
+              </a:rPr>
+              <a:t>コネクタ：３</a:t>
+            </a:r>
+            <a:endParaRPr kumimoji="1" lang="ja-JP" altLang="en-US" sz="2400" b="1" dirty="0">
+              <a:solidFill>
+                <a:srgbClr val="FF0000"/>
+              </a:solidFill>
+              <a:latin typeface="Georgia" panose="02040502050405020303" pitchFamily="18" charset="0"/>
+            </a:endParaRPr>
+          </a:p>
+        </p:txBody>
+      </p:sp>
+      <p:cxnSp>
+        <p:nvCxnSpPr>
+          <p:cNvPr id="85" name="直線矢印コネクタ 84">
+            <a:extLst>
+              <a:ext uri="{FF2B5EF4-FFF2-40B4-BE49-F238E27FC236}">
+                <a16:creationId xmlns:a16="http://schemas.microsoft.com/office/drawing/2014/main" id="{A8CBFEF6-1012-4529-B36D-880A68D33EF8}"/>
+              </a:ext>
+            </a:extLst>
+          </p:cNvPr>
+          <p:cNvCxnSpPr>
+            <a:cxnSpLocks/>
+          </p:cNvCxnSpPr>
+          <p:nvPr/>
+        </p:nvCxnSpPr>
+        <p:spPr>
+          <a:xfrm flipH="1">
+            <a:off x="6813403" y="1278607"/>
+            <a:ext cx="1052376" cy="1118848"/>
+          </a:xfrm>
+          <a:prstGeom prst="straightConnector1">
+            <a:avLst/>
+          </a:prstGeom>
+          <a:ln w="38100">
+            <a:solidFill>
+              <a:srgbClr val="FF0000"/>
+            </a:solidFill>
+            <a:tailEnd type="triangle"/>
+          </a:ln>
+        </p:spPr>
+        <p:style>
+          <a:lnRef idx="3">
+            <a:schemeClr val="dk1"/>
+          </a:lnRef>
+          <a:fillRef idx="0">
+            <a:schemeClr val="dk1"/>
+          </a:fillRef>
+          <a:effectRef idx="2">
+            <a:schemeClr val="dk1"/>
+          </a:effectRef>
+          <a:fontRef idx="minor">
+            <a:schemeClr val="tx1"/>
+          </a:fontRef>
+        </p:style>
+      </p:cxnSp>
+      <p:sp>
+        <p:nvSpPr>
+          <p:cNvPr id="39" name="テキスト ボックス 38">
+            <a:extLst>
+              <a:ext uri="{FF2B5EF4-FFF2-40B4-BE49-F238E27FC236}">
+                <a16:creationId xmlns:a16="http://schemas.microsoft.com/office/drawing/2014/main" id="{E1840A23-F41E-41B6-B08A-7B73FCC3A36E}"/>
+              </a:ext>
+            </a:extLst>
+          </p:cNvPr>
+          <p:cNvSpPr txBox="1"/>
+          <p:nvPr/>
+        </p:nvSpPr>
+        <p:spPr>
+          <a:xfrm>
+            <a:off x="7657758" y="1533325"/>
+            <a:ext cx="2031325" cy="461665"/>
+          </a:xfrm>
+          <a:prstGeom prst="rect">
+            <a:avLst/>
+          </a:prstGeom>
+          <a:noFill/>
+        </p:spPr>
+        <p:txBody>
+          <a:bodyPr wrap="none" rtlCol="0">
+            <a:spAutoFit/>
+          </a:bodyPr>
+          <a:lstStyle/>
+          <a:p>
+            <a:r>
+              <a:rPr lang="ja-JP" altLang="en-US" sz="2400" b="1" dirty="0">
+                <a:solidFill>
+                  <a:srgbClr val="FF0000"/>
+                </a:solidFill>
+                <a:latin typeface="Georgia" panose="02040502050405020303" pitchFamily="18" charset="0"/>
+              </a:rPr>
+              <a:t>コネクタ：２</a:t>
+            </a:r>
+            <a:endParaRPr kumimoji="1" lang="ja-JP" altLang="en-US" sz="2400" b="1" dirty="0">
+              <a:solidFill>
+                <a:srgbClr val="FF0000"/>
+              </a:solidFill>
+              <a:latin typeface="Georgia" panose="02040502050405020303" pitchFamily="18" charset="0"/>
+            </a:endParaRPr>
+          </a:p>
+        </p:txBody>
+      </p:sp>
+      <p:cxnSp>
+        <p:nvCxnSpPr>
+          <p:cNvPr id="88" name="直線矢印コネクタ 87">
+            <a:extLst>
+              <a:ext uri="{FF2B5EF4-FFF2-40B4-BE49-F238E27FC236}">
+                <a16:creationId xmlns:a16="http://schemas.microsoft.com/office/drawing/2014/main" id="{66FCA7F2-1EBE-43D1-A23C-E0F2386B2908}"/>
+              </a:ext>
+            </a:extLst>
+          </p:cNvPr>
+          <p:cNvCxnSpPr>
+            <a:cxnSpLocks/>
+          </p:cNvCxnSpPr>
+          <p:nvPr/>
+        </p:nvCxnSpPr>
+        <p:spPr>
+          <a:xfrm flipH="1">
+            <a:off x="7141364" y="2025757"/>
+            <a:ext cx="963324" cy="496505"/>
+          </a:xfrm>
+          <a:prstGeom prst="straightConnector1">
+            <a:avLst/>
+          </a:prstGeom>
+          <a:ln w="38100">
+            <a:solidFill>
+              <a:srgbClr val="FF0000"/>
+            </a:solidFill>
+            <a:tailEnd type="triangle"/>
+          </a:ln>
+        </p:spPr>
+        <p:style>
+          <a:lnRef idx="3">
+            <a:schemeClr val="dk1"/>
+          </a:lnRef>
+          <a:fillRef idx="0">
+            <a:schemeClr val="dk1"/>
+          </a:fillRef>
+          <a:effectRef idx="2">
+            <a:schemeClr val="dk1"/>
+          </a:effectRef>
+          <a:fontRef idx="minor">
+            <a:schemeClr val="tx1"/>
+          </a:fontRef>
+        </p:style>
+      </p:cxnSp>
+      <p:cxnSp>
+        <p:nvCxnSpPr>
+          <p:cNvPr id="90" name="直線矢印コネクタ 89">
+            <a:extLst>
+              <a:ext uri="{FF2B5EF4-FFF2-40B4-BE49-F238E27FC236}">
+                <a16:creationId xmlns:a16="http://schemas.microsoft.com/office/drawing/2014/main" id="{E923A0A3-EF77-416B-9377-34FE4C37413C}"/>
+              </a:ext>
+            </a:extLst>
+          </p:cNvPr>
+          <p:cNvCxnSpPr>
+            <a:cxnSpLocks/>
+          </p:cNvCxnSpPr>
+          <p:nvPr/>
+        </p:nvCxnSpPr>
+        <p:spPr>
+          <a:xfrm flipH="1">
+            <a:off x="7284899" y="2059269"/>
+            <a:ext cx="1254574" cy="757571"/>
+          </a:xfrm>
+          <a:prstGeom prst="straightConnector1">
+            <a:avLst/>
+          </a:prstGeom>
+          <a:ln w="38100">
+            <a:solidFill>
+              <a:srgbClr val="FF0000"/>
+            </a:solidFill>
+            <a:tailEnd type="triangle"/>
+          </a:ln>
+        </p:spPr>
+        <p:style>
+          <a:lnRef idx="3">
+            <a:schemeClr val="dk1"/>
+          </a:lnRef>
+          <a:fillRef idx="0">
+            <a:schemeClr val="dk1"/>
+          </a:fillRef>
+          <a:effectRef idx="2">
+            <a:schemeClr val="dk1"/>
+          </a:effectRef>
+          <a:fontRef idx="minor">
+            <a:schemeClr val="tx1"/>
+          </a:fontRef>
+        </p:style>
+      </p:cxnSp>
+    </p:spTree>
+    <p:extLst>
+      <p:ext uri="{BB962C8B-B14F-4D97-AF65-F5344CB8AC3E}">
+        <p14:creationId xmlns:p14="http://schemas.microsoft.com/office/powerpoint/2010/main" val="789101674"/>
+      </p:ext>
+    </p:extLst>
+  </p:cSld>
+  <p:clrMapOvr>
+    <a:masterClrMapping/>
+  </p:clrMapOvr>
+</p:sld>
+</file>
+
 <file path=ppt/theme/theme1.xml><?xml version="1.0" encoding="utf-8"?>
 <a:theme xmlns:a="http://schemas.openxmlformats.org/drawingml/2006/main" name="Office テーマ">
   <a:themeElements>

--- a/algorithm/electricity/03_denki-koujishi/01_kakomon/R1_1/02_jitsugi/q01/a01.pptx
+++ b/algorithm/electricity/03_denki-koujishi/01_kakomon/R1_1/02_jitsugi/q01/a01.pptx
@@ -10,6 +10,7 @@
     <p:sldId id="305" r:id="rId4"/>
     <p:sldId id="306" r:id="rId5"/>
     <p:sldId id="307" r:id="rId6"/>
+    <p:sldId id="309" r:id="rId7"/>
   </p:sldIdLst>
   <p:sldSz cx="12192000" cy="6858000"/>
   <p:notesSz cx="6858000" cy="9144000"/>
@@ -263,7 +264,7 @@
           <a:p>
             <a:fld id="{EA6D781E-2D27-4EF7-AFED-D0940E0D7738}" type="datetimeFigureOut">
               <a:rPr kumimoji="1" lang="ja-JP" altLang="en-US" smtClean="0"/>
-              <a:t>2020/10/4</a:t>
+              <a:t>2020/11/23</a:t>
             </a:fld>
             <a:endParaRPr kumimoji="1" lang="ja-JP" altLang="en-US"/>
           </a:p>
@@ -493,7 +494,7 @@
           <a:p>
             <a:fld id="{EA6D781E-2D27-4EF7-AFED-D0940E0D7738}" type="datetimeFigureOut">
               <a:rPr kumimoji="1" lang="ja-JP" altLang="en-US" smtClean="0"/>
-              <a:t>2020/10/4</a:t>
+              <a:t>2020/11/23</a:t>
             </a:fld>
             <a:endParaRPr kumimoji="1" lang="ja-JP" altLang="en-US"/>
           </a:p>
@@ -733,7 +734,7 @@
           <a:p>
             <a:fld id="{EA6D781E-2D27-4EF7-AFED-D0940E0D7738}" type="datetimeFigureOut">
               <a:rPr kumimoji="1" lang="ja-JP" altLang="en-US" smtClean="0"/>
-              <a:t>2020/10/4</a:t>
+              <a:t>2020/11/23</a:t>
             </a:fld>
             <a:endParaRPr kumimoji="1" lang="ja-JP" altLang="en-US"/>
           </a:p>
@@ -963,7 +964,7 @@
           <a:p>
             <a:fld id="{EA6D781E-2D27-4EF7-AFED-D0940E0D7738}" type="datetimeFigureOut">
               <a:rPr kumimoji="1" lang="ja-JP" altLang="en-US" smtClean="0"/>
-              <a:t>2020/10/4</a:t>
+              <a:t>2020/11/23</a:t>
             </a:fld>
             <a:endParaRPr kumimoji="1" lang="ja-JP" altLang="en-US"/>
           </a:p>
@@ -1238,7 +1239,7 @@
           <a:p>
             <a:fld id="{EA6D781E-2D27-4EF7-AFED-D0940E0D7738}" type="datetimeFigureOut">
               <a:rPr kumimoji="1" lang="ja-JP" altLang="en-US" smtClean="0"/>
-              <a:t>2020/10/4</a:t>
+              <a:t>2020/11/23</a:t>
             </a:fld>
             <a:endParaRPr kumimoji="1" lang="ja-JP" altLang="en-US"/>
           </a:p>
@@ -1567,7 +1568,7 @@
           <a:p>
             <a:fld id="{EA6D781E-2D27-4EF7-AFED-D0940E0D7738}" type="datetimeFigureOut">
               <a:rPr kumimoji="1" lang="ja-JP" altLang="en-US" smtClean="0"/>
-              <a:t>2020/10/4</a:t>
+              <a:t>2020/11/23</a:t>
             </a:fld>
             <a:endParaRPr kumimoji="1" lang="ja-JP" altLang="en-US"/>
           </a:p>
@@ -2043,7 +2044,7 @@
           <a:p>
             <a:fld id="{EA6D781E-2D27-4EF7-AFED-D0940E0D7738}" type="datetimeFigureOut">
               <a:rPr kumimoji="1" lang="ja-JP" altLang="en-US" smtClean="0"/>
-              <a:t>2020/10/4</a:t>
+              <a:t>2020/11/23</a:t>
             </a:fld>
             <a:endParaRPr kumimoji="1" lang="ja-JP" altLang="en-US"/>
           </a:p>
@@ -2184,7 +2185,7 @@
           <a:p>
             <a:fld id="{EA6D781E-2D27-4EF7-AFED-D0940E0D7738}" type="datetimeFigureOut">
               <a:rPr kumimoji="1" lang="ja-JP" altLang="en-US" smtClean="0"/>
-              <a:t>2020/10/4</a:t>
+              <a:t>2020/11/23</a:t>
             </a:fld>
             <a:endParaRPr kumimoji="1" lang="ja-JP" altLang="en-US"/>
           </a:p>
@@ -2297,7 +2298,7 @@
           <a:p>
             <a:fld id="{EA6D781E-2D27-4EF7-AFED-D0940E0D7738}" type="datetimeFigureOut">
               <a:rPr kumimoji="1" lang="ja-JP" altLang="en-US" smtClean="0"/>
-              <a:t>2020/10/4</a:t>
+              <a:t>2020/11/23</a:t>
             </a:fld>
             <a:endParaRPr kumimoji="1" lang="ja-JP" altLang="en-US"/>
           </a:p>
@@ -2640,7 +2641,7 @@
           <a:p>
             <a:fld id="{EA6D781E-2D27-4EF7-AFED-D0940E0D7738}" type="datetimeFigureOut">
               <a:rPr kumimoji="1" lang="ja-JP" altLang="en-US" smtClean="0"/>
-              <a:t>2020/10/4</a:t>
+              <a:t>2020/11/23</a:t>
             </a:fld>
             <a:endParaRPr kumimoji="1" lang="ja-JP" altLang="en-US"/>
           </a:p>
@@ -2928,7 +2929,7 @@
           <a:p>
             <a:fld id="{EA6D781E-2D27-4EF7-AFED-D0940E0D7738}" type="datetimeFigureOut">
               <a:rPr kumimoji="1" lang="ja-JP" altLang="en-US" smtClean="0"/>
-              <a:t>2020/10/4</a:t>
+              <a:t>2020/11/23</a:t>
             </a:fld>
             <a:endParaRPr kumimoji="1" lang="ja-JP" altLang="en-US"/>
           </a:p>
@@ -3201,7 +3202,7 @@
           <a:p>
             <a:fld id="{EA6D781E-2D27-4EF7-AFED-D0940E0D7738}" type="datetimeFigureOut">
               <a:rPr kumimoji="1" lang="ja-JP" altLang="en-US" smtClean="0"/>
-              <a:t>2020/10/4</a:t>
+              <a:t>2020/11/23</a:t>
             </a:fld>
             <a:endParaRPr kumimoji="1" lang="ja-JP" altLang="en-US"/>
           </a:p>
@@ -13520,20 +13521,21 @@
           </p:cNvPr>
           <p:cNvCxnSpPr>
             <a:cxnSpLocks/>
+            <a:endCxn id="21" idx="0"/>
           </p:cNvCxnSpPr>
           <p:nvPr/>
         </p:nvCxnSpPr>
         <p:spPr>
-          <a:xfrm>
-            <a:off x="4371498" y="805350"/>
-            <a:ext cx="0" cy="3098830"/>
+          <a:xfrm flipH="1">
+            <a:off x="4360982" y="805350"/>
+            <a:ext cx="10516" cy="1348734"/>
           </a:xfrm>
           <a:prstGeom prst="line">
             <a:avLst/>
           </a:prstGeom>
           <a:ln w="57150">
             <a:solidFill>
-              <a:srgbClr val="00B050"/>
+              <a:schemeClr val="tx1"/>
             </a:solidFill>
           </a:ln>
         </p:spPr>
@@ -13577,7 +13579,10 @@
           </a:prstGeom>
           <a:ln w="50800">
             <a:solidFill>
-              <a:srgbClr val="00B050"/>
+              <a:schemeClr val="accent5">
+                <a:lumMod val="60000"/>
+                <a:lumOff val="40000"/>
+              </a:schemeClr>
             </a:solidFill>
           </a:ln>
         </p:spPr>
@@ -13680,7 +13685,9 @@
           </a:prstGeom>
           <a:ln w="57150">
             <a:solidFill>
-              <a:srgbClr val="00B050"/>
+              <a:schemeClr val="bg2">
+                <a:lumMod val="25000"/>
+              </a:schemeClr>
             </a:solidFill>
           </a:ln>
         </p:spPr>
@@ -13723,7 +13730,7 @@
           </a:prstGeom>
           <a:ln w="57150">
             <a:solidFill>
-              <a:srgbClr val="00B050"/>
+              <a:schemeClr val="tx1"/>
             </a:solidFill>
           </a:ln>
         </p:spPr>
@@ -13766,7 +13773,7 @@
           </a:prstGeom>
           <a:ln w="57150">
             <a:solidFill>
-              <a:srgbClr val="00B050"/>
+              <a:schemeClr val="tx1"/>
             </a:solidFill>
           </a:ln>
         </p:spPr>
@@ -13809,7 +13816,9 @@
           </a:prstGeom>
           <a:ln w="57150">
             <a:solidFill>
-              <a:srgbClr val="00B050"/>
+              <a:schemeClr val="bg2">
+                <a:lumMod val="10000"/>
+              </a:schemeClr>
             </a:solidFill>
           </a:ln>
         </p:spPr>
@@ -13852,7 +13861,10 @@
           </a:prstGeom>
           <a:ln w="57150">
             <a:solidFill>
-              <a:srgbClr val="00B050"/>
+              <a:schemeClr val="accent5">
+                <a:lumMod val="60000"/>
+                <a:lumOff val="40000"/>
+              </a:schemeClr>
             </a:solidFill>
           </a:ln>
         </p:spPr>
@@ -13895,7 +13907,10 @@
           </a:prstGeom>
           <a:ln w="57150">
             <a:solidFill>
-              <a:srgbClr val="00B050"/>
+              <a:schemeClr val="accent5">
+                <a:lumMod val="60000"/>
+                <a:lumOff val="40000"/>
+              </a:schemeClr>
             </a:solidFill>
           </a:ln>
         </p:spPr>
@@ -13938,7 +13953,7 @@
           </a:prstGeom>
           <a:ln w="57150">
             <a:solidFill>
-              <a:srgbClr val="00B050"/>
+              <a:srgbClr val="FF0000"/>
             </a:solidFill>
           </a:ln>
         </p:spPr>
@@ -13981,7 +13996,7 @@
           </a:prstGeom>
           <a:ln w="57150">
             <a:solidFill>
-              <a:srgbClr val="00B050"/>
+              <a:schemeClr val="tx1"/>
             </a:solidFill>
           </a:ln>
         </p:spPr>
@@ -14821,10 +14836,4049 @@
           </a:fontRef>
         </p:style>
       </p:cxnSp>
+      <p:cxnSp>
+        <p:nvCxnSpPr>
+          <p:cNvPr id="76" name="直線コネクタ 75">
+            <a:extLst>
+              <a:ext uri="{FF2B5EF4-FFF2-40B4-BE49-F238E27FC236}">
+                <a16:creationId xmlns:a16="http://schemas.microsoft.com/office/drawing/2014/main" id="{9D752D68-9720-4700-83C2-3D0F1AB7E9DD}"/>
+              </a:ext>
+            </a:extLst>
+          </p:cNvPr>
+          <p:cNvCxnSpPr>
+            <a:cxnSpLocks/>
+          </p:cNvCxnSpPr>
+          <p:nvPr/>
+        </p:nvCxnSpPr>
+        <p:spPr>
+          <a:xfrm flipH="1">
+            <a:off x="4334913" y="2104936"/>
+            <a:ext cx="15192" cy="1743945"/>
+          </a:xfrm>
+          <a:prstGeom prst="line">
+            <a:avLst/>
+          </a:prstGeom>
+          <a:ln w="57150">
+            <a:solidFill>
+              <a:schemeClr val="accent1">
+                <a:lumMod val="60000"/>
+                <a:lumOff val="40000"/>
+              </a:schemeClr>
+            </a:solidFill>
+          </a:ln>
+        </p:spPr>
+        <p:style>
+          <a:lnRef idx="1">
+            <a:schemeClr val="accent1"/>
+          </a:lnRef>
+          <a:fillRef idx="0">
+            <a:schemeClr val="accent1"/>
+          </a:fillRef>
+          <a:effectRef idx="0">
+            <a:schemeClr val="accent1"/>
+          </a:effectRef>
+          <a:fontRef idx="minor">
+            <a:schemeClr val="tx1"/>
+          </a:fontRef>
+        </p:style>
+      </p:cxnSp>
+      <p:sp>
+        <p:nvSpPr>
+          <p:cNvPr id="83" name="楕円 82">
+            <a:extLst>
+              <a:ext uri="{FF2B5EF4-FFF2-40B4-BE49-F238E27FC236}">
+                <a16:creationId xmlns:a16="http://schemas.microsoft.com/office/drawing/2014/main" id="{AF8A987A-32FD-41F1-9611-6FBCEE907FE0}"/>
+              </a:ext>
+            </a:extLst>
+          </p:cNvPr>
+          <p:cNvSpPr/>
+          <p:nvPr/>
+        </p:nvSpPr>
+        <p:spPr>
+          <a:xfrm>
+            <a:off x="4114303" y="3352059"/>
+            <a:ext cx="1089084" cy="322393"/>
+          </a:xfrm>
+          <a:prstGeom prst="ellipse">
+            <a:avLst/>
+          </a:prstGeom>
+          <a:noFill/>
+          <a:ln w="28575">
+            <a:solidFill>
+              <a:schemeClr val="accent4">
+                <a:lumMod val="60000"/>
+                <a:lumOff val="40000"/>
+              </a:schemeClr>
+            </a:solidFill>
+          </a:ln>
+        </p:spPr>
+        <p:style>
+          <a:lnRef idx="2">
+            <a:schemeClr val="accent1">
+              <a:shade val="50000"/>
+            </a:schemeClr>
+          </a:lnRef>
+          <a:fillRef idx="1">
+            <a:schemeClr val="accent1"/>
+          </a:fillRef>
+          <a:effectRef idx="0">
+            <a:schemeClr val="accent1"/>
+          </a:effectRef>
+          <a:fontRef idx="minor">
+            <a:schemeClr val="lt1"/>
+          </a:fontRef>
+        </p:style>
+        <p:txBody>
+          <a:bodyPr rtlCol="0" anchor="ctr"/>
+          <a:lstStyle/>
+          <a:p>
+            <a:pPr algn="ctr"/>
+            <a:endParaRPr kumimoji="1" lang="ja-JP" altLang="en-US"/>
+          </a:p>
+        </p:txBody>
+      </p:sp>
+      <p:sp>
+        <p:nvSpPr>
+          <p:cNvPr id="86" name="楕円 85">
+            <a:extLst>
+              <a:ext uri="{FF2B5EF4-FFF2-40B4-BE49-F238E27FC236}">
+                <a16:creationId xmlns:a16="http://schemas.microsoft.com/office/drawing/2014/main" id="{91C67C9B-4187-44AF-B6DA-FBFD3CBE0C0D}"/>
+              </a:ext>
+            </a:extLst>
+          </p:cNvPr>
+          <p:cNvSpPr/>
+          <p:nvPr/>
+        </p:nvSpPr>
+        <p:spPr>
+          <a:xfrm>
+            <a:off x="5464403" y="2513054"/>
+            <a:ext cx="179019" cy="519299"/>
+          </a:xfrm>
+          <a:prstGeom prst="ellipse">
+            <a:avLst/>
+          </a:prstGeom>
+          <a:noFill/>
+          <a:ln w="28575">
+            <a:solidFill>
+              <a:schemeClr val="accent4">
+                <a:lumMod val="60000"/>
+                <a:lumOff val="40000"/>
+              </a:schemeClr>
+            </a:solidFill>
+          </a:ln>
+        </p:spPr>
+        <p:style>
+          <a:lnRef idx="2">
+            <a:schemeClr val="accent1">
+              <a:shade val="50000"/>
+            </a:schemeClr>
+          </a:lnRef>
+          <a:fillRef idx="1">
+            <a:schemeClr val="accent1"/>
+          </a:fillRef>
+          <a:effectRef idx="0">
+            <a:schemeClr val="accent1"/>
+          </a:effectRef>
+          <a:fontRef idx="minor">
+            <a:schemeClr val="lt1"/>
+          </a:fontRef>
+        </p:style>
+        <p:txBody>
+          <a:bodyPr rtlCol="0" anchor="ctr"/>
+          <a:lstStyle/>
+          <a:p>
+            <a:pPr algn="ctr"/>
+            <a:endParaRPr kumimoji="1" lang="ja-JP" altLang="en-US"/>
+          </a:p>
+        </p:txBody>
+      </p:sp>
     </p:spTree>
     <p:extLst>
       <p:ext uri="{BB962C8B-B14F-4D97-AF65-F5344CB8AC3E}">
         <p14:creationId xmlns:p14="http://schemas.microsoft.com/office/powerpoint/2010/main" val="789101674"/>
+      </p:ext>
+    </p:extLst>
+  </p:cSld>
+  <p:clrMapOvr>
+    <a:masterClrMapping/>
+  </p:clrMapOvr>
+</p:sld>
+</file>
+
+<file path=ppt/slides/slide6.xml><?xml version="1.0" encoding="utf-8"?>
+<p:sld xmlns:a="http://schemas.openxmlformats.org/drawingml/2006/main" xmlns:r="http://schemas.openxmlformats.org/officeDocument/2006/relationships" xmlns:p="http://schemas.openxmlformats.org/presentationml/2006/main">
+  <p:cSld>
+    <p:spTree>
+      <p:nvGrpSpPr>
+        <p:cNvPr id="1" name=""/>
+        <p:cNvGrpSpPr/>
+        <p:nvPr/>
+      </p:nvGrpSpPr>
+      <p:grpSpPr>
+        <a:xfrm>
+          <a:off x="0" y="0"/>
+          <a:ext cx="0" cy="0"/>
+          <a:chOff x="0" y="0"/>
+          <a:chExt cx="0" cy="0"/>
+        </a:xfrm>
+      </p:grpSpPr>
+      <p:cxnSp>
+        <p:nvCxnSpPr>
+          <p:cNvPr id="63" name="直線コネクタ 62">
+            <a:extLst>
+              <a:ext uri="{FF2B5EF4-FFF2-40B4-BE49-F238E27FC236}">
+                <a16:creationId xmlns:a16="http://schemas.microsoft.com/office/drawing/2014/main" id="{950E2D49-E468-41F4-A082-839B6BF244C5}"/>
+              </a:ext>
+            </a:extLst>
+          </p:cNvPr>
+          <p:cNvCxnSpPr>
+            <a:cxnSpLocks/>
+          </p:cNvCxnSpPr>
+          <p:nvPr/>
+        </p:nvCxnSpPr>
+        <p:spPr>
+          <a:xfrm flipH="1">
+            <a:off x="3724812" y="4373265"/>
+            <a:ext cx="767342" cy="0"/>
+          </a:xfrm>
+          <a:prstGeom prst="line">
+            <a:avLst/>
+          </a:prstGeom>
+          <a:ln w="57150">
+            <a:solidFill>
+              <a:schemeClr val="bg2">
+                <a:lumMod val="10000"/>
+              </a:schemeClr>
+            </a:solidFill>
+          </a:ln>
+        </p:spPr>
+        <p:style>
+          <a:lnRef idx="1">
+            <a:schemeClr val="accent1"/>
+          </a:lnRef>
+          <a:fillRef idx="0">
+            <a:schemeClr val="accent1"/>
+          </a:fillRef>
+          <a:effectRef idx="0">
+            <a:schemeClr val="accent1"/>
+          </a:effectRef>
+          <a:fontRef idx="minor">
+            <a:schemeClr val="tx1"/>
+          </a:fontRef>
+        </p:style>
+      </p:cxnSp>
+      <p:sp>
+        <p:nvSpPr>
+          <p:cNvPr id="65" name="テキスト ボックス 64">
+            <a:extLst>
+              <a:ext uri="{FF2B5EF4-FFF2-40B4-BE49-F238E27FC236}">
+                <a16:creationId xmlns:a16="http://schemas.microsoft.com/office/drawing/2014/main" id="{720CAE87-79A7-4680-AF5B-CD23648F3E71}"/>
+              </a:ext>
+            </a:extLst>
+          </p:cNvPr>
+          <p:cNvSpPr txBox="1"/>
+          <p:nvPr/>
+        </p:nvSpPr>
+        <p:spPr>
+          <a:xfrm>
+            <a:off x="7277830" y="473748"/>
+            <a:ext cx="492443" cy="461665"/>
+          </a:xfrm>
+          <a:prstGeom prst="rect">
+            <a:avLst/>
+          </a:prstGeom>
+          <a:noFill/>
+        </p:spPr>
+        <p:txBody>
+          <a:bodyPr wrap="none" rtlCol="0">
+            <a:spAutoFit/>
+          </a:bodyPr>
+          <a:lstStyle/>
+          <a:p>
+            <a:r>
+              <a:rPr kumimoji="1" lang="ja-JP" altLang="en-US" sz="2400" b="1" dirty="0">
+                <a:latin typeface="Georgia" panose="02040502050405020303" pitchFamily="18" charset="0"/>
+              </a:rPr>
+              <a:t>ロ</a:t>
+            </a:r>
+          </a:p>
+        </p:txBody>
+      </p:sp>
+      <p:sp>
+        <p:nvSpPr>
+          <p:cNvPr id="44" name="楕円 43">
+            <a:extLst>
+              <a:ext uri="{FF2B5EF4-FFF2-40B4-BE49-F238E27FC236}">
+                <a16:creationId xmlns:a16="http://schemas.microsoft.com/office/drawing/2014/main" id="{F928BFB5-9CA6-4D76-89C5-95229637D3F1}"/>
+              </a:ext>
+            </a:extLst>
+          </p:cNvPr>
+          <p:cNvSpPr/>
+          <p:nvPr/>
+        </p:nvSpPr>
+        <p:spPr>
+          <a:xfrm>
+            <a:off x="6491032" y="174522"/>
+            <a:ext cx="786798" cy="818707"/>
+          </a:xfrm>
+          <a:prstGeom prst="ellipse">
+            <a:avLst/>
+          </a:prstGeom>
+          <a:solidFill>
+            <a:schemeClr val="bg1"/>
+          </a:solidFill>
+          <a:ln w="38100">
+            <a:solidFill>
+              <a:schemeClr val="bg2">
+                <a:lumMod val="10000"/>
+              </a:schemeClr>
+            </a:solidFill>
+          </a:ln>
+        </p:spPr>
+        <p:style>
+          <a:lnRef idx="2">
+            <a:schemeClr val="accent1">
+              <a:shade val="50000"/>
+            </a:schemeClr>
+          </a:lnRef>
+          <a:fillRef idx="1">
+            <a:schemeClr val="accent1"/>
+          </a:fillRef>
+          <a:effectRef idx="0">
+            <a:schemeClr val="accent1"/>
+          </a:effectRef>
+          <a:fontRef idx="minor">
+            <a:schemeClr val="lt1"/>
+          </a:fontRef>
+        </p:style>
+        <p:txBody>
+          <a:bodyPr rtlCol="0" anchor="ctr"/>
+          <a:lstStyle/>
+          <a:p>
+            <a:pPr algn="ctr"/>
+            <a:endParaRPr kumimoji="1" lang="ja-JP" altLang="en-US"/>
+          </a:p>
+        </p:txBody>
+      </p:sp>
+      <p:sp>
+        <p:nvSpPr>
+          <p:cNvPr id="17" name="テキスト ボックス 16">
+            <a:extLst>
+              <a:ext uri="{FF2B5EF4-FFF2-40B4-BE49-F238E27FC236}">
+                <a16:creationId xmlns:a16="http://schemas.microsoft.com/office/drawing/2014/main" id="{AC6C95F1-9AEE-4281-815C-B257B0651CA7}"/>
+              </a:ext>
+            </a:extLst>
+          </p:cNvPr>
+          <p:cNvSpPr txBox="1"/>
+          <p:nvPr/>
+        </p:nvSpPr>
+        <p:spPr>
+          <a:xfrm>
+            <a:off x="6598730" y="189796"/>
+            <a:ext cx="535724" cy="769441"/>
+          </a:xfrm>
+          <a:prstGeom prst="rect">
+            <a:avLst/>
+          </a:prstGeom>
+          <a:noFill/>
+        </p:spPr>
+        <p:txBody>
+          <a:bodyPr wrap="none" rtlCol="0">
+            <a:spAutoFit/>
+          </a:bodyPr>
+          <a:lstStyle/>
+          <a:p>
+            <a:r>
+              <a:rPr kumimoji="1" lang="en-US" altLang="ja-JP" sz="4400" dirty="0">
+                <a:latin typeface="Cambria Math" panose="02040503050406030204" pitchFamily="18" charset="0"/>
+                <a:ea typeface="Cambria Math" panose="02040503050406030204" pitchFamily="18" charset="0"/>
+              </a:rPr>
+              <a:t>R</a:t>
+            </a:r>
+            <a:endParaRPr kumimoji="1" lang="ja-JP" altLang="en-US" sz="4400" dirty="0">
+              <a:latin typeface="Cambria Math" panose="02040503050406030204" pitchFamily="18" charset="0"/>
+            </a:endParaRPr>
+          </a:p>
+        </p:txBody>
+      </p:sp>
+      <p:sp>
+        <p:nvSpPr>
+          <p:cNvPr id="35" name="正方形/長方形 34">
+            <a:extLst>
+              <a:ext uri="{FF2B5EF4-FFF2-40B4-BE49-F238E27FC236}">
+                <a16:creationId xmlns:a16="http://schemas.microsoft.com/office/drawing/2014/main" id="{9BB290CF-8627-4C8E-A04A-C618488AEDA6}"/>
+              </a:ext>
+            </a:extLst>
+          </p:cNvPr>
+          <p:cNvSpPr/>
+          <p:nvPr/>
+        </p:nvSpPr>
+        <p:spPr>
+          <a:xfrm>
+            <a:off x="3618033" y="283498"/>
+            <a:ext cx="951893" cy="521852"/>
+          </a:xfrm>
+          <a:prstGeom prst="rect">
+            <a:avLst/>
+          </a:prstGeom>
+          <a:solidFill>
+            <a:schemeClr val="bg1"/>
+          </a:solidFill>
+          <a:ln w="38100">
+            <a:solidFill>
+              <a:schemeClr val="tx1"/>
+            </a:solidFill>
+          </a:ln>
+        </p:spPr>
+        <p:style>
+          <a:lnRef idx="2">
+            <a:schemeClr val="accent1">
+              <a:shade val="50000"/>
+            </a:schemeClr>
+          </a:lnRef>
+          <a:fillRef idx="1">
+            <a:schemeClr val="accent1"/>
+          </a:fillRef>
+          <a:effectRef idx="0">
+            <a:schemeClr val="accent1"/>
+          </a:effectRef>
+          <a:fontRef idx="minor">
+            <a:schemeClr val="lt1"/>
+          </a:fontRef>
+        </p:style>
+        <p:txBody>
+          <a:bodyPr rtlCol="0" anchor="ctr"/>
+          <a:lstStyle/>
+          <a:p>
+            <a:pPr algn="ctr"/>
+            <a:endParaRPr kumimoji="1" lang="ja-JP" altLang="en-US"/>
+          </a:p>
+        </p:txBody>
+      </p:sp>
+      <p:sp>
+        <p:nvSpPr>
+          <p:cNvPr id="37" name="テキスト ボックス 36">
+            <a:extLst>
+              <a:ext uri="{FF2B5EF4-FFF2-40B4-BE49-F238E27FC236}">
+                <a16:creationId xmlns:a16="http://schemas.microsoft.com/office/drawing/2014/main" id="{46CB5375-02AF-44C3-95CC-D27DE052EDF3}"/>
+              </a:ext>
+            </a:extLst>
+          </p:cNvPr>
+          <p:cNvSpPr txBox="1"/>
+          <p:nvPr/>
+        </p:nvSpPr>
+        <p:spPr>
+          <a:xfrm>
+            <a:off x="3626492" y="283489"/>
+            <a:ext cx="979755" cy="523220"/>
+          </a:xfrm>
+          <a:prstGeom prst="rect">
+            <a:avLst/>
+          </a:prstGeom>
+          <a:noFill/>
+        </p:spPr>
+        <p:txBody>
+          <a:bodyPr wrap="none" rtlCol="0">
+            <a:spAutoFit/>
+          </a:bodyPr>
+          <a:lstStyle/>
+          <a:p>
+            <a:r>
+              <a:rPr kumimoji="1" lang="ja-JP" altLang="en-US" sz="2800" b="1" dirty="0">
+                <a:latin typeface="Cambria Math" panose="02040503050406030204" pitchFamily="18" charset="0"/>
+              </a:rPr>
+              <a:t>（ ）</a:t>
+            </a:r>
+          </a:p>
+        </p:txBody>
+      </p:sp>
+      <p:sp>
+        <p:nvSpPr>
+          <p:cNvPr id="46" name="テキスト ボックス 45">
+            <a:extLst>
+              <a:ext uri="{FF2B5EF4-FFF2-40B4-BE49-F238E27FC236}">
+                <a16:creationId xmlns:a16="http://schemas.microsoft.com/office/drawing/2014/main" id="{2D98B5E7-C3DE-40A1-A297-1839972F6A24}"/>
+              </a:ext>
+            </a:extLst>
+          </p:cNvPr>
+          <p:cNvSpPr txBox="1"/>
+          <p:nvPr/>
+        </p:nvSpPr>
+        <p:spPr>
+          <a:xfrm>
+            <a:off x="4544557" y="343685"/>
+            <a:ext cx="492443" cy="461665"/>
+          </a:xfrm>
+          <a:prstGeom prst="rect">
+            <a:avLst/>
+          </a:prstGeom>
+          <a:noFill/>
+        </p:spPr>
+        <p:txBody>
+          <a:bodyPr wrap="none" rtlCol="0">
+            <a:spAutoFit/>
+          </a:bodyPr>
+          <a:lstStyle/>
+          <a:p>
+            <a:r>
+              <a:rPr kumimoji="1" lang="ja-JP" altLang="en-US" sz="2400" b="1" dirty="0">
+                <a:latin typeface="Georgia" panose="02040502050405020303" pitchFamily="18" charset="0"/>
+              </a:rPr>
+              <a:t>イ</a:t>
+            </a:r>
+          </a:p>
+        </p:txBody>
+      </p:sp>
+      <p:cxnSp>
+        <p:nvCxnSpPr>
+          <p:cNvPr id="50" name="直線コネクタ 49">
+            <a:extLst>
+              <a:ext uri="{FF2B5EF4-FFF2-40B4-BE49-F238E27FC236}">
+                <a16:creationId xmlns:a16="http://schemas.microsoft.com/office/drawing/2014/main" id="{56332DDB-6A1C-4EF3-9621-CC3E4A766C5B}"/>
+              </a:ext>
+            </a:extLst>
+          </p:cNvPr>
+          <p:cNvCxnSpPr>
+            <a:cxnSpLocks/>
+            <a:stCxn id="51" idx="2"/>
+          </p:cNvCxnSpPr>
+          <p:nvPr/>
+        </p:nvCxnSpPr>
+        <p:spPr>
+          <a:xfrm flipH="1" flipV="1">
+            <a:off x="3885006" y="4808673"/>
+            <a:ext cx="519102" cy="211380"/>
+          </a:xfrm>
+          <a:prstGeom prst="line">
+            <a:avLst/>
+          </a:prstGeom>
+          <a:ln w="57150">
+            <a:solidFill>
+              <a:schemeClr val="bg2">
+                <a:lumMod val="10000"/>
+              </a:schemeClr>
+            </a:solidFill>
+          </a:ln>
+        </p:spPr>
+        <p:style>
+          <a:lnRef idx="1">
+            <a:schemeClr val="accent1"/>
+          </a:lnRef>
+          <a:fillRef idx="0">
+            <a:schemeClr val="accent1"/>
+          </a:fillRef>
+          <a:effectRef idx="0">
+            <a:schemeClr val="accent1"/>
+          </a:effectRef>
+          <a:fontRef idx="minor">
+            <a:schemeClr val="tx1"/>
+          </a:fontRef>
+        </p:style>
+      </p:cxnSp>
+      <p:sp>
+        <p:nvSpPr>
+          <p:cNvPr id="51" name="楕円 50">
+            <a:extLst>
+              <a:ext uri="{FF2B5EF4-FFF2-40B4-BE49-F238E27FC236}">
+                <a16:creationId xmlns:a16="http://schemas.microsoft.com/office/drawing/2014/main" id="{E6F324B7-CB58-422F-AADC-171144830AA8}"/>
+              </a:ext>
+            </a:extLst>
+          </p:cNvPr>
+          <p:cNvSpPr/>
+          <p:nvPr/>
+        </p:nvSpPr>
+        <p:spPr>
+          <a:xfrm flipV="1">
+            <a:off x="4404108" y="4928570"/>
+            <a:ext cx="176092" cy="182966"/>
+          </a:xfrm>
+          <a:prstGeom prst="ellipse">
+            <a:avLst/>
+          </a:prstGeom>
+          <a:noFill/>
+          <a:ln w="28575">
+            <a:solidFill>
+              <a:schemeClr val="tx1"/>
+            </a:solidFill>
+          </a:ln>
+        </p:spPr>
+        <p:style>
+          <a:lnRef idx="2">
+            <a:schemeClr val="accent1">
+              <a:shade val="50000"/>
+            </a:schemeClr>
+          </a:lnRef>
+          <a:fillRef idx="1">
+            <a:schemeClr val="accent1"/>
+          </a:fillRef>
+          <a:effectRef idx="0">
+            <a:schemeClr val="accent1"/>
+          </a:effectRef>
+          <a:fontRef idx="minor">
+            <a:schemeClr val="lt1"/>
+          </a:fontRef>
+        </p:style>
+        <p:txBody>
+          <a:bodyPr rtlCol="0" anchor="ctr"/>
+          <a:lstStyle/>
+          <a:p>
+            <a:pPr algn="ctr"/>
+            <a:endParaRPr kumimoji="1" lang="ja-JP" altLang="en-US"/>
+          </a:p>
+        </p:txBody>
+      </p:sp>
+      <p:sp>
+        <p:nvSpPr>
+          <p:cNvPr id="53" name="楕円 52">
+            <a:extLst>
+              <a:ext uri="{FF2B5EF4-FFF2-40B4-BE49-F238E27FC236}">
+                <a16:creationId xmlns:a16="http://schemas.microsoft.com/office/drawing/2014/main" id="{EF2B1A5F-1156-43DE-BA7E-97BCD2A47D2A}"/>
+              </a:ext>
+            </a:extLst>
+          </p:cNvPr>
+          <p:cNvSpPr/>
+          <p:nvPr/>
+        </p:nvSpPr>
+        <p:spPr>
+          <a:xfrm flipV="1">
+            <a:off x="3656178" y="4928225"/>
+            <a:ext cx="176092" cy="182966"/>
+          </a:xfrm>
+          <a:prstGeom prst="ellipse">
+            <a:avLst/>
+          </a:prstGeom>
+          <a:noFill/>
+          <a:ln w="28575">
+            <a:solidFill>
+              <a:schemeClr val="tx1"/>
+            </a:solidFill>
+          </a:ln>
+        </p:spPr>
+        <p:style>
+          <a:lnRef idx="2">
+            <a:schemeClr val="accent1">
+              <a:shade val="50000"/>
+            </a:schemeClr>
+          </a:lnRef>
+          <a:fillRef idx="1">
+            <a:schemeClr val="accent1"/>
+          </a:fillRef>
+          <a:effectRef idx="0">
+            <a:schemeClr val="accent1"/>
+          </a:effectRef>
+          <a:fontRef idx="minor">
+            <a:schemeClr val="lt1"/>
+          </a:fontRef>
+        </p:style>
+        <p:txBody>
+          <a:bodyPr rtlCol="0" anchor="ctr"/>
+          <a:lstStyle/>
+          <a:p>
+            <a:pPr algn="ctr"/>
+            <a:endParaRPr kumimoji="1" lang="ja-JP" altLang="en-US"/>
+          </a:p>
+        </p:txBody>
+      </p:sp>
+      <p:cxnSp>
+        <p:nvCxnSpPr>
+          <p:cNvPr id="55" name="直線コネクタ 54">
+            <a:extLst>
+              <a:ext uri="{FF2B5EF4-FFF2-40B4-BE49-F238E27FC236}">
+                <a16:creationId xmlns:a16="http://schemas.microsoft.com/office/drawing/2014/main" id="{7F65EDAD-F862-4A67-83DB-A8ECF73A00F4}"/>
+              </a:ext>
+            </a:extLst>
+          </p:cNvPr>
+          <p:cNvCxnSpPr>
+            <a:cxnSpLocks/>
+            <a:stCxn id="56" idx="2"/>
+          </p:cNvCxnSpPr>
+          <p:nvPr/>
+        </p:nvCxnSpPr>
+        <p:spPr>
+          <a:xfrm flipH="1" flipV="1">
+            <a:off x="3885006" y="5554592"/>
+            <a:ext cx="519102" cy="182966"/>
+          </a:xfrm>
+          <a:prstGeom prst="line">
+            <a:avLst/>
+          </a:prstGeom>
+          <a:ln w="57150">
+            <a:solidFill>
+              <a:schemeClr val="bg2">
+                <a:lumMod val="10000"/>
+              </a:schemeClr>
+            </a:solidFill>
+          </a:ln>
+        </p:spPr>
+        <p:style>
+          <a:lnRef idx="1">
+            <a:schemeClr val="accent1"/>
+          </a:lnRef>
+          <a:fillRef idx="0">
+            <a:schemeClr val="accent1"/>
+          </a:fillRef>
+          <a:effectRef idx="0">
+            <a:schemeClr val="accent1"/>
+          </a:effectRef>
+          <a:fontRef idx="minor">
+            <a:schemeClr val="tx1"/>
+          </a:fontRef>
+        </p:style>
+      </p:cxnSp>
+      <p:sp>
+        <p:nvSpPr>
+          <p:cNvPr id="56" name="楕円 55">
+            <a:extLst>
+              <a:ext uri="{FF2B5EF4-FFF2-40B4-BE49-F238E27FC236}">
+                <a16:creationId xmlns:a16="http://schemas.microsoft.com/office/drawing/2014/main" id="{6F64983C-8A89-4E4D-8122-0AD058935A51}"/>
+              </a:ext>
+            </a:extLst>
+          </p:cNvPr>
+          <p:cNvSpPr/>
+          <p:nvPr/>
+        </p:nvSpPr>
+        <p:spPr>
+          <a:xfrm flipV="1">
+            <a:off x="4404108" y="5646075"/>
+            <a:ext cx="176092" cy="182966"/>
+          </a:xfrm>
+          <a:prstGeom prst="ellipse">
+            <a:avLst/>
+          </a:prstGeom>
+          <a:noFill/>
+          <a:ln w="28575">
+            <a:solidFill>
+              <a:schemeClr val="tx1"/>
+            </a:solidFill>
+          </a:ln>
+        </p:spPr>
+        <p:style>
+          <a:lnRef idx="2">
+            <a:schemeClr val="accent1">
+              <a:shade val="50000"/>
+            </a:schemeClr>
+          </a:lnRef>
+          <a:fillRef idx="1">
+            <a:schemeClr val="accent1"/>
+          </a:fillRef>
+          <a:effectRef idx="0">
+            <a:schemeClr val="accent1"/>
+          </a:effectRef>
+          <a:fontRef idx="minor">
+            <a:schemeClr val="lt1"/>
+          </a:fontRef>
+        </p:style>
+        <p:txBody>
+          <a:bodyPr rtlCol="0" anchor="ctr"/>
+          <a:lstStyle/>
+          <a:p>
+            <a:pPr algn="ctr"/>
+            <a:endParaRPr kumimoji="1" lang="ja-JP" altLang="en-US"/>
+          </a:p>
+        </p:txBody>
+      </p:sp>
+      <p:sp>
+        <p:nvSpPr>
+          <p:cNvPr id="57" name="楕円 56">
+            <a:extLst>
+              <a:ext uri="{FF2B5EF4-FFF2-40B4-BE49-F238E27FC236}">
+                <a16:creationId xmlns:a16="http://schemas.microsoft.com/office/drawing/2014/main" id="{F4F8F858-C738-46FB-9F0D-CEC6F20372E8}"/>
+              </a:ext>
+            </a:extLst>
+          </p:cNvPr>
+          <p:cNvSpPr/>
+          <p:nvPr/>
+        </p:nvSpPr>
+        <p:spPr>
+          <a:xfrm flipV="1">
+            <a:off x="3656178" y="5645730"/>
+            <a:ext cx="176092" cy="182966"/>
+          </a:xfrm>
+          <a:prstGeom prst="ellipse">
+            <a:avLst/>
+          </a:prstGeom>
+          <a:noFill/>
+          <a:ln w="28575">
+            <a:solidFill>
+              <a:schemeClr val="tx1"/>
+            </a:solidFill>
+          </a:ln>
+        </p:spPr>
+        <p:style>
+          <a:lnRef idx="2">
+            <a:schemeClr val="accent1">
+              <a:shade val="50000"/>
+            </a:schemeClr>
+          </a:lnRef>
+          <a:fillRef idx="1">
+            <a:schemeClr val="accent1"/>
+          </a:fillRef>
+          <a:effectRef idx="0">
+            <a:schemeClr val="accent1"/>
+          </a:effectRef>
+          <a:fontRef idx="minor">
+            <a:schemeClr val="lt1"/>
+          </a:fontRef>
+        </p:style>
+        <p:txBody>
+          <a:bodyPr rtlCol="0" anchor="ctr"/>
+          <a:lstStyle/>
+          <a:p>
+            <a:pPr algn="ctr"/>
+            <a:endParaRPr kumimoji="1" lang="ja-JP" altLang="en-US"/>
+          </a:p>
+        </p:txBody>
+      </p:sp>
+      <p:cxnSp>
+        <p:nvCxnSpPr>
+          <p:cNvPr id="58" name="直線コネクタ 57">
+            <a:extLst>
+              <a:ext uri="{FF2B5EF4-FFF2-40B4-BE49-F238E27FC236}">
+                <a16:creationId xmlns:a16="http://schemas.microsoft.com/office/drawing/2014/main" id="{D5493E3F-4238-40FB-BD29-3EE1D05C695C}"/>
+              </a:ext>
+            </a:extLst>
+          </p:cNvPr>
+          <p:cNvCxnSpPr>
+            <a:cxnSpLocks/>
+            <a:stCxn id="60" idx="2"/>
+          </p:cNvCxnSpPr>
+          <p:nvPr/>
+        </p:nvCxnSpPr>
+        <p:spPr>
+          <a:xfrm flipH="1" flipV="1">
+            <a:off x="3865594" y="6308224"/>
+            <a:ext cx="519102" cy="182966"/>
+          </a:xfrm>
+          <a:prstGeom prst="line">
+            <a:avLst/>
+          </a:prstGeom>
+          <a:ln w="57150">
+            <a:solidFill>
+              <a:schemeClr val="bg2">
+                <a:lumMod val="10000"/>
+              </a:schemeClr>
+            </a:solidFill>
+          </a:ln>
+        </p:spPr>
+        <p:style>
+          <a:lnRef idx="1">
+            <a:schemeClr val="accent1"/>
+          </a:lnRef>
+          <a:fillRef idx="0">
+            <a:schemeClr val="accent1"/>
+          </a:fillRef>
+          <a:effectRef idx="0">
+            <a:schemeClr val="accent1"/>
+          </a:effectRef>
+          <a:fontRef idx="minor">
+            <a:schemeClr val="tx1"/>
+          </a:fontRef>
+        </p:style>
+      </p:cxnSp>
+      <p:sp>
+        <p:nvSpPr>
+          <p:cNvPr id="60" name="楕円 59">
+            <a:extLst>
+              <a:ext uri="{FF2B5EF4-FFF2-40B4-BE49-F238E27FC236}">
+                <a16:creationId xmlns:a16="http://schemas.microsoft.com/office/drawing/2014/main" id="{F7B24578-941C-439B-B7BC-DD87230A0A2E}"/>
+              </a:ext>
+            </a:extLst>
+          </p:cNvPr>
+          <p:cNvSpPr/>
+          <p:nvPr/>
+        </p:nvSpPr>
+        <p:spPr>
+          <a:xfrm flipV="1">
+            <a:off x="4384696" y="6399707"/>
+            <a:ext cx="176092" cy="182966"/>
+          </a:xfrm>
+          <a:prstGeom prst="ellipse">
+            <a:avLst/>
+          </a:prstGeom>
+          <a:noFill/>
+          <a:ln w="28575">
+            <a:solidFill>
+              <a:schemeClr val="tx1"/>
+            </a:solidFill>
+          </a:ln>
+        </p:spPr>
+        <p:style>
+          <a:lnRef idx="2">
+            <a:schemeClr val="accent1">
+              <a:shade val="50000"/>
+            </a:schemeClr>
+          </a:lnRef>
+          <a:fillRef idx="1">
+            <a:schemeClr val="accent1"/>
+          </a:fillRef>
+          <a:effectRef idx="0">
+            <a:schemeClr val="accent1"/>
+          </a:effectRef>
+          <a:fontRef idx="minor">
+            <a:schemeClr val="lt1"/>
+          </a:fontRef>
+        </p:style>
+        <p:txBody>
+          <a:bodyPr rtlCol="0" anchor="ctr"/>
+          <a:lstStyle/>
+          <a:p>
+            <a:pPr algn="ctr"/>
+            <a:endParaRPr kumimoji="1" lang="ja-JP" altLang="en-US"/>
+          </a:p>
+        </p:txBody>
+      </p:sp>
+      <p:sp>
+        <p:nvSpPr>
+          <p:cNvPr id="61" name="楕円 60">
+            <a:extLst>
+              <a:ext uri="{FF2B5EF4-FFF2-40B4-BE49-F238E27FC236}">
+                <a16:creationId xmlns:a16="http://schemas.microsoft.com/office/drawing/2014/main" id="{142C239D-717E-4A0E-94EC-8511394A6D8C}"/>
+              </a:ext>
+            </a:extLst>
+          </p:cNvPr>
+          <p:cNvSpPr/>
+          <p:nvPr/>
+        </p:nvSpPr>
+        <p:spPr>
+          <a:xfrm flipV="1">
+            <a:off x="3636766" y="6399362"/>
+            <a:ext cx="176092" cy="182966"/>
+          </a:xfrm>
+          <a:prstGeom prst="ellipse">
+            <a:avLst/>
+          </a:prstGeom>
+          <a:noFill/>
+          <a:ln w="28575">
+            <a:solidFill>
+              <a:schemeClr val="tx1"/>
+            </a:solidFill>
+          </a:ln>
+        </p:spPr>
+        <p:style>
+          <a:lnRef idx="2">
+            <a:schemeClr val="accent1">
+              <a:shade val="50000"/>
+            </a:schemeClr>
+          </a:lnRef>
+          <a:fillRef idx="1">
+            <a:schemeClr val="accent1"/>
+          </a:fillRef>
+          <a:effectRef idx="0">
+            <a:schemeClr val="accent1"/>
+          </a:effectRef>
+          <a:fontRef idx="minor">
+            <a:schemeClr val="lt1"/>
+          </a:fontRef>
+        </p:style>
+        <p:txBody>
+          <a:bodyPr rtlCol="0" anchor="ctr"/>
+          <a:lstStyle/>
+          <a:p>
+            <a:pPr algn="ctr"/>
+            <a:endParaRPr kumimoji="1" lang="ja-JP" altLang="en-US"/>
+          </a:p>
+        </p:txBody>
+      </p:sp>
+      <p:sp>
+        <p:nvSpPr>
+          <p:cNvPr id="4" name="楕円 3">
+            <a:extLst>
+              <a:ext uri="{FF2B5EF4-FFF2-40B4-BE49-F238E27FC236}">
+                <a16:creationId xmlns:a16="http://schemas.microsoft.com/office/drawing/2014/main" id="{EAC14F3B-5816-4EA6-9790-4FCAEA737CC6}"/>
+              </a:ext>
+            </a:extLst>
+          </p:cNvPr>
+          <p:cNvSpPr/>
+          <p:nvPr/>
+        </p:nvSpPr>
+        <p:spPr>
+          <a:xfrm flipV="1">
+            <a:off x="3925339" y="4196792"/>
+            <a:ext cx="347597" cy="352946"/>
+          </a:xfrm>
+          <a:prstGeom prst="ellipse">
+            <a:avLst/>
+          </a:prstGeom>
+          <a:solidFill>
+            <a:schemeClr val="bg1"/>
+          </a:solidFill>
+          <a:ln w="28575">
+            <a:solidFill>
+              <a:schemeClr val="tx1"/>
+            </a:solidFill>
+          </a:ln>
+        </p:spPr>
+        <p:style>
+          <a:lnRef idx="2">
+            <a:schemeClr val="accent1">
+              <a:shade val="50000"/>
+            </a:schemeClr>
+          </a:lnRef>
+          <a:fillRef idx="1">
+            <a:schemeClr val="accent1"/>
+          </a:fillRef>
+          <a:effectRef idx="0">
+            <a:schemeClr val="accent1"/>
+          </a:effectRef>
+          <a:fontRef idx="minor">
+            <a:schemeClr val="lt1"/>
+          </a:fontRef>
+        </p:style>
+        <p:txBody>
+          <a:bodyPr rtlCol="0" anchor="ctr"/>
+          <a:lstStyle/>
+          <a:p>
+            <a:pPr algn="ctr"/>
+            <a:endParaRPr kumimoji="1" lang="ja-JP" altLang="en-US"/>
+          </a:p>
+        </p:txBody>
+      </p:sp>
+      <p:cxnSp>
+        <p:nvCxnSpPr>
+          <p:cNvPr id="64" name="直線コネクタ 63">
+            <a:extLst>
+              <a:ext uri="{FF2B5EF4-FFF2-40B4-BE49-F238E27FC236}">
+                <a16:creationId xmlns:a16="http://schemas.microsoft.com/office/drawing/2014/main" id="{4D658397-2C4B-4000-8063-9848F82650BA}"/>
+              </a:ext>
+            </a:extLst>
+          </p:cNvPr>
+          <p:cNvCxnSpPr>
+            <a:cxnSpLocks/>
+            <a:stCxn id="53" idx="4"/>
+          </p:cNvCxnSpPr>
+          <p:nvPr/>
+        </p:nvCxnSpPr>
+        <p:spPr>
+          <a:xfrm flipV="1">
+            <a:off x="3744224" y="4373265"/>
+            <a:ext cx="0" cy="554960"/>
+          </a:xfrm>
+          <a:prstGeom prst="line">
+            <a:avLst/>
+          </a:prstGeom>
+          <a:ln w="57150">
+            <a:solidFill>
+              <a:schemeClr val="bg2">
+                <a:lumMod val="10000"/>
+              </a:schemeClr>
+            </a:solidFill>
+          </a:ln>
+        </p:spPr>
+        <p:style>
+          <a:lnRef idx="1">
+            <a:schemeClr val="accent1"/>
+          </a:lnRef>
+          <a:fillRef idx="0">
+            <a:schemeClr val="accent1"/>
+          </a:fillRef>
+          <a:effectRef idx="0">
+            <a:schemeClr val="accent1"/>
+          </a:effectRef>
+          <a:fontRef idx="minor">
+            <a:schemeClr val="tx1"/>
+          </a:fontRef>
+        </p:style>
+      </p:cxnSp>
+      <p:cxnSp>
+        <p:nvCxnSpPr>
+          <p:cNvPr id="66" name="直線コネクタ 65">
+            <a:extLst>
+              <a:ext uri="{FF2B5EF4-FFF2-40B4-BE49-F238E27FC236}">
+                <a16:creationId xmlns:a16="http://schemas.microsoft.com/office/drawing/2014/main" id="{F9F57985-8243-4B72-9226-BFAD4CE2DEEC}"/>
+              </a:ext>
+            </a:extLst>
+          </p:cNvPr>
+          <p:cNvCxnSpPr>
+            <a:cxnSpLocks/>
+          </p:cNvCxnSpPr>
+          <p:nvPr/>
+        </p:nvCxnSpPr>
+        <p:spPr>
+          <a:xfrm flipV="1">
+            <a:off x="4516203" y="4373265"/>
+            <a:ext cx="0" cy="554960"/>
+          </a:xfrm>
+          <a:prstGeom prst="line">
+            <a:avLst/>
+          </a:prstGeom>
+          <a:ln w="57150">
+            <a:solidFill>
+              <a:schemeClr val="bg2">
+                <a:lumMod val="10000"/>
+              </a:schemeClr>
+            </a:solidFill>
+          </a:ln>
+        </p:spPr>
+        <p:style>
+          <a:lnRef idx="1">
+            <a:schemeClr val="accent1"/>
+          </a:lnRef>
+          <a:fillRef idx="0">
+            <a:schemeClr val="accent1"/>
+          </a:fillRef>
+          <a:effectRef idx="0">
+            <a:schemeClr val="accent1"/>
+          </a:effectRef>
+          <a:fontRef idx="minor">
+            <a:schemeClr val="tx1"/>
+          </a:fontRef>
+        </p:style>
+      </p:cxnSp>
+      <p:sp>
+        <p:nvSpPr>
+          <p:cNvPr id="5" name="楕円 4">
+            <a:extLst>
+              <a:ext uri="{FF2B5EF4-FFF2-40B4-BE49-F238E27FC236}">
+                <a16:creationId xmlns:a16="http://schemas.microsoft.com/office/drawing/2014/main" id="{4542E235-6EE1-4DB0-BE9E-EE5CE07EC58A}"/>
+              </a:ext>
+            </a:extLst>
+          </p:cNvPr>
+          <p:cNvSpPr/>
+          <p:nvPr/>
+        </p:nvSpPr>
+        <p:spPr>
+          <a:xfrm flipV="1">
+            <a:off x="1301683" y="2347697"/>
+            <a:ext cx="176092" cy="182966"/>
+          </a:xfrm>
+          <a:prstGeom prst="ellipse">
+            <a:avLst/>
+          </a:prstGeom>
+          <a:noFill/>
+          <a:ln w="28575">
+            <a:solidFill>
+              <a:schemeClr val="tx1"/>
+            </a:solidFill>
+          </a:ln>
+        </p:spPr>
+        <p:style>
+          <a:lnRef idx="2">
+            <a:schemeClr val="accent1">
+              <a:shade val="50000"/>
+            </a:schemeClr>
+          </a:lnRef>
+          <a:fillRef idx="1">
+            <a:schemeClr val="accent1"/>
+          </a:fillRef>
+          <a:effectRef idx="0">
+            <a:schemeClr val="accent1"/>
+          </a:effectRef>
+          <a:fontRef idx="minor">
+            <a:schemeClr val="lt1"/>
+          </a:fontRef>
+        </p:style>
+        <p:txBody>
+          <a:bodyPr rtlCol="0" anchor="ctr"/>
+          <a:lstStyle/>
+          <a:p>
+            <a:pPr algn="ctr"/>
+            <a:endParaRPr kumimoji="1" lang="ja-JP" altLang="en-US"/>
+          </a:p>
+        </p:txBody>
+      </p:sp>
+      <p:sp>
+        <p:nvSpPr>
+          <p:cNvPr id="6" name="楕円 5">
+            <a:extLst>
+              <a:ext uri="{FF2B5EF4-FFF2-40B4-BE49-F238E27FC236}">
+                <a16:creationId xmlns:a16="http://schemas.microsoft.com/office/drawing/2014/main" id="{630E7E12-91AA-49D1-96D5-8D8D3C17C1BA}"/>
+              </a:ext>
+            </a:extLst>
+          </p:cNvPr>
+          <p:cNvSpPr/>
+          <p:nvPr/>
+        </p:nvSpPr>
+        <p:spPr>
+          <a:xfrm flipV="1">
+            <a:off x="1301683" y="2836060"/>
+            <a:ext cx="176092" cy="182966"/>
+          </a:xfrm>
+          <a:prstGeom prst="ellipse">
+            <a:avLst/>
+          </a:prstGeom>
+          <a:solidFill>
+            <a:schemeClr val="tx1"/>
+          </a:solidFill>
+          <a:ln w="28575">
+            <a:noFill/>
+          </a:ln>
+        </p:spPr>
+        <p:style>
+          <a:lnRef idx="2">
+            <a:schemeClr val="accent1">
+              <a:shade val="50000"/>
+            </a:schemeClr>
+          </a:lnRef>
+          <a:fillRef idx="1">
+            <a:schemeClr val="accent1"/>
+          </a:fillRef>
+          <a:effectRef idx="0">
+            <a:schemeClr val="accent1"/>
+          </a:effectRef>
+          <a:fontRef idx="minor">
+            <a:schemeClr val="lt1"/>
+          </a:fontRef>
+        </p:style>
+        <p:txBody>
+          <a:bodyPr rtlCol="0" anchor="ctr"/>
+          <a:lstStyle/>
+          <a:p>
+            <a:pPr algn="ctr"/>
+            <a:endParaRPr kumimoji="1" lang="ja-JP" altLang="en-US"/>
+          </a:p>
+        </p:txBody>
+      </p:sp>
+      <p:sp>
+        <p:nvSpPr>
+          <p:cNvPr id="7" name="楕円 6">
+            <a:extLst>
+              <a:ext uri="{FF2B5EF4-FFF2-40B4-BE49-F238E27FC236}">
+                <a16:creationId xmlns:a16="http://schemas.microsoft.com/office/drawing/2014/main" id="{3B110D3F-0631-4A34-B34D-A3A8EAD6EF60}"/>
+              </a:ext>
+            </a:extLst>
+          </p:cNvPr>
+          <p:cNvSpPr/>
+          <p:nvPr/>
+        </p:nvSpPr>
+        <p:spPr>
+          <a:xfrm>
+            <a:off x="3122033" y="1746609"/>
+            <a:ext cx="2133009" cy="2235562"/>
+          </a:xfrm>
+          <a:prstGeom prst="ellipse">
+            <a:avLst/>
+          </a:prstGeom>
+          <a:solidFill>
+            <a:schemeClr val="bg1"/>
+          </a:solidFill>
+          <a:ln w="28575">
+            <a:solidFill>
+              <a:schemeClr val="bg2">
+                <a:lumMod val="10000"/>
+              </a:schemeClr>
+            </a:solidFill>
+            <a:prstDash val="dash"/>
+          </a:ln>
+        </p:spPr>
+        <p:style>
+          <a:lnRef idx="2">
+            <a:schemeClr val="accent1">
+              <a:shade val="50000"/>
+            </a:schemeClr>
+          </a:lnRef>
+          <a:fillRef idx="1">
+            <a:schemeClr val="accent1"/>
+          </a:fillRef>
+          <a:effectRef idx="0">
+            <a:schemeClr val="accent1"/>
+          </a:effectRef>
+          <a:fontRef idx="minor">
+            <a:schemeClr val="lt1"/>
+          </a:fontRef>
+        </p:style>
+        <p:txBody>
+          <a:bodyPr rtlCol="0" anchor="ctr"/>
+          <a:lstStyle/>
+          <a:p>
+            <a:pPr algn="ctr"/>
+            <a:endParaRPr kumimoji="1" lang="ja-JP" altLang="en-US"/>
+          </a:p>
+        </p:txBody>
+      </p:sp>
+      <p:sp>
+        <p:nvSpPr>
+          <p:cNvPr id="9" name="楕円 8">
+            <a:extLst>
+              <a:ext uri="{FF2B5EF4-FFF2-40B4-BE49-F238E27FC236}">
+                <a16:creationId xmlns:a16="http://schemas.microsoft.com/office/drawing/2014/main" id="{5F83C3E4-DD28-48F0-9CF1-131ACAD0A376}"/>
+              </a:ext>
+            </a:extLst>
+          </p:cNvPr>
+          <p:cNvSpPr/>
+          <p:nvPr/>
+        </p:nvSpPr>
+        <p:spPr>
+          <a:xfrm>
+            <a:off x="5912485" y="1746608"/>
+            <a:ext cx="2133000" cy="2235562"/>
+          </a:xfrm>
+          <a:prstGeom prst="ellipse">
+            <a:avLst/>
+          </a:prstGeom>
+          <a:solidFill>
+            <a:schemeClr val="bg1"/>
+          </a:solidFill>
+          <a:ln w="28575">
+            <a:solidFill>
+              <a:schemeClr val="bg2">
+                <a:lumMod val="10000"/>
+              </a:schemeClr>
+            </a:solidFill>
+            <a:prstDash val="dash"/>
+          </a:ln>
+        </p:spPr>
+        <p:style>
+          <a:lnRef idx="2">
+            <a:schemeClr val="accent1">
+              <a:shade val="50000"/>
+            </a:schemeClr>
+          </a:lnRef>
+          <a:fillRef idx="1">
+            <a:schemeClr val="accent1"/>
+          </a:fillRef>
+          <a:effectRef idx="0">
+            <a:schemeClr val="accent1"/>
+          </a:effectRef>
+          <a:fontRef idx="minor">
+            <a:schemeClr val="lt1"/>
+          </a:fontRef>
+        </p:style>
+        <p:txBody>
+          <a:bodyPr rtlCol="0" anchor="ctr"/>
+          <a:lstStyle/>
+          <a:p>
+            <a:pPr algn="ctr"/>
+            <a:endParaRPr kumimoji="1" lang="ja-JP" altLang="en-US"/>
+          </a:p>
+        </p:txBody>
+      </p:sp>
+      <p:cxnSp>
+        <p:nvCxnSpPr>
+          <p:cNvPr id="25" name="直線コネクタ 24">
+            <a:extLst>
+              <a:ext uri="{FF2B5EF4-FFF2-40B4-BE49-F238E27FC236}">
+                <a16:creationId xmlns:a16="http://schemas.microsoft.com/office/drawing/2014/main" id="{286FA6D0-744F-4228-A1D6-550A80B6B766}"/>
+              </a:ext>
+            </a:extLst>
+          </p:cNvPr>
+          <p:cNvCxnSpPr>
+            <a:cxnSpLocks/>
+          </p:cNvCxnSpPr>
+          <p:nvPr/>
+        </p:nvCxnSpPr>
+        <p:spPr>
+          <a:xfrm flipH="1">
+            <a:off x="1485336" y="2438307"/>
+            <a:ext cx="5224846" cy="0"/>
+          </a:xfrm>
+          <a:prstGeom prst="line">
+            <a:avLst/>
+          </a:prstGeom>
+          <a:ln w="57150">
+            <a:solidFill>
+              <a:schemeClr val="accent1">
+                <a:lumMod val="60000"/>
+                <a:lumOff val="40000"/>
+              </a:schemeClr>
+            </a:solidFill>
+          </a:ln>
+        </p:spPr>
+        <p:style>
+          <a:lnRef idx="1">
+            <a:schemeClr val="accent1"/>
+          </a:lnRef>
+          <a:fillRef idx="0">
+            <a:schemeClr val="accent1"/>
+          </a:fillRef>
+          <a:effectRef idx="0">
+            <a:schemeClr val="accent1"/>
+          </a:effectRef>
+          <a:fontRef idx="minor">
+            <a:schemeClr val="tx1"/>
+          </a:fontRef>
+        </p:style>
+      </p:cxnSp>
+      <p:cxnSp>
+        <p:nvCxnSpPr>
+          <p:cNvPr id="27" name="直線コネクタ 26">
+            <a:extLst>
+              <a:ext uri="{FF2B5EF4-FFF2-40B4-BE49-F238E27FC236}">
+                <a16:creationId xmlns:a16="http://schemas.microsoft.com/office/drawing/2014/main" id="{320D31DF-E495-492F-A5EE-AA96251C94EE}"/>
+              </a:ext>
+            </a:extLst>
+          </p:cNvPr>
+          <p:cNvCxnSpPr>
+            <a:cxnSpLocks/>
+          </p:cNvCxnSpPr>
+          <p:nvPr/>
+        </p:nvCxnSpPr>
+        <p:spPr>
+          <a:xfrm>
+            <a:off x="3856963" y="805350"/>
+            <a:ext cx="8631" cy="1632957"/>
+          </a:xfrm>
+          <a:prstGeom prst="line">
+            <a:avLst/>
+          </a:prstGeom>
+          <a:ln w="57150">
+            <a:solidFill>
+              <a:schemeClr val="accent1">
+                <a:lumMod val="60000"/>
+                <a:lumOff val="40000"/>
+              </a:schemeClr>
+            </a:solidFill>
+          </a:ln>
+        </p:spPr>
+        <p:style>
+          <a:lnRef idx="1">
+            <a:schemeClr val="accent1"/>
+          </a:lnRef>
+          <a:fillRef idx="0">
+            <a:schemeClr val="accent1"/>
+          </a:fillRef>
+          <a:effectRef idx="0">
+            <a:schemeClr val="accent1"/>
+          </a:effectRef>
+          <a:fontRef idx="minor">
+            <a:schemeClr val="tx1"/>
+          </a:fontRef>
+        </p:style>
+      </p:cxnSp>
+      <p:cxnSp>
+        <p:nvCxnSpPr>
+          <p:cNvPr id="30" name="直線コネクタ 29">
+            <a:extLst>
+              <a:ext uri="{FF2B5EF4-FFF2-40B4-BE49-F238E27FC236}">
+                <a16:creationId xmlns:a16="http://schemas.microsoft.com/office/drawing/2014/main" id="{0F317C30-A6DD-4760-9F72-9752B5CB73BD}"/>
+              </a:ext>
+            </a:extLst>
+          </p:cNvPr>
+          <p:cNvCxnSpPr>
+            <a:cxnSpLocks/>
+          </p:cNvCxnSpPr>
+          <p:nvPr/>
+        </p:nvCxnSpPr>
+        <p:spPr>
+          <a:xfrm>
+            <a:off x="6754199" y="1008503"/>
+            <a:ext cx="0" cy="4546089"/>
+          </a:xfrm>
+          <a:prstGeom prst="line">
+            <a:avLst/>
+          </a:prstGeom>
+          <a:ln w="57150">
+            <a:solidFill>
+              <a:schemeClr val="accent1">
+                <a:lumMod val="60000"/>
+                <a:lumOff val="40000"/>
+              </a:schemeClr>
+            </a:solidFill>
+          </a:ln>
+        </p:spPr>
+        <p:style>
+          <a:lnRef idx="1">
+            <a:schemeClr val="accent1"/>
+          </a:lnRef>
+          <a:fillRef idx="0">
+            <a:schemeClr val="accent1"/>
+          </a:fillRef>
+          <a:effectRef idx="0">
+            <a:schemeClr val="accent1"/>
+          </a:effectRef>
+          <a:fontRef idx="minor">
+            <a:schemeClr val="tx1"/>
+          </a:fontRef>
+        </p:style>
+      </p:cxnSp>
+      <p:sp>
+        <p:nvSpPr>
+          <p:cNvPr id="12" name="楕円 11">
+            <a:extLst>
+              <a:ext uri="{FF2B5EF4-FFF2-40B4-BE49-F238E27FC236}">
+                <a16:creationId xmlns:a16="http://schemas.microsoft.com/office/drawing/2014/main" id="{28AC0987-429A-4FAF-8D46-D7794D8A0999}"/>
+              </a:ext>
+            </a:extLst>
+          </p:cNvPr>
+          <p:cNvSpPr/>
+          <p:nvPr/>
+        </p:nvSpPr>
+        <p:spPr>
+          <a:xfrm flipV="1">
+            <a:off x="3746438" y="2328668"/>
+            <a:ext cx="176092" cy="182966"/>
+          </a:xfrm>
+          <a:prstGeom prst="ellipse">
+            <a:avLst/>
+          </a:prstGeom>
+          <a:solidFill>
+            <a:schemeClr val="tx1"/>
+          </a:solidFill>
+          <a:ln w="28575">
+            <a:noFill/>
+          </a:ln>
+        </p:spPr>
+        <p:style>
+          <a:lnRef idx="2">
+            <a:schemeClr val="accent1">
+              <a:shade val="50000"/>
+            </a:schemeClr>
+          </a:lnRef>
+          <a:fillRef idx="1">
+            <a:schemeClr val="accent1"/>
+          </a:fillRef>
+          <a:effectRef idx="0">
+            <a:schemeClr val="accent1"/>
+          </a:effectRef>
+          <a:fontRef idx="minor">
+            <a:schemeClr val="lt1"/>
+          </a:fontRef>
+        </p:style>
+        <p:txBody>
+          <a:bodyPr rtlCol="0" anchor="ctr"/>
+          <a:lstStyle/>
+          <a:p>
+            <a:pPr algn="ctr"/>
+            <a:endParaRPr kumimoji="1" lang="ja-JP" altLang="en-US"/>
+          </a:p>
+        </p:txBody>
+      </p:sp>
+      <p:sp>
+        <p:nvSpPr>
+          <p:cNvPr id="13" name="楕円 12">
+            <a:extLst>
+              <a:ext uri="{FF2B5EF4-FFF2-40B4-BE49-F238E27FC236}">
+                <a16:creationId xmlns:a16="http://schemas.microsoft.com/office/drawing/2014/main" id="{0EB4A8E8-892C-4F2F-86DF-E4E1A143B5F2}"/>
+              </a:ext>
+            </a:extLst>
+          </p:cNvPr>
+          <p:cNvSpPr/>
+          <p:nvPr/>
+        </p:nvSpPr>
+        <p:spPr>
+          <a:xfrm flipV="1">
+            <a:off x="6644145" y="2347697"/>
+            <a:ext cx="176092" cy="182966"/>
+          </a:xfrm>
+          <a:prstGeom prst="ellipse">
+            <a:avLst/>
+          </a:prstGeom>
+          <a:solidFill>
+            <a:schemeClr val="tx1"/>
+          </a:solidFill>
+          <a:ln w="28575">
+            <a:noFill/>
+          </a:ln>
+        </p:spPr>
+        <p:style>
+          <a:lnRef idx="2">
+            <a:schemeClr val="accent1">
+              <a:shade val="50000"/>
+            </a:schemeClr>
+          </a:lnRef>
+          <a:fillRef idx="1">
+            <a:schemeClr val="accent1"/>
+          </a:fillRef>
+          <a:effectRef idx="0">
+            <a:schemeClr val="accent1"/>
+          </a:effectRef>
+          <a:fontRef idx="minor">
+            <a:schemeClr val="lt1"/>
+          </a:fontRef>
+        </p:style>
+        <p:txBody>
+          <a:bodyPr rtlCol="0" anchor="ctr"/>
+          <a:lstStyle/>
+          <a:p>
+            <a:pPr algn="ctr"/>
+            <a:endParaRPr kumimoji="1" lang="ja-JP" altLang="en-US"/>
+          </a:p>
+        </p:txBody>
+      </p:sp>
+      <p:sp>
+        <p:nvSpPr>
+          <p:cNvPr id="2" name="テキスト ボックス 1">
+            <a:extLst>
+              <a:ext uri="{FF2B5EF4-FFF2-40B4-BE49-F238E27FC236}">
+                <a16:creationId xmlns:a16="http://schemas.microsoft.com/office/drawing/2014/main" id="{F5670B09-7E1B-4079-AAC1-9C2A60D320E2}"/>
+              </a:ext>
+            </a:extLst>
+          </p:cNvPr>
+          <p:cNvSpPr txBox="1"/>
+          <p:nvPr/>
+        </p:nvSpPr>
+        <p:spPr>
+          <a:xfrm>
+            <a:off x="4604248" y="4788875"/>
+            <a:ext cx="930063" cy="461665"/>
+          </a:xfrm>
+          <a:prstGeom prst="rect">
+            <a:avLst/>
+          </a:prstGeom>
+          <a:noFill/>
+        </p:spPr>
+        <p:txBody>
+          <a:bodyPr wrap="none" rtlCol="0">
+            <a:spAutoFit/>
+          </a:bodyPr>
+          <a:lstStyle/>
+          <a:p>
+            <a:r>
+              <a:rPr kumimoji="1" lang="en-US" altLang="ja-JP" sz="2400" b="1" dirty="0">
+                <a:latin typeface="Georgia" panose="02040502050405020303" pitchFamily="18" charset="0"/>
+              </a:rPr>
+              <a:t>H </a:t>
+            </a:r>
+            <a:r>
+              <a:rPr kumimoji="1" lang="ja-JP" altLang="en-US" sz="2400" b="1" dirty="0">
+                <a:latin typeface="Georgia" panose="02040502050405020303" pitchFamily="18" charset="0"/>
+              </a:rPr>
+              <a:t>イ </a:t>
+            </a:r>
+          </a:p>
+        </p:txBody>
+      </p:sp>
+      <p:sp>
+        <p:nvSpPr>
+          <p:cNvPr id="3" name="テキスト ボックス 2">
+            <a:extLst>
+              <a:ext uri="{FF2B5EF4-FFF2-40B4-BE49-F238E27FC236}">
+                <a16:creationId xmlns:a16="http://schemas.microsoft.com/office/drawing/2014/main" id="{7A695005-DE08-4A6D-8B22-4E6047B51840}"/>
+              </a:ext>
+            </a:extLst>
+          </p:cNvPr>
+          <p:cNvSpPr txBox="1"/>
+          <p:nvPr/>
+        </p:nvSpPr>
+        <p:spPr>
+          <a:xfrm>
+            <a:off x="4585345" y="5506380"/>
+            <a:ext cx="492443" cy="461665"/>
+          </a:xfrm>
+          <a:prstGeom prst="rect">
+            <a:avLst/>
+          </a:prstGeom>
+          <a:noFill/>
+        </p:spPr>
+        <p:txBody>
+          <a:bodyPr wrap="none" rtlCol="0">
+            <a:spAutoFit/>
+          </a:bodyPr>
+          <a:lstStyle/>
+          <a:p>
+            <a:r>
+              <a:rPr kumimoji="1" lang="ja-JP" altLang="en-US" sz="2400" b="1" dirty="0">
+                <a:latin typeface="Georgia" panose="02040502050405020303" pitchFamily="18" charset="0"/>
+              </a:rPr>
+              <a:t>ロ</a:t>
+            </a:r>
+          </a:p>
+        </p:txBody>
+      </p:sp>
+      <p:sp>
+        <p:nvSpPr>
+          <p:cNvPr id="8" name="テキスト ボックス 7">
+            <a:extLst>
+              <a:ext uri="{FF2B5EF4-FFF2-40B4-BE49-F238E27FC236}">
+                <a16:creationId xmlns:a16="http://schemas.microsoft.com/office/drawing/2014/main" id="{C10CD304-59CB-4253-9176-3BB29AB70741}"/>
+              </a:ext>
+            </a:extLst>
+          </p:cNvPr>
+          <p:cNvSpPr txBox="1"/>
+          <p:nvPr/>
+        </p:nvSpPr>
+        <p:spPr>
+          <a:xfrm>
+            <a:off x="4580200" y="6260012"/>
+            <a:ext cx="613925" cy="461665"/>
+          </a:xfrm>
+          <a:prstGeom prst="rect">
+            <a:avLst/>
+          </a:prstGeom>
+          <a:noFill/>
+        </p:spPr>
+        <p:txBody>
+          <a:bodyPr wrap="square" rtlCol="0">
+            <a:spAutoFit/>
+          </a:bodyPr>
+          <a:lstStyle/>
+          <a:p>
+            <a:r>
+              <a:rPr kumimoji="1" lang="ja-JP" altLang="en-US" sz="2400" b="1" dirty="0">
+                <a:latin typeface="Georgia" panose="02040502050405020303" pitchFamily="18" charset="0"/>
+              </a:rPr>
+              <a:t>ハ</a:t>
+            </a:r>
+          </a:p>
+        </p:txBody>
+      </p:sp>
+      <p:sp>
+        <p:nvSpPr>
+          <p:cNvPr id="10" name="正方形/長方形 9">
+            <a:extLst>
+              <a:ext uri="{FF2B5EF4-FFF2-40B4-BE49-F238E27FC236}">
+                <a16:creationId xmlns:a16="http://schemas.microsoft.com/office/drawing/2014/main" id="{FD1D2829-4749-4D5C-8FBB-96C209EEEDD7}"/>
+              </a:ext>
+            </a:extLst>
+          </p:cNvPr>
+          <p:cNvSpPr/>
+          <p:nvPr/>
+        </p:nvSpPr>
+        <p:spPr>
+          <a:xfrm>
+            <a:off x="6220485" y="5367030"/>
+            <a:ext cx="1522206" cy="448487"/>
+          </a:xfrm>
+          <a:prstGeom prst="rect">
+            <a:avLst/>
+          </a:prstGeom>
+          <a:solidFill>
+            <a:schemeClr val="bg1"/>
+          </a:solidFill>
+          <a:ln w="38100">
+            <a:solidFill>
+              <a:schemeClr val="tx1"/>
+            </a:solidFill>
+          </a:ln>
+        </p:spPr>
+        <p:style>
+          <a:lnRef idx="2">
+            <a:schemeClr val="accent1">
+              <a:shade val="50000"/>
+            </a:schemeClr>
+          </a:lnRef>
+          <a:fillRef idx="1">
+            <a:schemeClr val="accent1"/>
+          </a:fillRef>
+          <a:effectRef idx="0">
+            <a:schemeClr val="accent1"/>
+          </a:effectRef>
+          <a:fontRef idx="minor">
+            <a:schemeClr val="lt1"/>
+          </a:fontRef>
+        </p:style>
+        <p:txBody>
+          <a:bodyPr rtlCol="0" anchor="ctr"/>
+          <a:lstStyle/>
+          <a:p>
+            <a:pPr algn="ctr"/>
+            <a:endParaRPr kumimoji="1" lang="ja-JP" altLang="en-US"/>
+          </a:p>
+        </p:txBody>
+      </p:sp>
+      <p:sp>
+        <p:nvSpPr>
+          <p:cNvPr id="11" name="テキスト ボックス 10">
+            <a:extLst>
+              <a:ext uri="{FF2B5EF4-FFF2-40B4-BE49-F238E27FC236}">
+                <a16:creationId xmlns:a16="http://schemas.microsoft.com/office/drawing/2014/main" id="{06EA2750-021F-4E53-8CAC-EAD771036790}"/>
+              </a:ext>
+            </a:extLst>
+          </p:cNvPr>
+          <p:cNvSpPr txBox="1"/>
+          <p:nvPr/>
+        </p:nvSpPr>
+        <p:spPr>
+          <a:xfrm>
+            <a:off x="7824122" y="5367031"/>
+            <a:ext cx="613925" cy="461665"/>
+          </a:xfrm>
+          <a:prstGeom prst="rect">
+            <a:avLst/>
+          </a:prstGeom>
+          <a:noFill/>
+        </p:spPr>
+        <p:txBody>
+          <a:bodyPr wrap="square" rtlCol="0">
+            <a:spAutoFit/>
+          </a:bodyPr>
+          <a:lstStyle/>
+          <a:p>
+            <a:r>
+              <a:rPr kumimoji="1" lang="ja-JP" altLang="en-US" sz="2400" b="1" dirty="0">
+                <a:latin typeface="Georgia" panose="02040502050405020303" pitchFamily="18" charset="0"/>
+              </a:rPr>
+              <a:t>ハ</a:t>
+            </a:r>
+          </a:p>
+        </p:txBody>
+      </p:sp>
+      <p:sp>
+        <p:nvSpPr>
+          <p:cNvPr id="14" name="楕円 13">
+            <a:extLst>
+              <a:ext uri="{FF2B5EF4-FFF2-40B4-BE49-F238E27FC236}">
+                <a16:creationId xmlns:a16="http://schemas.microsoft.com/office/drawing/2014/main" id="{A3E7759D-2305-4824-86F9-1F7AAE21EEA3}"/>
+              </a:ext>
+            </a:extLst>
+          </p:cNvPr>
+          <p:cNvSpPr/>
+          <p:nvPr/>
+        </p:nvSpPr>
+        <p:spPr>
+          <a:xfrm>
+            <a:off x="6588189" y="5229576"/>
+            <a:ext cx="786798" cy="736573"/>
+          </a:xfrm>
+          <a:prstGeom prst="ellipse">
+            <a:avLst/>
+          </a:prstGeom>
+          <a:solidFill>
+            <a:schemeClr val="bg1"/>
+          </a:solidFill>
+          <a:ln w="38100">
+            <a:solidFill>
+              <a:schemeClr val="bg2">
+                <a:lumMod val="10000"/>
+              </a:schemeClr>
+            </a:solidFill>
+          </a:ln>
+        </p:spPr>
+        <p:style>
+          <a:lnRef idx="2">
+            <a:schemeClr val="accent1">
+              <a:shade val="50000"/>
+            </a:schemeClr>
+          </a:lnRef>
+          <a:fillRef idx="1">
+            <a:schemeClr val="accent1"/>
+          </a:fillRef>
+          <a:effectRef idx="0">
+            <a:schemeClr val="accent1"/>
+          </a:effectRef>
+          <a:fontRef idx="minor">
+            <a:schemeClr val="lt1"/>
+          </a:fontRef>
+        </p:style>
+        <p:txBody>
+          <a:bodyPr rtlCol="0" anchor="ctr"/>
+          <a:lstStyle/>
+          <a:p>
+            <a:pPr algn="ctr"/>
+            <a:endParaRPr kumimoji="1" lang="ja-JP" altLang="en-US"/>
+          </a:p>
+        </p:txBody>
+      </p:sp>
+      <p:cxnSp>
+        <p:nvCxnSpPr>
+          <p:cNvPr id="42" name="直線コネクタ 41">
+            <a:extLst>
+              <a:ext uri="{FF2B5EF4-FFF2-40B4-BE49-F238E27FC236}">
+                <a16:creationId xmlns:a16="http://schemas.microsoft.com/office/drawing/2014/main" id="{2ECA5F19-94DE-45EC-A032-A89017C94AAC}"/>
+              </a:ext>
+            </a:extLst>
+          </p:cNvPr>
+          <p:cNvCxnSpPr>
+            <a:cxnSpLocks/>
+          </p:cNvCxnSpPr>
+          <p:nvPr/>
+        </p:nvCxnSpPr>
+        <p:spPr>
+          <a:xfrm flipH="1">
+            <a:off x="1439398" y="2916284"/>
+            <a:ext cx="2090589" cy="0"/>
+          </a:xfrm>
+          <a:prstGeom prst="line">
+            <a:avLst/>
+          </a:prstGeom>
+          <a:ln w="57150">
+            <a:solidFill>
+              <a:schemeClr val="bg2">
+                <a:lumMod val="10000"/>
+              </a:schemeClr>
+            </a:solidFill>
+          </a:ln>
+        </p:spPr>
+        <p:style>
+          <a:lnRef idx="1">
+            <a:schemeClr val="accent1"/>
+          </a:lnRef>
+          <a:fillRef idx="0">
+            <a:schemeClr val="accent1"/>
+          </a:fillRef>
+          <a:effectRef idx="0">
+            <a:schemeClr val="accent1"/>
+          </a:effectRef>
+          <a:fontRef idx="minor">
+            <a:schemeClr val="tx1"/>
+          </a:fontRef>
+        </p:style>
+      </p:cxnSp>
+      <p:sp>
+        <p:nvSpPr>
+          <p:cNvPr id="16" name="楕円 15">
+            <a:extLst>
+              <a:ext uri="{FF2B5EF4-FFF2-40B4-BE49-F238E27FC236}">
+                <a16:creationId xmlns:a16="http://schemas.microsoft.com/office/drawing/2014/main" id="{18CF4CDB-85AD-4039-85CC-7460C3CFC430}"/>
+              </a:ext>
+            </a:extLst>
+          </p:cNvPr>
+          <p:cNvSpPr/>
+          <p:nvPr/>
+        </p:nvSpPr>
+        <p:spPr>
+          <a:xfrm flipV="1">
+            <a:off x="3456464" y="2849387"/>
+            <a:ext cx="176092" cy="182966"/>
+          </a:xfrm>
+          <a:prstGeom prst="ellipse">
+            <a:avLst/>
+          </a:prstGeom>
+          <a:solidFill>
+            <a:schemeClr val="tx1"/>
+          </a:solidFill>
+          <a:ln w="28575">
+            <a:noFill/>
+          </a:ln>
+        </p:spPr>
+        <p:style>
+          <a:lnRef idx="2">
+            <a:schemeClr val="accent1">
+              <a:shade val="50000"/>
+            </a:schemeClr>
+          </a:lnRef>
+          <a:fillRef idx="1">
+            <a:schemeClr val="accent1"/>
+          </a:fillRef>
+          <a:effectRef idx="0">
+            <a:schemeClr val="accent1"/>
+          </a:effectRef>
+          <a:fontRef idx="minor">
+            <a:schemeClr val="lt1"/>
+          </a:fontRef>
+        </p:style>
+        <p:txBody>
+          <a:bodyPr rtlCol="0" anchor="ctr"/>
+          <a:lstStyle/>
+          <a:p>
+            <a:pPr algn="ctr"/>
+            <a:endParaRPr kumimoji="1" lang="ja-JP" altLang="en-US"/>
+          </a:p>
+        </p:txBody>
+      </p:sp>
+      <p:cxnSp>
+        <p:nvCxnSpPr>
+          <p:cNvPr id="47" name="直線コネクタ 46">
+            <a:extLst>
+              <a:ext uri="{FF2B5EF4-FFF2-40B4-BE49-F238E27FC236}">
+                <a16:creationId xmlns:a16="http://schemas.microsoft.com/office/drawing/2014/main" id="{AEF334E5-37F2-4C7A-AC20-1F826B8AEA5B}"/>
+              </a:ext>
+            </a:extLst>
+          </p:cNvPr>
+          <p:cNvCxnSpPr>
+            <a:cxnSpLocks/>
+          </p:cNvCxnSpPr>
+          <p:nvPr/>
+        </p:nvCxnSpPr>
+        <p:spPr>
+          <a:xfrm flipV="1">
+            <a:off x="3524666" y="2914936"/>
+            <a:ext cx="9994" cy="1735809"/>
+          </a:xfrm>
+          <a:prstGeom prst="line">
+            <a:avLst/>
+          </a:prstGeom>
+          <a:ln w="57150">
+            <a:solidFill>
+              <a:schemeClr val="bg2">
+                <a:lumMod val="10000"/>
+              </a:schemeClr>
+            </a:solidFill>
+          </a:ln>
+        </p:spPr>
+        <p:style>
+          <a:lnRef idx="1">
+            <a:schemeClr val="accent1"/>
+          </a:lnRef>
+          <a:fillRef idx="0">
+            <a:schemeClr val="accent1"/>
+          </a:fillRef>
+          <a:effectRef idx="0">
+            <a:schemeClr val="accent1"/>
+          </a:effectRef>
+          <a:fontRef idx="minor">
+            <a:schemeClr val="tx1"/>
+          </a:fontRef>
+        </p:style>
+      </p:cxnSp>
+      <p:cxnSp>
+        <p:nvCxnSpPr>
+          <p:cNvPr id="52" name="直線コネクタ 51">
+            <a:extLst>
+              <a:ext uri="{FF2B5EF4-FFF2-40B4-BE49-F238E27FC236}">
+                <a16:creationId xmlns:a16="http://schemas.microsoft.com/office/drawing/2014/main" id="{891890F3-FEE1-4B61-91C4-67B728E85C87}"/>
+              </a:ext>
+            </a:extLst>
+          </p:cNvPr>
+          <p:cNvCxnSpPr>
+            <a:cxnSpLocks/>
+            <a:stCxn id="53" idx="3"/>
+          </p:cNvCxnSpPr>
+          <p:nvPr/>
+        </p:nvCxnSpPr>
+        <p:spPr>
+          <a:xfrm flipH="1" flipV="1">
+            <a:off x="3516404" y="4627842"/>
+            <a:ext cx="165562" cy="327178"/>
+          </a:xfrm>
+          <a:prstGeom prst="line">
+            <a:avLst/>
+          </a:prstGeom>
+          <a:ln w="57150">
+            <a:solidFill>
+              <a:schemeClr val="bg2">
+                <a:lumMod val="10000"/>
+              </a:schemeClr>
+            </a:solidFill>
+          </a:ln>
+        </p:spPr>
+        <p:style>
+          <a:lnRef idx="1">
+            <a:schemeClr val="accent1"/>
+          </a:lnRef>
+          <a:fillRef idx="0">
+            <a:schemeClr val="accent1"/>
+          </a:fillRef>
+          <a:effectRef idx="0">
+            <a:schemeClr val="accent1"/>
+          </a:effectRef>
+          <a:fontRef idx="minor">
+            <a:schemeClr val="tx1"/>
+          </a:fontRef>
+        </p:style>
+      </p:cxnSp>
+      <p:sp>
+        <p:nvSpPr>
+          <p:cNvPr id="23" name="円弧 22">
+            <a:extLst>
+              <a:ext uri="{FF2B5EF4-FFF2-40B4-BE49-F238E27FC236}">
+                <a16:creationId xmlns:a16="http://schemas.microsoft.com/office/drawing/2014/main" id="{5F76EA5F-F282-49B7-9834-9D03E34E34FB}"/>
+              </a:ext>
+            </a:extLst>
+          </p:cNvPr>
+          <p:cNvSpPr/>
+          <p:nvPr/>
+        </p:nvSpPr>
+        <p:spPr>
+          <a:xfrm rot="13200351">
+            <a:off x="3558492" y="4864477"/>
+            <a:ext cx="1006286" cy="1005106"/>
+          </a:xfrm>
+          <a:prstGeom prst="arc">
+            <a:avLst>
+              <a:gd name="adj1" fmla="val 16797120"/>
+              <a:gd name="adj2" fmla="val 0"/>
+            </a:avLst>
+          </a:prstGeom>
+          <a:ln w="38100">
+            <a:solidFill>
+              <a:schemeClr val="tx1"/>
+            </a:solidFill>
+          </a:ln>
+        </p:spPr>
+        <p:style>
+          <a:lnRef idx="1">
+            <a:schemeClr val="accent1"/>
+          </a:lnRef>
+          <a:fillRef idx="0">
+            <a:schemeClr val="accent1"/>
+          </a:fillRef>
+          <a:effectRef idx="0">
+            <a:schemeClr val="accent1"/>
+          </a:effectRef>
+          <a:fontRef idx="minor">
+            <a:schemeClr val="tx1"/>
+          </a:fontRef>
+        </p:style>
+        <p:txBody>
+          <a:bodyPr rtlCol="0" anchor="ctr"/>
+          <a:lstStyle/>
+          <a:p>
+            <a:pPr algn="ctr"/>
+            <a:endParaRPr kumimoji="1" lang="ja-JP" altLang="en-US"/>
+          </a:p>
+        </p:txBody>
+      </p:sp>
+      <p:sp>
+        <p:nvSpPr>
+          <p:cNvPr id="24" name="円弧 23">
+            <a:extLst>
+              <a:ext uri="{FF2B5EF4-FFF2-40B4-BE49-F238E27FC236}">
+                <a16:creationId xmlns:a16="http://schemas.microsoft.com/office/drawing/2014/main" id="{915CAABE-F023-469E-AB95-8CB53DD4B0A7}"/>
+              </a:ext>
+            </a:extLst>
+          </p:cNvPr>
+          <p:cNvSpPr/>
+          <p:nvPr/>
+        </p:nvSpPr>
+        <p:spPr>
+          <a:xfrm rot="13200351">
+            <a:off x="3575211" y="5603664"/>
+            <a:ext cx="1006286" cy="1005106"/>
+          </a:xfrm>
+          <a:prstGeom prst="arc">
+            <a:avLst>
+              <a:gd name="adj1" fmla="val 16797120"/>
+              <a:gd name="adj2" fmla="val 0"/>
+            </a:avLst>
+          </a:prstGeom>
+          <a:ln w="38100">
+            <a:solidFill>
+              <a:schemeClr val="tx1"/>
+            </a:solidFill>
+          </a:ln>
+        </p:spPr>
+        <p:style>
+          <a:lnRef idx="1">
+            <a:schemeClr val="accent1"/>
+          </a:lnRef>
+          <a:fillRef idx="0">
+            <a:schemeClr val="accent1"/>
+          </a:fillRef>
+          <a:effectRef idx="0">
+            <a:schemeClr val="accent1"/>
+          </a:effectRef>
+          <a:fontRef idx="minor">
+            <a:schemeClr val="tx1"/>
+          </a:fontRef>
+        </p:style>
+        <p:txBody>
+          <a:bodyPr rtlCol="0" anchor="ctr"/>
+          <a:lstStyle/>
+          <a:p>
+            <a:pPr algn="ctr"/>
+            <a:endParaRPr kumimoji="1" lang="ja-JP" altLang="en-US"/>
+          </a:p>
+        </p:txBody>
+      </p:sp>
+      <p:cxnSp>
+        <p:nvCxnSpPr>
+          <p:cNvPr id="43" name="直線コネクタ 42">
+            <a:extLst>
+              <a:ext uri="{FF2B5EF4-FFF2-40B4-BE49-F238E27FC236}">
+                <a16:creationId xmlns:a16="http://schemas.microsoft.com/office/drawing/2014/main" id="{E8D8CE6F-5B01-4BD8-946A-8915ED3AB1D8}"/>
+              </a:ext>
+            </a:extLst>
+          </p:cNvPr>
+          <p:cNvCxnSpPr>
+            <a:cxnSpLocks/>
+            <a:endCxn id="21" idx="0"/>
+          </p:cNvCxnSpPr>
+          <p:nvPr/>
+        </p:nvCxnSpPr>
+        <p:spPr>
+          <a:xfrm flipH="1">
+            <a:off x="4360982" y="805350"/>
+            <a:ext cx="10516" cy="1348734"/>
+          </a:xfrm>
+          <a:prstGeom prst="line">
+            <a:avLst/>
+          </a:prstGeom>
+          <a:ln w="57150">
+            <a:solidFill>
+              <a:schemeClr val="tx1"/>
+            </a:solidFill>
+          </a:ln>
+        </p:spPr>
+        <p:style>
+          <a:lnRef idx="1">
+            <a:schemeClr val="accent1"/>
+          </a:lnRef>
+          <a:fillRef idx="0">
+            <a:schemeClr val="accent1"/>
+          </a:fillRef>
+          <a:effectRef idx="0">
+            <a:schemeClr val="accent1"/>
+          </a:effectRef>
+          <a:fontRef idx="minor">
+            <a:schemeClr val="tx1"/>
+          </a:fontRef>
+        </p:style>
+      </p:cxnSp>
+      <p:sp>
+        <p:nvSpPr>
+          <p:cNvPr id="20" name="円弧 19">
+            <a:extLst>
+              <a:ext uri="{FF2B5EF4-FFF2-40B4-BE49-F238E27FC236}">
+                <a16:creationId xmlns:a16="http://schemas.microsoft.com/office/drawing/2014/main" id="{0B1800DC-8B4B-4AB5-A500-764DA8660F08}"/>
+              </a:ext>
+            </a:extLst>
+          </p:cNvPr>
+          <p:cNvSpPr/>
+          <p:nvPr/>
+        </p:nvSpPr>
+        <p:spPr>
+          <a:xfrm rot="2083216">
+            <a:off x="2849390" y="3650532"/>
+            <a:ext cx="1908660" cy="1548573"/>
+          </a:xfrm>
+          <a:prstGeom prst="arc">
+            <a:avLst>
+              <a:gd name="adj1" fmla="val 16797120"/>
+              <a:gd name="adj2" fmla="val 120847"/>
+            </a:avLst>
+          </a:prstGeom>
+          <a:ln w="50800">
+            <a:solidFill>
+              <a:schemeClr val="accent5">
+                <a:lumMod val="60000"/>
+                <a:lumOff val="40000"/>
+              </a:schemeClr>
+            </a:solidFill>
+          </a:ln>
+        </p:spPr>
+        <p:style>
+          <a:lnRef idx="1">
+            <a:schemeClr val="accent1"/>
+          </a:lnRef>
+          <a:fillRef idx="0">
+            <a:schemeClr val="accent1"/>
+          </a:fillRef>
+          <a:effectRef idx="0">
+            <a:schemeClr val="accent1"/>
+          </a:effectRef>
+          <a:fontRef idx="minor">
+            <a:schemeClr val="tx1"/>
+          </a:fontRef>
+        </p:style>
+        <p:txBody>
+          <a:bodyPr rtlCol="0" anchor="ctr"/>
+          <a:lstStyle/>
+          <a:p>
+            <a:pPr algn="ctr"/>
+            <a:endParaRPr kumimoji="1" lang="ja-JP" altLang="en-US"/>
+          </a:p>
+        </p:txBody>
+      </p:sp>
+      <p:sp>
+        <p:nvSpPr>
+          <p:cNvPr id="21" name="楕円 20">
+            <a:extLst>
+              <a:ext uri="{FF2B5EF4-FFF2-40B4-BE49-F238E27FC236}">
+                <a16:creationId xmlns:a16="http://schemas.microsoft.com/office/drawing/2014/main" id="{D18795BA-79D3-4201-8913-2C549863265C}"/>
+              </a:ext>
+            </a:extLst>
+          </p:cNvPr>
+          <p:cNvSpPr/>
+          <p:nvPr/>
+        </p:nvSpPr>
+        <p:spPr>
+          <a:xfrm flipV="1">
+            <a:off x="4272936" y="1971118"/>
+            <a:ext cx="176092" cy="182966"/>
+          </a:xfrm>
+          <a:prstGeom prst="ellipse">
+            <a:avLst/>
+          </a:prstGeom>
+          <a:solidFill>
+            <a:schemeClr val="tx1"/>
+          </a:solidFill>
+          <a:ln w="28575">
+            <a:noFill/>
+          </a:ln>
+        </p:spPr>
+        <p:style>
+          <a:lnRef idx="2">
+            <a:schemeClr val="accent1">
+              <a:shade val="50000"/>
+            </a:schemeClr>
+          </a:lnRef>
+          <a:fillRef idx="1">
+            <a:schemeClr val="accent1"/>
+          </a:fillRef>
+          <a:effectRef idx="0">
+            <a:schemeClr val="accent1"/>
+          </a:effectRef>
+          <a:fontRef idx="minor">
+            <a:schemeClr val="lt1"/>
+          </a:fontRef>
+        </p:style>
+        <p:txBody>
+          <a:bodyPr rtlCol="0" anchor="ctr"/>
+          <a:lstStyle/>
+          <a:p>
+            <a:pPr algn="ctr"/>
+            <a:endParaRPr kumimoji="1" lang="ja-JP" altLang="en-US"/>
+          </a:p>
+        </p:txBody>
+      </p:sp>
+      <p:cxnSp>
+        <p:nvCxnSpPr>
+          <p:cNvPr id="62" name="直線コネクタ 61">
+            <a:extLst>
+              <a:ext uri="{FF2B5EF4-FFF2-40B4-BE49-F238E27FC236}">
+                <a16:creationId xmlns:a16="http://schemas.microsoft.com/office/drawing/2014/main" id="{F26D8E4F-62DD-41A1-A49A-B7ED4F83B1D2}"/>
+              </a:ext>
+            </a:extLst>
+          </p:cNvPr>
+          <p:cNvCxnSpPr>
+            <a:cxnSpLocks/>
+          </p:cNvCxnSpPr>
+          <p:nvPr/>
+        </p:nvCxnSpPr>
+        <p:spPr>
+          <a:xfrm flipH="1">
+            <a:off x="4536733" y="4565692"/>
+            <a:ext cx="293850" cy="1088188"/>
+          </a:xfrm>
+          <a:prstGeom prst="line">
+            <a:avLst/>
+          </a:prstGeom>
+          <a:ln w="57150">
+            <a:solidFill>
+              <a:schemeClr val="bg2">
+                <a:lumMod val="25000"/>
+              </a:schemeClr>
+            </a:solidFill>
+          </a:ln>
+        </p:spPr>
+        <p:style>
+          <a:lnRef idx="1">
+            <a:schemeClr val="accent1"/>
+          </a:lnRef>
+          <a:fillRef idx="0">
+            <a:schemeClr val="accent1"/>
+          </a:fillRef>
+          <a:effectRef idx="0">
+            <a:schemeClr val="accent1"/>
+          </a:effectRef>
+          <a:fontRef idx="minor">
+            <a:schemeClr val="tx1"/>
+          </a:fontRef>
+        </p:style>
+      </p:cxnSp>
+      <p:cxnSp>
+        <p:nvCxnSpPr>
+          <p:cNvPr id="67" name="直線コネクタ 66">
+            <a:extLst>
+              <a:ext uri="{FF2B5EF4-FFF2-40B4-BE49-F238E27FC236}">
+                <a16:creationId xmlns:a16="http://schemas.microsoft.com/office/drawing/2014/main" id="{71E7D09E-8DD3-42E6-99B8-DC4A8058BA4B}"/>
+              </a:ext>
+            </a:extLst>
+          </p:cNvPr>
+          <p:cNvCxnSpPr>
+            <a:cxnSpLocks/>
+          </p:cNvCxnSpPr>
+          <p:nvPr/>
+        </p:nvCxnSpPr>
+        <p:spPr>
+          <a:xfrm>
+            <a:off x="4803352" y="2598300"/>
+            <a:ext cx="40302" cy="1986692"/>
+          </a:xfrm>
+          <a:prstGeom prst="line">
+            <a:avLst/>
+          </a:prstGeom>
+          <a:ln w="57150">
+            <a:solidFill>
+              <a:schemeClr val="tx1"/>
+            </a:solidFill>
+          </a:ln>
+        </p:spPr>
+        <p:style>
+          <a:lnRef idx="1">
+            <a:schemeClr val="accent1"/>
+          </a:lnRef>
+          <a:fillRef idx="0">
+            <a:schemeClr val="accent1"/>
+          </a:fillRef>
+          <a:effectRef idx="0">
+            <a:schemeClr val="accent1"/>
+          </a:effectRef>
+          <a:fontRef idx="minor">
+            <a:schemeClr val="tx1"/>
+          </a:fontRef>
+        </p:style>
+      </p:cxnSp>
+      <p:cxnSp>
+        <p:nvCxnSpPr>
+          <p:cNvPr id="68" name="直線コネクタ 67">
+            <a:extLst>
+              <a:ext uri="{FF2B5EF4-FFF2-40B4-BE49-F238E27FC236}">
+                <a16:creationId xmlns:a16="http://schemas.microsoft.com/office/drawing/2014/main" id="{E7462E6B-808C-4DC9-B15A-F4AA26EA287B}"/>
+              </a:ext>
+            </a:extLst>
+          </p:cNvPr>
+          <p:cNvCxnSpPr>
+            <a:cxnSpLocks/>
+          </p:cNvCxnSpPr>
+          <p:nvPr/>
+        </p:nvCxnSpPr>
+        <p:spPr>
+          <a:xfrm flipV="1">
+            <a:off x="4823134" y="2617548"/>
+            <a:ext cx="2178702" cy="20425"/>
+          </a:xfrm>
+          <a:prstGeom prst="line">
+            <a:avLst/>
+          </a:prstGeom>
+          <a:ln w="57150">
+            <a:solidFill>
+              <a:schemeClr val="tx1"/>
+            </a:solidFill>
+          </a:ln>
+        </p:spPr>
+        <p:style>
+          <a:lnRef idx="1">
+            <a:schemeClr val="accent1"/>
+          </a:lnRef>
+          <a:fillRef idx="0">
+            <a:schemeClr val="accent1"/>
+          </a:fillRef>
+          <a:effectRef idx="0">
+            <a:schemeClr val="accent1"/>
+          </a:effectRef>
+          <a:fontRef idx="minor">
+            <a:schemeClr val="tx1"/>
+          </a:fontRef>
+        </p:style>
+      </p:cxnSp>
+      <p:cxnSp>
+        <p:nvCxnSpPr>
+          <p:cNvPr id="69" name="直線コネクタ 68">
+            <a:extLst>
+              <a:ext uri="{FF2B5EF4-FFF2-40B4-BE49-F238E27FC236}">
+                <a16:creationId xmlns:a16="http://schemas.microsoft.com/office/drawing/2014/main" id="{6AAAF367-B91E-4D79-8B97-57D12E6EF533}"/>
+              </a:ext>
+            </a:extLst>
+          </p:cNvPr>
+          <p:cNvCxnSpPr>
+            <a:cxnSpLocks/>
+          </p:cNvCxnSpPr>
+          <p:nvPr/>
+        </p:nvCxnSpPr>
+        <p:spPr>
+          <a:xfrm flipV="1">
+            <a:off x="7001836" y="993230"/>
+            <a:ext cx="0" cy="1634530"/>
+          </a:xfrm>
+          <a:prstGeom prst="line">
+            <a:avLst/>
+          </a:prstGeom>
+          <a:ln w="57150">
+            <a:solidFill>
+              <a:schemeClr val="bg2">
+                <a:lumMod val="10000"/>
+              </a:schemeClr>
+            </a:solidFill>
+          </a:ln>
+        </p:spPr>
+        <p:style>
+          <a:lnRef idx="1">
+            <a:schemeClr val="accent1"/>
+          </a:lnRef>
+          <a:fillRef idx="0">
+            <a:schemeClr val="accent1"/>
+          </a:fillRef>
+          <a:effectRef idx="0">
+            <a:schemeClr val="accent1"/>
+          </a:effectRef>
+          <a:fontRef idx="minor">
+            <a:schemeClr val="tx1"/>
+          </a:fontRef>
+        </p:style>
+      </p:cxnSp>
+      <p:cxnSp>
+        <p:nvCxnSpPr>
+          <p:cNvPr id="70" name="直線コネクタ 69">
+            <a:extLst>
+              <a:ext uri="{FF2B5EF4-FFF2-40B4-BE49-F238E27FC236}">
+                <a16:creationId xmlns:a16="http://schemas.microsoft.com/office/drawing/2014/main" id="{02CFE41F-BA99-465F-99DF-8C16406C915A}"/>
+              </a:ext>
+            </a:extLst>
+          </p:cNvPr>
+          <p:cNvCxnSpPr>
+            <a:cxnSpLocks/>
+          </p:cNvCxnSpPr>
+          <p:nvPr/>
+        </p:nvCxnSpPr>
+        <p:spPr>
+          <a:xfrm flipH="1">
+            <a:off x="4514401" y="4584992"/>
+            <a:ext cx="466069" cy="1845630"/>
+          </a:xfrm>
+          <a:prstGeom prst="line">
+            <a:avLst/>
+          </a:prstGeom>
+          <a:ln w="57150">
+            <a:solidFill>
+              <a:schemeClr val="accent5">
+                <a:lumMod val="60000"/>
+                <a:lumOff val="40000"/>
+              </a:schemeClr>
+            </a:solidFill>
+          </a:ln>
+        </p:spPr>
+        <p:style>
+          <a:lnRef idx="1">
+            <a:schemeClr val="accent1"/>
+          </a:lnRef>
+          <a:fillRef idx="0">
+            <a:schemeClr val="accent1"/>
+          </a:fillRef>
+          <a:effectRef idx="0">
+            <a:schemeClr val="accent1"/>
+          </a:effectRef>
+          <a:fontRef idx="minor">
+            <a:schemeClr val="tx1"/>
+          </a:fontRef>
+        </p:style>
+      </p:cxnSp>
+      <p:cxnSp>
+        <p:nvCxnSpPr>
+          <p:cNvPr id="71" name="直線コネクタ 70">
+            <a:extLst>
+              <a:ext uri="{FF2B5EF4-FFF2-40B4-BE49-F238E27FC236}">
+                <a16:creationId xmlns:a16="http://schemas.microsoft.com/office/drawing/2014/main" id="{CB850EC2-021F-4390-B1BE-0D406CD44A97}"/>
+              </a:ext>
+            </a:extLst>
+          </p:cNvPr>
+          <p:cNvCxnSpPr>
+            <a:cxnSpLocks/>
+          </p:cNvCxnSpPr>
+          <p:nvPr/>
+        </p:nvCxnSpPr>
+        <p:spPr>
+          <a:xfrm>
+            <a:off x="4980470" y="2817213"/>
+            <a:ext cx="16049" cy="1797239"/>
+          </a:xfrm>
+          <a:prstGeom prst="line">
+            <a:avLst/>
+          </a:prstGeom>
+          <a:ln w="57150">
+            <a:solidFill>
+              <a:schemeClr val="accent5">
+                <a:lumMod val="60000"/>
+                <a:lumOff val="40000"/>
+              </a:schemeClr>
+            </a:solidFill>
+          </a:ln>
+        </p:spPr>
+        <p:style>
+          <a:lnRef idx="1">
+            <a:schemeClr val="accent1"/>
+          </a:lnRef>
+          <a:fillRef idx="0">
+            <a:schemeClr val="accent1"/>
+          </a:fillRef>
+          <a:effectRef idx="0">
+            <a:schemeClr val="accent1"/>
+          </a:effectRef>
+          <a:fontRef idx="minor">
+            <a:schemeClr val="tx1"/>
+          </a:fontRef>
+        </p:style>
+      </p:cxnSp>
+      <p:cxnSp>
+        <p:nvCxnSpPr>
+          <p:cNvPr id="72" name="直線コネクタ 71">
+            <a:extLst>
+              <a:ext uri="{FF2B5EF4-FFF2-40B4-BE49-F238E27FC236}">
+                <a16:creationId xmlns:a16="http://schemas.microsoft.com/office/drawing/2014/main" id="{EB8D2D6B-5984-4C6F-A17C-BAB33337E691}"/>
+              </a:ext>
+            </a:extLst>
+          </p:cNvPr>
+          <p:cNvCxnSpPr>
+            <a:cxnSpLocks/>
+          </p:cNvCxnSpPr>
+          <p:nvPr/>
+        </p:nvCxnSpPr>
+        <p:spPr>
+          <a:xfrm flipH="1" flipV="1">
+            <a:off x="4947524" y="2836754"/>
+            <a:ext cx="2238164" cy="12633"/>
+          </a:xfrm>
+          <a:prstGeom prst="line">
+            <a:avLst/>
+          </a:prstGeom>
+          <a:ln w="57150">
+            <a:solidFill>
+              <a:srgbClr val="FF0000"/>
+            </a:solidFill>
+          </a:ln>
+        </p:spPr>
+        <p:style>
+          <a:lnRef idx="1">
+            <a:schemeClr val="accent1"/>
+          </a:lnRef>
+          <a:fillRef idx="0">
+            <a:schemeClr val="accent1"/>
+          </a:fillRef>
+          <a:effectRef idx="0">
+            <a:schemeClr val="accent1"/>
+          </a:effectRef>
+          <a:fontRef idx="minor">
+            <a:schemeClr val="tx1"/>
+          </a:fontRef>
+        </p:style>
+      </p:cxnSp>
+      <p:cxnSp>
+        <p:nvCxnSpPr>
+          <p:cNvPr id="73" name="直線コネクタ 72">
+            <a:extLst>
+              <a:ext uri="{FF2B5EF4-FFF2-40B4-BE49-F238E27FC236}">
+                <a16:creationId xmlns:a16="http://schemas.microsoft.com/office/drawing/2014/main" id="{13922DE3-A6AE-42E5-B3F9-AB967CBF6E3E}"/>
+              </a:ext>
+            </a:extLst>
+          </p:cNvPr>
+          <p:cNvCxnSpPr>
+            <a:cxnSpLocks/>
+          </p:cNvCxnSpPr>
+          <p:nvPr/>
+        </p:nvCxnSpPr>
+        <p:spPr>
+          <a:xfrm flipV="1">
+            <a:off x="7165440" y="2833646"/>
+            <a:ext cx="20248" cy="2416894"/>
+          </a:xfrm>
+          <a:prstGeom prst="line">
+            <a:avLst/>
+          </a:prstGeom>
+          <a:ln w="57150">
+            <a:solidFill>
+              <a:schemeClr val="tx1"/>
+            </a:solidFill>
+          </a:ln>
+        </p:spPr>
+        <p:style>
+          <a:lnRef idx="1">
+            <a:schemeClr val="accent1"/>
+          </a:lnRef>
+          <a:fillRef idx="0">
+            <a:schemeClr val="accent1"/>
+          </a:fillRef>
+          <a:effectRef idx="0">
+            <a:schemeClr val="accent1"/>
+          </a:effectRef>
+          <a:fontRef idx="minor">
+            <a:schemeClr val="tx1"/>
+          </a:fontRef>
+        </p:style>
+      </p:cxnSp>
+      <p:sp>
+        <p:nvSpPr>
+          <p:cNvPr id="78" name="楕円 77">
+            <a:extLst>
+              <a:ext uri="{FF2B5EF4-FFF2-40B4-BE49-F238E27FC236}">
+                <a16:creationId xmlns:a16="http://schemas.microsoft.com/office/drawing/2014/main" id="{BC62CB04-1D07-45F8-8B8E-4D794D8ACE10}"/>
+              </a:ext>
+            </a:extLst>
+          </p:cNvPr>
+          <p:cNvSpPr/>
+          <p:nvPr/>
+        </p:nvSpPr>
+        <p:spPr>
+          <a:xfrm flipV="1">
+            <a:off x="4742537" y="2556752"/>
+            <a:ext cx="176092" cy="182966"/>
+          </a:xfrm>
+          <a:prstGeom prst="ellipse">
+            <a:avLst/>
+          </a:prstGeom>
+          <a:solidFill>
+            <a:schemeClr val="tx1"/>
+          </a:solidFill>
+          <a:ln w="28575">
+            <a:noFill/>
+          </a:ln>
+        </p:spPr>
+        <p:style>
+          <a:lnRef idx="2">
+            <a:schemeClr val="accent1">
+              <a:shade val="50000"/>
+            </a:schemeClr>
+          </a:lnRef>
+          <a:fillRef idx="1">
+            <a:schemeClr val="accent1"/>
+          </a:fillRef>
+          <a:effectRef idx="0">
+            <a:schemeClr val="accent1"/>
+          </a:effectRef>
+          <a:fontRef idx="minor">
+            <a:schemeClr val="lt1"/>
+          </a:fontRef>
+        </p:style>
+        <p:txBody>
+          <a:bodyPr rtlCol="0" anchor="ctr"/>
+          <a:lstStyle/>
+          <a:p>
+            <a:pPr algn="ctr"/>
+            <a:endParaRPr kumimoji="1" lang="ja-JP" altLang="en-US"/>
+          </a:p>
+        </p:txBody>
+      </p:sp>
+      <p:sp>
+        <p:nvSpPr>
+          <p:cNvPr id="80" name="楕円 79">
+            <a:extLst>
+              <a:ext uri="{FF2B5EF4-FFF2-40B4-BE49-F238E27FC236}">
+                <a16:creationId xmlns:a16="http://schemas.microsoft.com/office/drawing/2014/main" id="{14F22201-D141-4203-B4DF-12F9C997FD3B}"/>
+              </a:ext>
+            </a:extLst>
+          </p:cNvPr>
+          <p:cNvSpPr/>
+          <p:nvPr/>
+        </p:nvSpPr>
+        <p:spPr>
+          <a:xfrm flipV="1">
+            <a:off x="4887162" y="2752299"/>
+            <a:ext cx="176092" cy="182966"/>
+          </a:xfrm>
+          <a:prstGeom prst="ellipse">
+            <a:avLst/>
+          </a:prstGeom>
+          <a:solidFill>
+            <a:schemeClr val="tx1"/>
+          </a:solidFill>
+          <a:ln w="28575">
+            <a:noFill/>
+          </a:ln>
+        </p:spPr>
+        <p:style>
+          <a:lnRef idx="2">
+            <a:schemeClr val="accent1">
+              <a:shade val="50000"/>
+            </a:schemeClr>
+          </a:lnRef>
+          <a:fillRef idx="1">
+            <a:schemeClr val="accent1"/>
+          </a:fillRef>
+          <a:effectRef idx="0">
+            <a:schemeClr val="accent1"/>
+          </a:effectRef>
+          <a:fontRef idx="minor">
+            <a:schemeClr val="lt1"/>
+          </a:fontRef>
+        </p:style>
+        <p:txBody>
+          <a:bodyPr rtlCol="0" anchor="ctr"/>
+          <a:lstStyle/>
+          <a:p>
+            <a:pPr algn="ctr"/>
+            <a:endParaRPr kumimoji="1" lang="ja-JP" altLang="en-US"/>
+          </a:p>
+        </p:txBody>
+      </p:sp>
+      <p:sp>
+        <p:nvSpPr>
+          <p:cNvPr id="82" name="楕円 81">
+            <a:extLst>
+              <a:ext uri="{FF2B5EF4-FFF2-40B4-BE49-F238E27FC236}">
+                <a16:creationId xmlns:a16="http://schemas.microsoft.com/office/drawing/2014/main" id="{08E91DDA-B132-4C2D-83AA-01AA49641FF6}"/>
+              </a:ext>
+            </a:extLst>
+          </p:cNvPr>
+          <p:cNvSpPr/>
+          <p:nvPr/>
+        </p:nvSpPr>
+        <p:spPr>
+          <a:xfrm flipV="1">
+            <a:off x="6920210" y="2506817"/>
+            <a:ext cx="176092" cy="182966"/>
+          </a:xfrm>
+          <a:prstGeom prst="ellipse">
+            <a:avLst/>
+          </a:prstGeom>
+          <a:solidFill>
+            <a:schemeClr val="tx1"/>
+          </a:solidFill>
+          <a:ln w="28575">
+            <a:noFill/>
+          </a:ln>
+        </p:spPr>
+        <p:style>
+          <a:lnRef idx="2">
+            <a:schemeClr val="accent1">
+              <a:shade val="50000"/>
+            </a:schemeClr>
+          </a:lnRef>
+          <a:fillRef idx="1">
+            <a:schemeClr val="accent1"/>
+          </a:fillRef>
+          <a:effectRef idx="0">
+            <a:schemeClr val="accent1"/>
+          </a:effectRef>
+          <a:fontRef idx="minor">
+            <a:schemeClr val="lt1"/>
+          </a:fontRef>
+        </p:style>
+        <p:txBody>
+          <a:bodyPr rtlCol="0" anchor="ctr"/>
+          <a:lstStyle/>
+          <a:p>
+            <a:pPr algn="ctr"/>
+            <a:endParaRPr kumimoji="1" lang="ja-JP" altLang="en-US"/>
+          </a:p>
+        </p:txBody>
+      </p:sp>
+      <p:sp>
+        <p:nvSpPr>
+          <p:cNvPr id="84" name="楕円 83">
+            <a:extLst>
+              <a:ext uri="{FF2B5EF4-FFF2-40B4-BE49-F238E27FC236}">
+                <a16:creationId xmlns:a16="http://schemas.microsoft.com/office/drawing/2014/main" id="{EF941B04-9067-4BFA-B579-8F64B126CFBF}"/>
+              </a:ext>
+            </a:extLst>
+          </p:cNvPr>
+          <p:cNvSpPr/>
+          <p:nvPr/>
+        </p:nvSpPr>
+        <p:spPr>
+          <a:xfrm flipV="1">
+            <a:off x="7077394" y="2772906"/>
+            <a:ext cx="176092" cy="182966"/>
+          </a:xfrm>
+          <a:prstGeom prst="ellipse">
+            <a:avLst/>
+          </a:prstGeom>
+          <a:solidFill>
+            <a:schemeClr val="tx1"/>
+          </a:solidFill>
+          <a:ln w="28575">
+            <a:noFill/>
+          </a:ln>
+        </p:spPr>
+        <p:style>
+          <a:lnRef idx="2">
+            <a:schemeClr val="accent1">
+              <a:shade val="50000"/>
+            </a:schemeClr>
+          </a:lnRef>
+          <a:fillRef idx="1">
+            <a:schemeClr val="accent1"/>
+          </a:fillRef>
+          <a:effectRef idx="0">
+            <a:schemeClr val="accent1"/>
+          </a:effectRef>
+          <a:fontRef idx="minor">
+            <a:schemeClr val="lt1"/>
+          </a:fontRef>
+        </p:style>
+        <p:txBody>
+          <a:bodyPr rtlCol="0" anchor="ctr"/>
+          <a:lstStyle/>
+          <a:p>
+            <a:pPr algn="ctr"/>
+            <a:endParaRPr kumimoji="1" lang="ja-JP" altLang="en-US"/>
+          </a:p>
+        </p:txBody>
+      </p:sp>
+      <p:sp>
+        <p:nvSpPr>
+          <p:cNvPr id="87" name="テキスト ボックス 86">
+            <a:extLst>
+              <a:ext uri="{FF2B5EF4-FFF2-40B4-BE49-F238E27FC236}">
+                <a16:creationId xmlns:a16="http://schemas.microsoft.com/office/drawing/2014/main" id="{4A1E723F-882D-4823-B4D1-792EF43B2EE0}"/>
+              </a:ext>
+            </a:extLst>
+          </p:cNvPr>
+          <p:cNvSpPr txBox="1"/>
+          <p:nvPr/>
+        </p:nvSpPr>
+        <p:spPr>
+          <a:xfrm>
+            <a:off x="809240" y="2208347"/>
+            <a:ext cx="492443" cy="461665"/>
+          </a:xfrm>
+          <a:prstGeom prst="rect">
+            <a:avLst/>
+          </a:prstGeom>
+          <a:noFill/>
+        </p:spPr>
+        <p:txBody>
+          <a:bodyPr wrap="none" rtlCol="0">
+            <a:spAutoFit/>
+          </a:bodyPr>
+          <a:lstStyle/>
+          <a:p>
+            <a:r>
+              <a:rPr lang="ja-JP" altLang="en-US" sz="2400" b="1" dirty="0">
+                <a:latin typeface="Georgia" panose="02040502050405020303" pitchFamily="18" charset="0"/>
+              </a:rPr>
+              <a:t>白</a:t>
+            </a:r>
+            <a:endParaRPr kumimoji="1" lang="ja-JP" altLang="en-US" sz="2400" b="1" dirty="0">
+              <a:latin typeface="Georgia" panose="02040502050405020303" pitchFamily="18" charset="0"/>
+            </a:endParaRPr>
+          </a:p>
+        </p:txBody>
+      </p:sp>
+      <p:sp>
+        <p:nvSpPr>
+          <p:cNvPr id="89" name="テキスト ボックス 88">
+            <a:extLst>
+              <a:ext uri="{FF2B5EF4-FFF2-40B4-BE49-F238E27FC236}">
+                <a16:creationId xmlns:a16="http://schemas.microsoft.com/office/drawing/2014/main" id="{3D239E85-8BB1-4941-BBE8-CFF0EDEA7CC0}"/>
+              </a:ext>
+            </a:extLst>
+          </p:cNvPr>
+          <p:cNvSpPr txBox="1"/>
+          <p:nvPr/>
+        </p:nvSpPr>
+        <p:spPr>
+          <a:xfrm>
+            <a:off x="800299" y="2707954"/>
+            <a:ext cx="492443" cy="461665"/>
+          </a:xfrm>
+          <a:prstGeom prst="rect">
+            <a:avLst/>
+          </a:prstGeom>
+          <a:noFill/>
+        </p:spPr>
+        <p:txBody>
+          <a:bodyPr wrap="none" rtlCol="0">
+            <a:spAutoFit/>
+          </a:bodyPr>
+          <a:lstStyle/>
+          <a:p>
+            <a:r>
+              <a:rPr kumimoji="1" lang="ja-JP" altLang="en-US" sz="2400" b="1" dirty="0">
+                <a:latin typeface="Georgia" panose="02040502050405020303" pitchFamily="18" charset="0"/>
+              </a:rPr>
+              <a:t>黒</a:t>
+            </a:r>
+          </a:p>
+        </p:txBody>
+      </p:sp>
+      <p:cxnSp>
+        <p:nvCxnSpPr>
+          <p:cNvPr id="18" name="直線矢印コネクタ 17">
+            <a:extLst>
+              <a:ext uri="{FF2B5EF4-FFF2-40B4-BE49-F238E27FC236}">
+                <a16:creationId xmlns:a16="http://schemas.microsoft.com/office/drawing/2014/main" id="{617AEFE4-61E0-442D-9145-74813679BD99}"/>
+              </a:ext>
+            </a:extLst>
+          </p:cNvPr>
+          <p:cNvCxnSpPr>
+            <a:cxnSpLocks/>
+          </p:cNvCxnSpPr>
+          <p:nvPr/>
+        </p:nvCxnSpPr>
+        <p:spPr>
+          <a:xfrm>
+            <a:off x="3184756" y="1639958"/>
+            <a:ext cx="486279" cy="634071"/>
+          </a:xfrm>
+          <a:prstGeom prst="straightConnector1">
+            <a:avLst/>
+          </a:prstGeom>
+          <a:ln w="38100">
+            <a:solidFill>
+              <a:srgbClr val="FF0000"/>
+            </a:solidFill>
+            <a:tailEnd type="triangle"/>
+          </a:ln>
+        </p:spPr>
+        <p:style>
+          <a:lnRef idx="3">
+            <a:schemeClr val="dk1"/>
+          </a:lnRef>
+          <a:fillRef idx="0">
+            <a:schemeClr val="dk1"/>
+          </a:fillRef>
+          <a:effectRef idx="2">
+            <a:schemeClr val="dk1"/>
+          </a:effectRef>
+          <a:fontRef idx="minor">
+            <a:schemeClr val="tx1"/>
+          </a:fontRef>
+        </p:style>
+      </p:cxnSp>
+      <p:sp>
+        <p:nvSpPr>
+          <p:cNvPr id="26" name="テキスト ボックス 25">
+            <a:extLst>
+              <a:ext uri="{FF2B5EF4-FFF2-40B4-BE49-F238E27FC236}">
+                <a16:creationId xmlns:a16="http://schemas.microsoft.com/office/drawing/2014/main" id="{10FEB284-8F9C-487D-8322-A5B0898FFE9F}"/>
+              </a:ext>
+            </a:extLst>
+          </p:cNvPr>
+          <p:cNvSpPr txBox="1"/>
+          <p:nvPr/>
+        </p:nvSpPr>
+        <p:spPr>
+          <a:xfrm>
+            <a:off x="1857771" y="1187220"/>
+            <a:ext cx="1415772" cy="461665"/>
+          </a:xfrm>
+          <a:prstGeom prst="rect">
+            <a:avLst/>
+          </a:prstGeom>
+          <a:noFill/>
+        </p:spPr>
+        <p:txBody>
+          <a:bodyPr wrap="none" rtlCol="0">
+            <a:spAutoFit/>
+          </a:bodyPr>
+          <a:lstStyle/>
+          <a:p>
+            <a:r>
+              <a:rPr lang="ja-JP" altLang="en-US" sz="2400" b="1" dirty="0">
+                <a:solidFill>
+                  <a:srgbClr val="FF0000"/>
+                </a:solidFill>
+                <a:latin typeface="Georgia" panose="02040502050405020303" pitchFamily="18" charset="0"/>
+              </a:rPr>
+              <a:t>刻印：小</a:t>
+            </a:r>
+            <a:endParaRPr kumimoji="1" lang="ja-JP" altLang="en-US" sz="2400" b="1" dirty="0">
+              <a:solidFill>
+                <a:srgbClr val="FF0000"/>
+              </a:solidFill>
+              <a:latin typeface="Georgia" panose="02040502050405020303" pitchFamily="18" charset="0"/>
+            </a:endParaRPr>
+          </a:p>
+        </p:txBody>
+      </p:sp>
+      <p:cxnSp>
+        <p:nvCxnSpPr>
+          <p:cNvPr id="75" name="直線矢印コネクタ 74">
+            <a:extLst>
+              <a:ext uri="{FF2B5EF4-FFF2-40B4-BE49-F238E27FC236}">
+                <a16:creationId xmlns:a16="http://schemas.microsoft.com/office/drawing/2014/main" id="{5432C7B6-2C28-4F24-B01E-5C9B0F596227}"/>
+              </a:ext>
+            </a:extLst>
+          </p:cNvPr>
+          <p:cNvCxnSpPr>
+            <a:cxnSpLocks/>
+          </p:cNvCxnSpPr>
+          <p:nvPr/>
+        </p:nvCxnSpPr>
+        <p:spPr>
+          <a:xfrm>
+            <a:off x="2731905" y="1697992"/>
+            <a:ext cx="729009" cy="1082882"/>
+          </a:xfrm>
+          <a:prstGeom prst="straightConnector1">
+            <a:avLst/>
+          </a:prstGeom>
+          <a:ln w="38100">
+            <a:solidFill>
+              <a:srgbClr val="FF0000"/>
+            </a:solidFill>
+            <a:tailEnd type="triangle"/>
+          </a:ln>
+        </p:spPr>
+        <p:style>
+          <a:lnRef idx="3">
+            <a:schemeClr val="dk1"/>
+          </a:lnRef>
+          <a:fillRef idx="0">
+            <a:schemeClr val="dk1"/>
+          </a:fillRef>
+          <a:effectRef idx="2">
+            <a:schemeClr val="dk1"/>
+          </a:effectRef>
+          <a:fontRef idx="minor">
+            <a:schemeClr val="tx1"/>
+          </a:fontRef>
+        </p:style>
+      </p:cxnSp>
+      <p:sp>
+        <p:nvSpPr>
+          <p:cNvPr id="29" name="テキスト ボックス 28">
+            <a:extLst>
+              <a:ext uri="{FF2B5EF4-FFF2-40B4-BE49-F238E27FC236}">
+                <a16:creationId xmlns:a16="http://schemas.microsoft.com/office/drawing/2014/main" id="{93DD6D09-2DBC-4C84-BD9E-01510666B6CA}"/>
+              </a:ext>
+            </a:extLst>
+          </p:cNvPr>
+          <p:cNvSpPr txBox="1"/>
+          <p:nvPr/>
+        </p:nvSpPr>
+        <p:spPr>
+          <a:xfrm>
+            <a:off x="4574197" y="1047775"/>
+            <a:ext cx="1415772" cy="461665"/>
+          </a:xfrm>
+          <a:prstGeom prst="rect">
+            <a:avLst/>
+          </a:prstGeom>
+          <a:noFill/>
+        </p:spPr>
+        <p:txBody>
+          <a:bodyPr wrap="none" rtlCol="0">
+            <a:spAutoFit/>
+          </a:bodyPr>
+          <a:lstStyle/>
+          <a:p>
+            <a:r>
+              <a:rPr lang="ja-JP" altLang="en-US" sz="2400" b="1" dirty="0">
+                <a:solidFill>
+                  <a:srgbClr val="FF0000"/>
+                </a:solidFill>
+                <a:latin typeface="Georgia" panose="02040502050405020303" pitchFamily="18" charset="0"/>
+              </a:rPr>
+              <a:t>刻印：○</a:t>
+            </a:r>
+            <a:endParaRPr kumimoji="1" lang="ja-JP" altLang="en-US" sz="2400" b="1" dirty="0">
+              <a:solidFill>
+                <a:srgbClr val="FF0000"/>
+              </a:solidFill>
+              <a:latin typeface="Georgia" panose="02040502050405020303" pitchFamily="18" charset="0"/>
+            </a:endParaRPr>
+          </a:p>
+        </p:txBody>
+      </p:sp>
+      <p:cxnSp>
+        <p:nvCxnSpPr>
+          <p:cNvPr id="77" name="直線矢印コネクタ 76">
+            <a:extLst>
+              <a:ext uri="{FF2B5EF4-FFF2-40B4-BE49-F238E27FC236}">
+                <a16:creationId xmlns:a16="http://schemas.microsoft.com/office/drawing/2014/main" id="{364D1A37-7492-4574-BF7E-70CD75B8636F}"/>
+              </a:ext>
+            </a:extLst>
+          </p:cNvPr>
+          <p:cNvCxnSpPr>
+            <a:cxnSpLocks/>
+          </p:cNvCxnSpPr>
+          <p:nvPr/>
+        </p:nvCxnSpPr>
+        <p:spPr>
+          <a:xfrm flipH="1">
+            <a:off x="4425062" y="1538557"/>
+            <a:ext cx="428302" cy="414660"/>
+          </a:xfrm>
+          <a:prstGeom prst="straightConnector1">
+            <a:avLst/>
+          </a:prstGeom>
+          <a:ln w="38100">
+            <a:solidFill>
+              <a:srgbClr val="FF0000"/>
+            </a:solidFill>
+            <a:tailEnd type="triangle"/>
+          </a:ln>
+        </p:spPr>
+        <p:style>
+          <a:lnRef idx="3">
+            <a:schemeClr val="dk1"/>
+          </a:lnRef>
+          <a:fillRef idx="0">
+            <a:schemeClr val="dk1"/>
+          </a:fillRef>
+          <a:effectRef idx="2">
+            <a:schemeClr val="dk1"/>
+          </a:effectRef>
+          <a:fontRef idx="minor">
+            <a:schemeClr val="tx1"/>
+          </a:fontRef>
+        </p:style>
+      </p:cxnSp>
+      <p:cxnSp>
+        <p:nvCxnSpPr>
+          <p:cNvPr id="79" name="直線矢印コネクタ 78">
+            <a:extLst>
+              <a:ext uri="{FF2B5EF4-FFF2-40B4-BE49-F238E27FC236}">
+                <a16:creationId xmlns:a16="http://schemas.microsoft.com/office/drawing/2014/main" id="{6A17D25E-DFE6-4FD4-9D67-D8448F20A8F1}"/>
+              </a:ext>
+            </a:extLst>
+          </p:cNvPr>
+          <p:cNvCxnSpPr>
+            <a:cxnSpLocks/>
+          </p:cNvCxnSpPr>
+          <p:nvPr/>
+        </p:nvCxnSpPr>
+        <p:spPr>
+          <a:xfrm flipH="1">
+            <a:off x="4860925" y="1542718"/>
+            <a:ext cx="166496" cy="985242"/>
+          </a:xfrm>
+          <a:prstGeom prst="straightConnector1">
+            <a:avLst/>
+          </a:prstGeom>
+          <a:ln w="38100">
+            <a:solidFill>
+              <a:srgbClr val="FF0000"/>
+            </a:solidFill>
+            <a:tailEnd type="triangle"/>
+          </a:ln>
+        </p:spPr>
+        <p:style>
+          <a:lnRef idx="3">
+            <a:schemeClr val="dk1"/>
+          </a:lnRef>
+          <a:fillRef idx="0">
+            <a:schemeClr val="dk1"/>
+          </a:fillRef>
+          <a:effectRef idx="2">
+            <a:schemeClr val="dk1"/>
+          </a:effectRef>
+          <a:fontRef idx="minor">
+            <a:schemeClr val="tx1"/>
+          </a:fontRef>
+        </p:style>
+      </p:cxnSp>
+      <p:cxnSp>
+        <p:nvCxnSpPr>
+          <p:cNvPr id="81" name="直線矢印コネクタ 80">
+            <a:extLst>
+              <a:ext uri="{FF2B5EF4-FFF2-40B4-BE49-F238E27FC236}">
+                <a16:creationId xmlns:a16="http://schemas.microsoft.com/office/drawing/2014/main" id="{6831CC56-16BD-49C2-8BCB-EACAE325FD64}"/>
+              </a:ext>
+            </a:extLst>
+          </p:cNvPr>
+          <p:cNvCxnSpPr>
+            <a:cxnSpLocks/>
+          </p:cNvCxnSpPr>
+          <p:nvPr/>
+        </p:nvCxnSpPr>
+        <p:spPr>
+          <a:xfrm flipH="1">
+            <a:off x="5021317" y="1621828"/>
+            <a:ext cx="166375" cy="1152125"/>
+          </a:xfrm>
+          <a:prstGeom prst="straightConnector1">
+            <a:avLst/>
+          </a:prstGeom>
+          <a:ln w="38100">
+            <a:solidFill>
+              <a:srgbClr val="FF0000"/>
+            </a:solidFill>
+            <a:tailEnd type="triangle"/>
+          </a:ln>
+        </p:spPr>
+        <p:style>
+          <a:lnRef idx="3">
+            <a:schemeClr val="dk1"/>
+          </a:lnRef>
+          <a:fillRef idx="0">
+            <a:schemeClr val="dk1"/>
+          </a:fillRef>
+          <a:effectRef idx="2">
+            <a:schemeClr val="dk1"/>
+          </a:effectRef>
+          <a:fontRef idx="minor">
+            <a:schemeClr val="tx1"/>
+          </a:fontRef>
+        </p:style>
+      </p:cxnSp>
+      <p:sp>
+        <p:nvSpPr>
+          <p:cNvPr id="36" name="テキスト ボックス 35">
+            <a:extLst>
+              <a:ext uri="{FF2B5EF4-FFF2-40B4-BE49-F238E27FC236}">
+                <a16:creationId xmlns:a16="http://schemas.microsoft.com/office/drawing/2014/main" id="{7D6B7AA7-769D-428F-9A38-E308341D0BA0}"/>
+              </a:ext>
+            </a:extLst>
+          </p:cNvPr>
+          <p:cNvSpPr txBox="1"/>
+          <p:nvPr/>
+        </p:nvSpPr>
+        <p:spPr>
+          <a:xfrm>
+            <a:off x="7209857" y="862719"/>
+            <a:ext cx="2031325" cy="461665"/>
+          </a:xfrm>
+          <a:prstGeom prst="rect">
+            <a:avLst/>
+          </a:prstGeom>
+          <a:noFill/>
+        </p:spPr>
+        <p:txBody>
+          <a:bodyPr wrap="none" rtlCol="0">
+            <a:spAutoFit/>
+          </a:bodyPr>
+          <a:lstStyle/>
+          <a:p>
+            <a:r>
+              <a:rPr lang="ja-JP" altLang="en-US" sz="2400" b="1" dirty="0">
+                <a:solidFill>
+                  <a:srgbClr val="FF0000"/>
+                </a:solidFill>
+                <a:latin typeface="Georgia" panose="02040502050405020303" pitchFamily="18" charset="0"/>
+              </a:rPr>
+              <a:t>コネクタ：３</a:t>
+            </a:r>
+            <a:endParaRPr kumimoji="1" lang="ja-JP" altLang="en-US" sz="2400" b="1" dirty="0">
+              <a:solidFill>
+                <a:srgbClr val="FF0000"/>
+              </a:solidFill>
+              <a:latin typeface="Georgia" panose="02040502050405020303" pitchFamily="18" charset="0"/>
+            </a:endParaRPr>
+          </a:p>
+        </p:txBody>
+      </p:sp>
+      <p:cxnSp>
+        <p:nvCxnSpPr>
+          <p:cNvPr id="85" name="直線矢印コネクタ 84">
+            <a:extLst>
+              <a:ext uri="{FF2B5EF4-FFF2-40B4-BE49-F238E27FC236}">
+                <a16:creationId xmlns:a16="http://schemas.microsoft.com/office/drawing/2014/main" id="{A8CBFEF6-1012-4529-B36D-880A68D33EF8}"/>
+              </a:ext>
+            </a:extLst>
+          </p:cNvPr>
+          <p:cNvCxnSpPr>
+            <a:cxnSpLocks/>
+          </p:cNvCxnSpPr>
+          <p:nvPr/>
+        </p:nvCxnSpPr>
+        <p:spPr>
+          <a:xfrm flipH="1">
+            <a:off x="6813403" y="1278607"/>
+            <a:ext cx="1052376" cy="1118848"/>
+          </a:xfrm>
+          <a:prstGeom prst="straightConnector1">
+            <a:avLst/>
+          </a:prstGeom>
+          <a:ln w="38100">
+            <a:solidFill>
+              <a:srgbClr val="FF0000"/>
+            </a:solidFill>
+            <a:tailEnd type="triangle"/>
+          </a:ln>
+        </p:spPr>
+        <p:style>
+          <a:lnRef idx="3">
+            <a:schemeClr val="dk1"/>
+          </a:lnRef>
+          <a:fillRef idx="0">
+            <a:schemeClr val="dk1"/>
+          </a:fillRef>
+          <a:effectRef idx="2">
+            <a:schemeClr val="dk1"/>
+          </a:effectRef>
+          <a:fontRef idx="minor">
+            <a:schemeClr val="tx1"/>
+          </a:fontRef>
+        </p:style>
+      </p:cxnSp>
+      <p:sp>
+        <p:nvSpPr>
+          <p:cNvPr id="39" name="テキスト ボックス 38">
+            <a:extLst>
+              <a:ext uri="{FF2B5EF4-FFF2-40B4-BE49-F238E27FC236}">
+                <a16:creationId xmlns:a16="http://schemas.microsoft.com/office/drawing/2014/main" id="{E1840A23-F41E-41B6-B08A-7B73FCC3A36E}"/>
+              </a:ext>
+            </a:extLst>
+          </p:cNvPr>
+          <p:cNvSpPr txBox="1"/>
+          <p:nvPr/>
+        </p:nvSpPr>
+        <p:spPr>
+          <a:xfrm>
+            <a:off x="7657758" y="1533325"/>
+            <a:ext cx="2031325" cy="461665"/>
+          </a:xfrm>
+          <a:prstGeom prst="rect">
+            <a:avLst/>
+          </a:prstGeom>
+          <a:noFill/>
+        </p:spPr>
+        <p:txBody>
+          <a:bodyPr wrap="none" rtlCol="0">
+            <a:spAutoFit/>
+          </a:bodyPr>
+          <a:lstStyle/>
+          <a:p>
+            <a:r>
+              <a:rPr lang="ja-JP" altLang="en-US" sz="2400" b="1" dirty="0">
+                <a:solidFill>
+                  <a:srgbClr val="FF0000"/>
+                </a:solidFill>
+                <a:latin typeface="Georgia" panose="02040502050405020303" pitchFamily="18" charset="0"/>
+              </a:rPr>
+              <a:t>コネクタ：２</a:t>
+            </a:r>
+            <a:endParaRPr kumimoji="1" lang="ja-JP" altLang="en-US" sz="2400" b="1" dirty="0">
+              <a:solidFill>
+                <a:srgbClr val="FF0000"/>
+              </a:solidFill>
+              <a:latin typeface="Georgia" panose="02040502050405020303" pitchFamily="18" charset="0"/>
+            </a:endParaRPr>
+          </a:p>
+        </p:txBody>
+      </p:sp>
+      <p:cxnSp>
+        <p:nvCxnSpPr>
+          <p:cNvPr id="88" name="直線矢印コネクタ 87">
+            <a:extLst>
+              <a:ext uri="{FF2B5EF4-FFF2-40B4-BE49-F238E27FC236}">
+                <a16:creationId xmlns:a16="http://schemas.microsoft.com/office/drawing/2014/main" id="{66FCA7F2-1EBE-43D1-A23C-E0F2386B2908}"/>
+              </a:ext>
+            </a:extLst>
+          </p:cNvPr>
+          <p:cNvCxnSpPr>
+            <a:cxnSpLocks/>
+          </p:cNvCxnSpPr>
+          <p:nvPr/>
+        </p:nvCxnSpPr>
+        <p:spPr>
+          <a:xfrm flipH="1">
+            <a:off x="7141364" y="2025757"/>
+            <a:ext cx="963324" cy="496505"/>
+          </a:xfrm>
+          <a:prstGeom prst="straightConnector1">
+            <a:avLst/>
+          </a:prstGeom>
+          <a:ln w="38100">
+            <a:solidFill>
+              <a:srgbClr val="FF0000"/>
+            </a:solidFill>
+            <a:tailEnd type="triangle"/>
+          </a:ln>
+        </p:spPr>
+        <p:style>
+          <a:lnRef idx="3">
+            <a:schemeClr val="dk1"/>
+          </a:lnRef>
+          <a:fillRef idx="0">
+            <a:schemeClr val="dk1"/>
+          </a:fillRef>
+          <a:effectRef idx="2">
+            <a:schemeClr val="dk1"/>
+          </a:effectRef>
+          <a:fontRef idx="minor">
+            <a:schemeClr val="tx1"/>
+          </a:fontRef>
+        </p:style>
+      </p:cxnSp>
+      <p:cxnSp>
+        <p:nvCxnSpPr>
+          <p:cNvPr id="90" name="直線矢印コネクタ 89">
+            <a:extLst>
+              <a:ext uri="{FF2B5EF4-FFF2-40B4-BE49-F238E27FC236}">
+                <a16:creationId xmlns:a16="http://schemas.microsoft.com/office/drawing/2014/main" id="{E923A0A3-EF77-416B-9377-34FE4C37413C}"/>
+              </a:ext>
+            </a:extLst>
+          </p:cNvPr>
+          <p:cNvCxnSpPr>
+            <a:cxnSpLocks/>
+          </p:cNvCxnSpPr>
+          <p:nvPr/>
+        </p:nvCxnSpPr>
+        <p:spPr>
+          <a:xfrm flipH="1">
+            <a:off x="7284899" y="2059269"/>
+            <a:ext cx="1254574" cy="757571"/>
+          </a:xfrm>
+          <a:prstGeom prst="straightConnector1">
+            <a:avLst/>
+          </a:prstGeom>
+          <a:ln w="38100">
+            <a:solidFill>
+              <a:srgbClr val="FF0000"/>
+            </a:solidFill>
+            <a:tailEnd type="triangle"/>
+          </a:ln>
+        </p:spPr>
+        <p:style>
+          <a:lnRef idx="3">
+            <a:schemeClr val="dk1"/>
+          </a:lnRef>
+          <a:fillRef idx="0">
+            <a:schemeClr val="dk1"/>
+          </a:fillRef>
+          <a:effectRef idx="2">
+            <a:schemeClr val="dk1"/>
+          </a:effectRef>
+          <a:fontRef idx="minor">
+            <a:schemeClr val="tx1"/>
+          </a:fontRef>
+        </p:style>
+      </p:cxnSp>
+      <p:cxnSp>
+        <p:nvCxnSpPr>
+          <p:cNvPr id="76" name="直線コネクタ 75">
+            <a:extLst>
+              <a:ext uri="{FF2B5EF4-FFF2-40B4-BE49-F238E27FC236}">
+                <a16:creationId xmlns:a16="http://schemas.microsoft.com/office/drawing/2014/main" id="{9D752D68-9720-4700-83C2-3D0F1AB7E9DD}"/>
+              </a:ext>
+            </a:extLst>
+          </p:cNvPr>
+          <p:cNvCxnSpPr>
+            <a:cxnSpLocks/>
+          </p:cNvCxnSpPr>
+          <p:nvPr/>
+        </p:nvCxnSpPr>
+        <p:spPr>
+          <a:xfrm flipH="1">
+            <a:off x="4334913" y="2104936"/>
+            <a:ext cx="15192" cy="1743945"/>
+          </a:xfrm>
+          <a:prstGeom prst="line">
+            <a:avLst/>
+          </a:prstGeom>
+          <a:ln w="57150">
+            <a:solidFill>
+              <a:schemeClr val="accent1">
+                <a:lumMod val="60000"/>
+                <a:lumOff val="40000"/>
+              </a:schemeClr>
+            </a:solidFill>
+          </a:ln>
+        </p:spPr>
+        <p:style>
+          <a:lnRef idx="1">
+            <a:schemeClr val="accent1"/>
+          </a:lnRef>
+          <a:fillRef idx="0">
+            <a:schemeClr val="accent1"/>
+          </a:fillRef>
+          <a:effectRef idx="0">
+            <a:schemeClr val="accent1"/>
+          </a:effectRef>
+          <a:fontRef idx="minor">
+            <a:schemeClr val="tx1"/>
+          </a:fontRef>
+        </p:style>
+      </p:cxnSp>
+      <p:sp>
+        <p:nvSpPr>
+          <p:cNvPr id="74" name="テキスト ボックス 73">
+            <a:extLst>
+              <a:ext uri="{FF2B5EF4-FFF2-40B4-BE49-F238E27FC236}">
+                <a16:creationId xmlns:a16="http://schemas.microsoft.com/office/drawing/2014/main" id="{7D2B3414-D0AF-417F-B1B5-5CC4CD3B612A}"/>
+              </a:ext>
+            </a:extLst>
+          </p:cNvPr>
+          <p:cNvSpPr txBox="1"/>
+          <p:nvPr/>
+        </p:nvSpPr>
+        <p:spPr>
+          <a:xfrm>
+            <a:off x="101575" y="1843880"/>
+            <a:ext cx="2795958" cy="461665"/>
+          </a:xfrm>
+          <a:prstGeom prst="rect">
+            <a:avLst/>
+          </a:prstGeom>
+          <a:noFill/>
+        </p:spPr>
+        <p:txBody>
+          <a:bodyPr wrap="none" rtlCol="0">
+            <a:spAutoFit/>
+          </a:bodyPr>
+          <a:lstStyle/>
+          <a:p>
+            <a:r>
+              <a:rPr lang="en-US" altLang="ja-JP" sz="2400" b="1" dirty="0">
+                <a:solidFill>
+                  <a:schemeClr val="accent2">
+                    <a:lumMod val="75000"/>
+                  </a:schemeClr>
+                </a:solidFill>
+                <a:latin typeface="Georgia" panose="02040502050405020303" pitchFamily="18" charset="0"/>
+              </a:rPr>
+              <a:t>EM</a:t>
+            </a:r>
+            <a:r>
+              <a:rPr lang="ja-JP" altLang="en-US" sz="2400" b="1" dirty="0">
+                <a:solidFill>
+                  <a:schemeClr val="accent2">
+                    <a:lumMod val="75000"/>
+                  </a:schemeClr>
+                </a:solidFill>
+                <a:latin typeface="Georgia" panose="02040502050405020303" pitchFamily="18" charset="0"/>
+              </a:rPr>
+              <a:t>ー</a:t>
+            </a:r>
+            <a:r>
+              <a:rPr lang="en-US" altLang="ja-JP" sz="2400" b="1" dirty="0">
+                <a:solidFill>
+                  <a:schemeClr val="accent2">
+                    <a:lumMod val="75000"/>
+                  </a:schemeClr>
+                </a:solidFill>
+                <a:latin typeface="Georgia" panose="02040502050405020303" pitchFamily="18" charset="0"/>
+              </a:rPr>
+              <a:t>EEF 2.0-2C</a:t>
+            </a:r>
+          </a:p>
+        </p:txBody>
+      </p:sp>
+      <p:sp>
+        <p:nvSpPr>
+          <p:cNvPr id="83" name="テキスト ボックス 82">
+            <a:extLst>
+              <a:ext uri="{FF2B5EF4-FFF2-40B4-BE49-F238E27FC236}">
+                <a16:creationId xmlns:a16="http://schemas.microsoft.com/office/drawing/2014/main" id="{7ED23D1A-0278-4D08-AE8A-D5D1BA1B2D77}"/>
+              </a:ext>
+            </a:extLst>
+          </p:cNvPr>
+          <p:cNvSpPr txBox="1"/>
+          <p:nvPr/>
+        </p:nvSpPr>
+        <p:spPr>
+          <a:xfrm>
+            <a:off x="1477775" y="3092470"/>
+            <a:ext cx="1535998" cy="461665"/>
+          </a:xfrm>
+          <a:prstGeom prst="rect">
+            <a:avLst/>
+          </a:prstGeom>
+          <a:noFill/>
+        </p:spPr>
+        <p:txBody>
+          <a:bodyPr wrap="none" rtlCol="0">
+            <a:spAutoFit/>
+          </a:bodyPr>
+          <a:lstStyle/>
+          <a:p>
+            <a:r>
+              <a:rPr kumimoji="1" lang="en-US" altLang="ja-JP" sz="2400" b="1" dirty="0">
+                <a:solidFill>
+                  <a:schemeClr val="accent2">
+                    <a:lumMod val="75000"/>
+                  </a:schemeClr>
+                </a:solidFill>
+                <a:latin typeface="Georgia" panose="02040502050405020303" pitchFamily="18" charset="0"/>
+              </a:rPr>
+              <a:t>150+100</a:t>
+            </a:r>
+            <a:endParaRPr kumimoji="1" lang="ja-JP" altLang="en-US" sz="2400" b="1" dirty="0">
+              <a:solidFill>
+                <a:schemeClr val="accent2">
+                  <a:lumMod val="75000"/>
+                </a:schemeClr>
+              </a:solidFill>
+              <a:latin typeface="Georgia" panose="02040502050405020303" pitchFamily="18" charset="0"/>
+            </a:endParaRPr>
+          </a:p>
+        </p:txBody>
+      </p:sp>
+      <p:sp>
+        <p:nvSpPr>
+          <p:cNvPr id="86" name="テキスト ボックス 85">
+            <a:extLst>
+              <a:ext uri="{FF2B5EF4-FFF2-40B4-BE49-F238E27FC236}">
+                <a16:creationId xmlns:a16="http://schemas.microsoft.com/office/drawing/2014/main" id="{EEFB3EB1-1E4D-4D31-A020-0411452ACFBE}"/>
+              </a:ext>
+            </a:extLst>
+          </p:cNvPr>
+          <p:cNvSpPr txBox="1"/>
+          <p:nvPr/>
+        </p:nvSpPr>
+        <p:spPr>
+          <a:xfrm>
+            <a:off x="5247202" y="3615496"/>
+            <a:ext cx="768159" cy="2677656"/>
+          </a:xfrm>
+          <a:prstGeom prst="rect">
+            <a:avLst/>
+          </a:prstGeom>
+          <a:noFill/>
+        </p:spPr>
+        <p:txBody>
+          <a:bodyPr wrap="none" rtlCol="0">
+            <a:spAutoFit/>
+          </a:bodyPr>
+          <a:lstStyle/>
+          <a:p>
+            <a:r>
+              <a:rPr kumimoji="1" lang="en-US" altLang="ja-JP" sz="2400" b="1" dirty="0">
+                <a:solidFill>
+                  <a:schemeClr val="accent2">
+                    <a:lumMod val="75000"/>
+                  </a:schemeClr>
+                </a:solidFill>
+                <a:latin typeface="Georgia" panose="02040502050405020303" pitchFamily="18" charset="0"/>
+              </a:rPr>
+              <a:t>100</a:t>
+            </a:r>
+          </a:p>
+          <a:p>
+            <a:r>
+              <a:rPr lang="en-US" altLang="ja-JP" sz="2400" b="1" dirty="0">
+                <a:solidFill>
+                  <a:schemeClr val="accent2">
+                    <a:lumMod val="75000"/>
+                  </a:schemeClr>
+                </a:solidFill>
+                <a:latin typeface="Georgia" panose="02040502050405020303" pitchFamily="18" charset="0"/>
+              </a:rPr>
+              <a:t>+</a:t>
+            </a:r>
+          </a:p>
+          <a:p>
+            <a:r>
+              <a:rPr kumimoji="1" lang="en-US" altLang="ja-JP" sz="2400" b="1" dirty="0">
+                <a:solidFill>
+                  <a:schemeClr val="accent2">
+                    <a:lumMod val="75000"/>
+                  </a:schemeClr>
+                </a:solidFill>
+                <a:latin typeface="Georgia" panose="02040502050405020303" pitchFamily="18" charset="0"/>
+              </a:rPr>
+              <a:t>150</a:t>
+            </a:r>
+          </a:p>
+          <a:p>
+            <a:r>
+              <a:rPr kumimoji="1" lang="en-US" altLang="ja-JP" sz="2400" b="1" dirty="0">
+                <a:solidFill>
+                  <a:schemeClr val="accent2">
+                    <a:lumMod val="75000"/>
+                  </a:schemeClr>
+                </a:solidFill>
+                <a:latin typeface="Georgia" panose="02040502050405020303" pitchFamily="18" charset="0"/>
+              </a:rPr>
+              <a:t>+</a:t>
+            </a:r>
+          </a:p>
+          <a:p>
+            <a:r>
+              <a:rPr kumimoji="1" lang="en-US" altLang="ja-JP" sz="2400" b="1" dirty="0">
+                <a:solidFill>
+                  <a:schemeClr val="accent2">
+                    <a:lumMod val="75000"/>
+                  </a:schemeClr>
+                </a:solidFill>
+                <a:latin typeface="Georgia" panose="02040502050405020303" pitchFamily="18" charset="0"/>
+              </a:rPr>
+              <a:t>100</a:t>
+            </a:r>
+          </a:p>
+          <a:p>
+            <a:endParaRPr lang="en-US" altLang="ja-JP" sz="2400" b="1" dirty="0">
+              <a:solidFill>
+                <a:schemeClr val="accent2">
+                  <a:lumMod val="75000"/>
+                </a:schemeClr>
+              </a:solidFill>
+              <a:latin typeface="Georgia" panose="02040502050405020303" pitchFamily="18" charset="0"/>
+            </a:endParaRPr>
+          </a:p>
+          <a:p>
+            <a:r>
+              <a:rPr lang="en-US" altLang="ja-JP" sz="2400" b="1" dirty="0">
+                <a:solidFill>
+                  <a:schemeClr val="accent2">
+                    <a:lumMod val="75000"/>
+                  </a:schemeClr>
+                </a:solidFill>
+                <a:latin typeface="Georgia" panose="02040502050405020303" pitchFamily="18" charset="0"/>
+              </a:rPr>
+              <a:t>×2</a:t>
+            </a:r>
+          </a:p>
+        </p:txBody>
+      </p:sp>
+      <p:sp>
+        <p:nvSpPr>
+          <p:cNvPr id="91" name="テキスト ボックス 90">
+            <a:extLst>
+              <a:ext uri="{FF2B5EF4-FFF2-40B4-BE49-F238E27FC236}">
+                <a16:creationId xmlns:a16="http://schemas.microsoft.com/office/drawing/2014/main" id="{18CA5559-655B-4D86-B990-1C3F76A641F7}"/>
+              </a:ext>
+            </a:extLst>
+          </p:cNvPr>
+          <p:cNvSpPr txBox="1"/>
+          <p:nvPr/>
+        </p:nvSpPr>
+        <p:spPr>
+          <a:xfrm>
+            <a:off x="4459544" y="1947677"/>
+            <a:ext cx="2335896" cy="461665"/>
+          </a:xfrm>
+          <a:prstGeom prst="rect">
+            <a:avLst/>
+          </a:prstGeom>
+          <a:noFill/>
+        </p:spPr>
+        <p:txBody>
+          <a:bodyPr wrap="none" rtlCol="0">
+            <a:spAutoFit/>
+          </a:bodyPr>
+          <a:lstStyle/>
+          <a:p>
+            <a:r>
+              <a:rPr kumimoji="1" lang="en-US" altLang="ja-JP" sz="2400" b="1" dirty="0">
+                <a:solidFill>
+                  <a:schemeClr val="accent2">
+                    <a:lumMod val="75000"/>
+                  </a:schemeClr>
+                </a:solidFill>
+                <a:latin typeface="Georgia" panose="02040502050405020303" pitchFamily="18" charset="0"/>
+              </a:rPr>
+              <a:t>100+150+100</a:t>
+            </a:r>
+            <a:endParaRPr kumimoji="1" lang="ja-JP" altLang="en-US" sz="2400" b="1" dirty="0">
+              <a:solidFill>
+                <a:schemeClr val="accent2">
+                  <a:lumMod val="75000"/>
+                </a:schemeClr>
+              </a:solidFill>
+              <a:latin typeface="Georgia" panose="02040502050405020303" pitchFamily="18" charset="0"/>
+            </a:endParaRPr>
+          </a:p>
+        </p:txBody>
+      </p:sp>
+      <p:sp>
+        <p:nvSpPr>
+          <p:cNvPr id="92" name="テキスト ボックス 91">
+            <a:extLst>
+              <a:ext uri="{FF2B5EF4-FFF2-40B4-BE49-F238E27FC236}">
+                <a16:creationId xmlns:a16="http://schemas.microsoft.com/office/drawing/2014/main" id="{2D297135-CDE4-4B3A-854D-4EFCAE2F5ECD}"/>
+              </a:ext>
+            </a:extLst>
+          </p:cNvPr>
+          <p:cNvSpPr txBox="1"/>
+          <p:nvPr/>
+        </p:nvSpPr>
+        <p:spPr>
+          <a:xfrm>
+            <a:off x="1700109" y="746951"/>
+            <a:ext cx="2161169" cy="461665"/>
+          </a:xfrm>
+          <a:prstGeom prst="rect">
+            <a:avLst/>
+          </a:prstGeom>
+          <a:noFill/>
+        </p:spPr>
+        <p:txBody>
+          <a:bodyPr wrap="none" rtlCol="0">
+            <a:spAutoFit/>
+          </a:bodyPr>
+          <a:lstStyle/>
+          <a:p>
+            <a:r>
+              <a:rPr lang="en-US" altLang="ja-JP" sz="2400" b="1" dirty="0">
+                <a:solidFill>
+                  <a:schemeClr val="accent2">
+                    <a:lumMod val="75000"/>
+                  </a:schemeClr>
+                </a:solidFill>
+                <a:latin typeface="Georgia" panose="02040502050405020303" pitchFamily="18" charset="0"/>
+              </a:rPr>
+              <a:t>2</a:t>
+            </a:r>
+            <a:r>
+              <a:rPr kumimoji="1" lang="en-US" altLang="ja-JP" sz="2400" b="1" dirty="0">
+                <a:solidFill>
+                  <a:schemeClr val="accent2">
+                    <a:lumMod val="75000"/>
+                  </a:schemeClr>
+                </a:solidFill>
+                <a:latin typeface="Georgia" panose="02040502050405020303" pitchFamily="18" charset="0"/>
+              </a:rPr>
+              <a:t>0+150+100</a:t>
+            </a:r>
+            <a:endParaRPr kumimoji="1" lang="ja-JP" altLang="en-US" sz="2400" b="1" dirty="0">
+              <a:solidFill>
+                <a:schemeClr val="accent2">
+                  <a:lumMod val="75000"/>
+                </a:schemeClr>
+              </a:solidFill>
+              <a:latin typeface="Georgia" panose="02040502050405020303" pitchFamily="18" charset="0"/>
+            </a:endParaRPr>
+          </a:p>
+        </p:txBody>
+      </p:sp>
+      <p:sp>
+        <p:nvSpPr>
+          <p:cNvPr id="93" name="テキスト ボックス 92">
+            <a:extLst>
+              <a:ext uri="{FF2B5EF4-FFF2-40B4-BE49-F238E27FC236}">
+                <a16:creationId xmlns:a16="http://schemas.microsoft.com/office/drawing/2014/main" id="{80879314-D114-4351-90FE-4C76CC0990A9}"/>
+              </a:ext>
+            </a:extLst>
+          </p:cNvPr>
+          <p:cNvSpPr txBox="1"/>
+          <p:nvPr/>
+        </p:nvSpPr>
+        <p:spPr>
+          <a:xfrm>
+            <a:off x="7756271" y="1144354"/>
+            <a:ext cx="2153154" cy="461665"/>
+          </a:xfrm>
+          <a:prstGeom prst="rect">
+            <a:avLst/>
+          </a:prstGeom>
+          <a:noFill/>
+        </p:spPr>
+        <p:txBody>
+          <a:bodyPr wrap="none" rtlCol="0">
+            <a:spAutoFit/>
+          </a:bodyPr>
+          <a:lstStyle/>
+          <a:p>
+            <a:r>
+              <a:rPr kumimoji="1" lang="en-US" altLang="ja-JP" sz="2400" b="1" dirty="0">
+                <a:solidFill>
+                  <a:schemeClr val="accent2">
+                    <a:lumMod val="75000"/>
+                  </a:schemeClr>
+                </a:solidFill>
+                <a:latin typeface="Georgia" panose="02040502050405020303" pitchFamily="18" charset="0"/>
+              </a:rPr>
+              <a:t>50+150+100</a:t>
+            </a:r>
+            <a:endParaRPr kumimoji="1" lang="ja-JP" altLang="en-US" sz="2400" b="1" dirty="0">
+              <a:solidFill>
+                <a:schemeClr val="accent2">
+                  <a:lumMod val="75000"/>
+                </a:schemeClr>
+              </a:solidFill>
+              <a:latin typeface="Georgia" panose="02040502050405020303" pitchFamily="18" charset="0"/>
+            </a:endParaRPr>
+          </a:p>
+        </p:txBody>
+      </p:sp>
+      <p:sp>
+        <p:nvSpPr>
+          <p:cNvPr id="94" name="テキスト ボックス 93">
+            <a:extLst>
+              <a:ext uri="{FF2B5EF4-FFF2-40B4-BE49-F238E27FC236}">
+                <a16:creationId xmlns:a16="http://schemas.microsoft.com/office/drawing/2014/main" id="{8E5B27AD-7AD5-45E5-938A-EACE74466756}"/>
+              </a:ext>
+            </a:extLst>
+          </p:cNvPr>
+          <p:cNvSpPr txBox="1"/>
+          <p:nvPr/>
+        </p:nvSpPr>
+        <p:spPr>
+          <a:xfrm>
+            <a:off x="7229503" y="4141717"/>
+            <a:ext cx="1535998" cy="461665"/>
+          </a:xfrm>
+          <a:prstGeom prst="rect">
+            <a:avLst/>
+          </a:prstGeom>
+          <a:noFill/>
+        </p:spPr>
+        <p:txBody>
+          <a:bodyPr wrap="none" rtlCol="0">
+            <a:spAutoFit/>
+          </a:bodyPr>
+          <a:lstStyle/>
+          <a:p>
+            <a:r>
+              <a:rPr lang="en-US" altLang="ja-JP" sz="2400" b="1" dirty="0">
+                <a:solidFill>
+                  <a:schemeClr val="accent2">
+                    <a:lumMod val="75000"/>
+                  </a:schemeClr>
+                </a:solidFill>
+                <a:latin typeface="Georgia" panose="02040502050405020303" pitchFamily="18" charset="0"/>
+              </a:rPr>
+              <a:t>10</a:t>
+            </a:r>
+            <a:r>
+              <a:rPr kumimoji="1" lang="en-US" altLang="ja-JP" sz="2400" b="1" dirty="0">
+                <a:solidFill>
+                  <a:schemeClr val="accent2">
+                    <a:lumMod val="75000"/>
+                  </a:schemeClr>
+                </a:solidFill>
+                <a:latin typeface="Georgia" panose="02040502050405020303" pitchFamily="18" charset="0"/>
+              </a:rPr>
+              <a:t>0+150</a:t>
+            </a:r>
+            <a:endParaRPr kumimoji="1" lang="ja-JP" altLang="en-US" sz="2400" b="1" dirty="0">
+              <a:solidFill>
+                <a:schemeClr val="accent2">
+                  <a:lumMod val="75000"/>
+                </a:schemeClr>
+              </a:solidFill>
+              <a:latin typeface="Georgia" panose="02040502050405020303" pitchFamily="18" charset="0"/>
+            </a:endParaRPr>
+          </a:p>
+        </p:txBody>
+      </p:sp>
+      <p:sp>
+        <p:nvSpPr>
+          <p:cNvPr id="15" name="楕円 14">
+            <a:extLst>
+              <a:ext uri="{FF2B5EF4-FFF2-40B4-BE49-F238E27FC236}">
+                <a16:creationId xmlns:a16="http://schemas.microsoft.com/office/drawing/2014/main" id="{AFD29DC4-70A1-4074-A115-EBAB6DFE1C38}"/>
+              </a:ext>
+            </a:extLst>
+          </p:cNvPr>
+          <p:cNvSpPr/>
+          <p:nvPr/>
+        </p:nvSpPr>
+        <p:spPr>
+          <a:xfrm>
+            <a:off x="4114303" y="3352059"/>
+            <a:ext cx="1089084" cy="322393"/>
+          </a:xfrm>
+          <a:prstGeom prst="ellipse">
+            <a:avLst/>
+          </a:prstGeom>
+          <a:noFill/>
+          <a:ln w="28575">
+            <a:solidFill>
+              <a:schemeClr val="accent4">
+                <a:lumMod val="60000"/>
+                <a:lumOff val="40000"/>
+              </a:schemeClr>
+            </a:solidFill>
+          </a:ln>
+        </p:spPr>
+        <p:style>
+          <a:lnRef idx="2">
+            <a:schemeClr val="accent1">
+              <a:shade val="50000"/>
+            </a:schemeClr>
+          </a:lnRef>
+          <a:fillRef idx="1">
+            <a:schemeClr val="accent1"/>
+          </a:fillRef>
+          <a:effectRef idx="0">
+            <a:schemeClr val="accent1"/>
+          </a:effectRef>
+          <a:fontRef idx="minor">
+            <a:schemeClr val="lt1"/>
+          </a:fontRef>
+        </p:style>
+        <p:txBody>
+          <a:bodyPr rtlCol="0" anchor="ctr"/>
+          <a:lstStyle/>
+          <a:p>
+            <a:pPr algn="ctr"/>
+            <a:endParaRPr kumimoji="1" lang="ja-JP" altLang="en-US"/>
+          </a:p>
+        </p:txBody>
+      </p:sp>
+      <p:sp>
+        <p:nvSpPr>
+          <p:cNvPr id="95" name="楕円 94">
+            <a:extLst>
+              <a:ext uri="{FF2B5EF4-FFF2-40B4-BE49-F238E27FC236}">
+                <a16:creationId xmlns:a16="http://schemas.microsoft.com/office/drawing/2014/main" id="{ACB94E0F-65D9-4F98-BA10-9205A73643B8}"/>
+              </a:ext>
+            </a:extLst>
+          </p:cNvPr>
+          <p:cNvSpPr/>
+          <p:nvPr/>
+        </p:nvSpPr>
+        <p:spPr>
+          <a:xfrm>
+            <a:off x="5464403" y="2513054"/>
+            <a:ext cx="179019" cy="519299"/>
+          </a:xfrm>
+          <a:prstGeom prst="ellipse">
+            <a:avLst/>
+          </a:prstGeom>
+          <a:noFill/>
+          <a:ln w="28575">
+            <a:solidFill>
+              <a:schemeClr val="accent4">
+                <a:lumMod val="60000"/>
+                <a:lumOff val="40000"/>
+              </a:schemeClr>
+            </a:solidFill>
+          </a:ln>
+        </p:spPr>
+        <p:style>
+          <a:lnRef idx="2">
+            <a:schemeClr val="accent1">
+              <a:shade val="50000"/>
+            </a:schemeClr>
+          </a:lnRef>
+          <a:fillRef idx="1">
+            <a:schemeClr val="accent1"/>
+          </a:fillRef>
+          <a:effectRef idx="0">
+            <a:schemeClr val="accent1"/>
+          </a:effectRef>
+          <a:fontRef idx="minor">
+            <a:schemeClr val="lt1"/>
+          </a:fontRef>
+        </p:style>
+        <p:txBody>
+          <a:bodyPr rtlCol="0" anchor="ctr"/>
+          <a:lstStyle/>
+          <a:p>
+            <a:pPr algn="ctr"/>
+            <a:endParaRPr kumimoji="1" lang="ja-JP" altLang="en-US"/>
+          </a:p>
+        </p:txBody>
+      </p:sp>
+    </p:spTree>
+    <p:extLst>
+      <p:ext uri="{BB962C8B-B14F-4D97-AF65-F5344CB8AC3E}">
+        <p14:creationId xmlns:p14="http://schemas.microsoft.com/office/powerpoint/2010/main" val="346479527"/>
       </p:ext>
     </p:extLst>
   </p:cSld>
